--- a/multiscalemodel/src/edu/usf/ratsim/model/pablo/morris_replay/logging/issues.pptx
+++ b/multiscalemodel/src/edu/usf/ratsim/model/pablo/morris_replay/logging/issues.pptx
@@ -14,6 +14,16 @@
     <p:sldId id="263" r:id="rId8"/>
     <p:sldId id="261" r:id="rId9"/>
     <p:sldId id="264" r:id="rId10"/>
+    <p:sldId id="266" r:id="rId11"/>
+    <p:sldId id="267" r:id="rId12"/>
+    <p:sldId id="265" r:id="rId13"/>
+    <p:sldId id="268" r:id="rId14"/>
+    <p:sldId id="270" r:id="rId15"/>
+    <p:sldId id="269" r:id="rId16"/>
+    <p:sldId id="271" r:id="rId17"/>
+    <p:sldId id="272" r:id="rId18"/>
+    <p:sldId id="274" r:id="rId19"/>
+    <p:sldId id="273" r:id="rId20"/>
   </p:sldIdLst>
   <p:sldSz cx="12192000" cy="6858000"/>
   <p:notesSz cx="6858000" cy="9144000"/>
@@ -113,6 +123,36 @@
     </a:lvl9pPr>
   </p:defaultTextStyle>
   <p:extLst>
+    <p:ext uri="{521415D9-36F7-43E2-AB2F-B90AF26B5E84}">
+      <p14:sectionLst xmlns:p14="http://schemas.microsoft.com/office/powerpoint/2010/main">
+        <p14:section name="Default Section" id="{B677A90B-9959-4713-9170-C0AFF060545F}">
+          <p14:sldIdLst>
+            <p14:sldId id="256"/>
+            <p14:sldId id="257"/>
+            <p14:sldId id="258"/>
+            <p14:sldId id="259"/>
+            <p14:sldId id="260"/>
+            <p14:sldId id="262"/>
+            <p14:sldId id="263"/>
+            <p14:sldId id="261"/>
+            <p14:sldId id="264"/>
+            <p14:sldId id="266"/>
+            <p14:sldId id="267"/>
+            <p14:sldId id="265"/>
+            <p14:sldId id="268"/>
+            <p14:sldId id="270"/>
+            <p14:sldId id="269"/>
+            <p14:sldId id="271"/>
+            <p14:sldId id="272"/>
+            <p14:sldId id="274"/>
+            <p14:sldId id="273"/>
+          </p14:sldIdLst>
+        </p14:section>
+        <p14:section name="Untitled Section" id="{10953C5A-16FB-4E79-AF57-55AC87680BF6}">
+          <p14:sldIdLst/>
+        </p14:section>
+      </p14:sectionLst>
+    </p:ext>
     <p:ext uri="{EFAFB233-063F-42B5-8137-9DF3F51BA10A}">
       <p15:sldGuideLst xmlns:p15="http://schemas.microsoft.com/office/powerpoint/2012/main"/>
     </p:ext>
@@ -267,7 +307,7 @@
           <a:p>
             <a:fld id="{2DC27D8E-51E4-4162-86B4-7AB8E00F03B0}" type="datetimeFigureOut">
               <a:rPr lang="en-US" smtClean="0"/>
-              <a:t>7/11/2018</a:t>
+              <a:t>7/26/2018</a:t>
             </a:fld>
             <a:endParaRPr lang="en-US"/>
           </a:p>
@@ -465,7 +505,7 @@
           <a:p>
             <a:fld id="{2DC27D8E-51E4-4162-86B4-7AB8E00F03B0}" type="datetimeFigureOut">
               <a:rPr lang="en-US" smtClean="0"/>
-              <a:t>7/11/2018</a:t>
+              <a:t>7/26/2018</a:t>
             </a:fld>
             <a:endParaRPr lang="en-US"/>
           </a:p>
@@ -673,7 +713,7 @@
           <a:p>
             <a:fld id="{2DC27D8E-51E4-4162-86B4-7AB8E00F03B0}" type="datetimeFigureOut">
               <a:rPr lang="en-US" smtClean="0"/>
-              <a:t>7/11/2018</a:t>
+              <a:t>7/26/2018</a:t>
             </a:fld>
             <a:endParaRPr lang="en-US"/>
           </a:p>
@@ -871,7 +911,7 @@
           <a:p>
             <a:fld id="{2DC27D8E-51E4-4162-86B4-7AB8E00F03B0}" type="datetimeFigureOut">
               <a:rPr lang="en-US" smtClean="0"/>
-              <a:t>7/11/2018</a:t>
+              <a:t>7/26/2018</a:t>
             </a:fld>
             <a:endParaRPr lang="en-US"/>
           </a:p>
@@ -1146,7 +1186,7 @@
           <a:p>
             <a:fld id="{2DC27D8E-51E4-4162-86B4-7AB8E00F03B0}" type="datetimeFigureOut">
               <a:rPr lang="en-US" smtClean="0"/>
-              <a:t>7/11/2018</a:t>
+              <a:t>7/26/2018</a:t>
             </a:fld>
             <a:endParaRPr lang="en-US"/>
           </a:p>
@@ -1411,7 +1451,7 @@
           <a:p>
             <a:fld id="{2DC27D8E-51E4-4162-86B4-7AB8E00F03B0}" type="datetimeFigureOut">
               <a:rPr lang="en-US" smtClean="0"/>
-              <a:t>7/11/2018</a:t>
+              <a:t>7/26/2018</a:t>
             </a:fld>
             <a:endParaRPr lang="en-US"/>
           </a:p>
@@ -1823,7 +1863,7 @@
           <a:p>
             <a:fld id="{2DC27D8E-51E4-4162-86B4-7AB8E00F03B0}" type="datetimeFigureOut">
               <a:rPr lang="en-US" smtClean="0"/>
-              <a:t>7/11/2018</a:t>
+              <a:t>7/26/2018</a:t>
             </a:fld>
             <a:endParaRPr lang="en-US"/>
           </a:p>
@@ -1964,7 +2004,7 @@
           <a:p>
             <a:fld id="{2DC27D8E-51E4-4162-86B4-7AB8E00F03B0}" type="datetimeFigureOut">
               <a:rPr lang="en-US" smtClean="0"/>
-              <a:t>7/11/2018</a:t>
+              <a:t>7/26/2018</a:t>
             </a:fld>
             <a:endParaRPr lang="en-US"/>
           </a:p>
@@ -2077,7 +2117,7 @@
           <a:p>
             <a:fld id="{2DC27D8E-51E4-4162-86B4-7AB8E00F03B0}" type="datetimeFigureOut">
               <a:rPr lang="en-US" smtClean="0"/>
-              <a:t>7/11/2018</a:t>
+              <a:t>7/26/2018</a:t>
             </a:fld>
             <a:endParaRPr lang="en-US"/>
           </a:p>
@@ -2388,7 +2428,7 @@
           <a:p>
             <a:fld id="{2DC27D8E-51E4-4162-86B4-7AB8E00F03B0}" type="datetimeFigureOut">
               <a:rPr lang="en-US" smtClean="0"/>
-              <a:t>7/11/2018</a:t>
+              <a:t>7/26/2018</a:t>
             </a:fld>
             <a:endParaRPr lang="en-US"/>
           </a:p>
@@ -2676,7 +2716,7 @@
           <a:p>
             <a:fld id="{2DC27D8E-51E4-4162-86B4-7AB8E00F03B0}" type="datetimeFigureOut">
               <a:rPr lang="en-US" smtClean="0"/>
-              <a:t>7/11/2018</a:t>
+              <a:t>7/26/2018</a:t>
             </a:fld>
             <a:endParaRPr lang="en-US"/>
           </a:p>
@@ -2917,7 +2957,7 @@
           <a:p>
             <a:fld id="{2DC27D8E-51E4-4162-86B4-7AB8E00F03B0}" type="datetimeFigureOut">
               <a:rPr lang="en-US" smtClean="0"/>
-              <a:t>7/11/2018</a:t>
+              <a:t>7/26/2018</a:t>
             </a:fld>
             <a:endParaRPr lang="en-US"/>
           </a:p>
@@ -4346,6 +4386,8536 @@
 </p:sld>
 </file>
 
+<file path=ppt/slides/slide10.xml><?xml version="1.0" encoding="utf-8"?>
+<p:sld xmlns:a="http://schemas.openxmlformats.org/drawingml/2006/main" xmlns:r="http://schemas.openxmlformats.org/officeDocument/2006/relationships" xmlns:p="http://schemas.openxmlformats.org/presentationml/2006/main">
+  <p:cSld>
+    <p:spTree>
+      <p:nvGrpSpPr>
+        <p:cNvPr id="1" name=""/>
+        <p:cNvGrpSpPr/>
+        <p:nvPr/>
+      </p:nvGrpSpPr>
+      <p:grpSpPr>
+        <a:xfrm>
+          <a:off x="0" y="0"/>
+          <a:ext cx="0" cy="0"/>
+          <a:chOff x="0" y="0"/>
+          <a:chExt cx="0" cy="0"/>
+        </a:xfrm>
+      </p:grpSpPr>
+      <p:sp>
+        <p:nvSpPr>
+          <p:cNvPr id="4" name="Title 1">
+            <a:extLst>
+              <a:ext uri="{FF2B5EF4-FFF2-40B4-BE49-F238E27FC236}">
+                <a16:creationId xmlns:a16="http://schemas.microsoft.com/office/drawing/2014/main" id="{C724AB56-479D-4973-95BA-A576691B4CBA}"/>
+              </a:ext>
+            </a:extLst>
+          </p:cNvPr>
+          <p:cNvSpPr txBox="1">
+            <a:spLocks/>
+          </p:cNvSpPr>
+          <p:nvPr/>
+        </p:nvSpPr>
+        <p:spPr>
+          <a:xfrm>
+            <a:off x="962025" y="158899"/>
+            <a:ext cx="10515600" cy="1325563"/>
+          </a:xfrm>
+          <a:prstGeom prst="rect">
+            <a:avLst/>
+          </a:prstGeom>
+        </p:spPr>
+        <p:txBody>
+          <a:bodyPr vert="horz" lIns="91440" tIns="45720" rIns="91440" bIns="45720" rtlCol="0" anchor="ctr">
+            <a:normAutofit fontScale="90000" lnSpcReduction="20000"/>
+          </a:bodyPr>
+          <a:lstStyle>
+            <a:lvl1pPr algn="l" defTabSz="914400" rtl="0" eaLnBrk="1" latinLnBrk="0" hangingPunct="1">
+              <a:lnSpc>
+                <a:spcPct val="90000"/>
+              </a:lnSpc>
+              <a:spcBef>
+                <a:spcPct val="0"/>
+              </a:spcBef>
+              <a:buNone/>
+              <a:defRPr sz="4400" kern="1200">
+                <a:solidFill>
+                  <a:schemeClr val="tx1"/>
+                </a:solidFill>
+                <a:latin typeface="+mj-lt"/>
+                <a:ea typeface="+mj-ea"/>
+                <a:cs typeface="+mj-cs"/>
+              </a:defRPr>
+            </a:lvl1pPr>
+          </a:lstStyle>
+          <a:p>
+            <a:r>
+              <a:rPr lang="en-US" sz="2400" dirty="0"/>
+              <a:t>Observation 7: PC vector space. 2 Place cells (in blue) located on the x axis. Radius=0.08, separation=0.65*radius. Figure on left shows space as </a:t>
+            </a:r>
+            <a:r>
+              <a:rPr lang="en-US" sz="2400" dirty="0" err="1"/>
+              <a:t>x,y</a:t>
+            </a:r>
+            <a:r>
+              <a:rPr lang="en-US" sz="2400" dirty="0"/>
+              <a:t> coordinates. Figure on right shows space as PC1, PC2 coordinates. Most points translate to coordinates 0,0. In simulation, the lowest possible activation is 0.2</a:t>
+            </a:r>
+          </a:p>
+          <a:p>
+            <a:r>
+              <a:rPr lang="en-US" sz="2400" dirty="0" err="1"/>
+              <a:t>Archivo</a:t>
+            </a:r>
+            <a:r>
+              <a:rPr lang="en-US" sz="2400" dirty="0"/>
+              <a:t>: c:\Users\bucef\Documents\Matlab\Pcspace.m</a:t>
+            </a:r>
+          </a:p>
+        </p:txBody>
+      </p:sp>
+      <p:pic>
+        <p:nvPicPr>
+          <p:cNvPr id="2" name="Picture 1">
+            <a:extLst>
+              <a:ext uri="{FF2B5EF4-FFF2-40B4-BE49-F238E27FC236}">
+                <a16:creationId xmlns:a16="http://schemas.microsoft.com/office/drawing/2014/main" id="{AD394A82-A932-43ED-B330-D5DE9A236091}"/>
+              </a:ext>
+            </a:extLst>
+          </p:cNvPr>
+          <p:cNvPicPr>
+            <a:picLocks noChangeAspect="1"/>
+          </p:cNvPicPr>
+          <p:nvPr/>
+        </p:nvPicPr>
+        <p:blipFill>
+          <a:blip r:embed="rId2"/>
+          <a:stretch>
+            <a:fillRect/>
+          </a:stretch>
+        </p:blipFill>
+        <p:spPr>
+          <a:xfrm>
+            <a:off x="714375" y="1501775"/>
+            <a:ext cx="10763250" cy="4838700"/>
+          </a:xfrm>
+          <a:prstGeom prst="rect">
+            <a:avLst/>
+          </a:prstGeom>
+        </p:spPr>
+      </p:pic>
+    </p:spTree>
+    <p:extLst>
+      <p:ext uri="{BB962C8B-B14F-4D97-AF65-F5344CB8AC3E}">
+        <p14:creationId xmlns:p14="http://schemas.microsoft.com/office/powerpoint/2010/main" val="3944408463"/>
+      </p:ext>
+    </p:extLst>
+  </p:cSld>
+  <p:clrMapOvr>
+    <a:masterClrMapping/>
+  </p:clrMapOvr>
+</p:sld>
+</file>
+
+<file path=ppt/slides/slide11.xml><?xml version="1.0" encoding="utf-8"?>
+<p:sld xmlns:a="http://schemas.openxmlformats.org/drawingml/2006/main" xmlns:r="http://schemas.openxmlformats.org/officeDocument/2006/relationships" xmlns:p="http://schemas.openxmlformats.org/presentationml/2006/main">
+  <p:cSld>
+    <p:spTree>
+      <p:nvGrpSpPr>
+        <p:cNvPr id="1" name=""/>
+        <p:cNvGrpSpPr/>
+        <p:nvPr/>
+      </p:nvGrpSpPr>
+      <p:grpSpPr>
+        <a:xfrm>
+          <a:off x="0" y="0"/>
+          <a:ext cx="0" cy="0"/>
+          <a:chOff x="0" y="0"/>
+          <a:chExt cx="0" cy="0"/>
+        </a:xfrm>
+      </p:grpSpPr>
+      <p:sp>
+        <p:nvSpPr>
+          <p:cNvPr id="2" name="Title 1">
+            <a:extLst>
+              <a:ext uri="{FF2B5EF4-FFF2-40B4-BE49-F238E27FC236}">
+                <a16:creationId xmlns:a16="http://schemas.microsoft.com/office/drawing/2014/main" id="{18F619CD-2521-4773-8A3C-DC8F603B8592}"/>
+              </a:ext>
+            </a:extLst>
+          </p:cNvPr>
+          <p:cNvSpPr>
+            <a:spLocks noGrp="1"/>
+          </p:cNvSpPr>
+          <p:nvPr>
+            <p:ph type="title"/>
+          </p:nvPr>
+        </p:nvSpPr>
+        <p:spPr/>
+        <p:txBody>
+          <a:bodyPr/>
+          <a:lstStyle/>
+          <a:p>
+            <a:r>
+              <a:rPr lang="en-US" dirty="0"/>
+              <a:t>PC Space Analysis</a:t>
+            </a:r>
+          </a:p>
+        </p:txBody>
+      </p:sp>
+      <mc:AlternateContent xmlns:mc="http://schemas.openxmlformats.org/markup-compatibility/2006" xmlns:a14="http://schemas.microsoft.com/office/drawing/2010/main">
+        <mc:Choice Requires="a14">
+          <p:sp>
+            <p:nvSpPr>
+              <p:cNvPr id="3" name="Content Placeholder 2">
+                <a:extLst>
+                  <a:ext uri="{FF2B5EF4-FFF2-40B4-BE49-F238E27FC236}">
+                    <a16:creationId xmlns:a16="http://schemas.microsoft.com/office/drawing/2014/main" id="{EDA70D0C-D35D-41E4-B566-68A144EE8184}"/>
+                  </a:ext>
+                </a:extLst>
+              </p:cNvPr>
+              <p:cNvSpPr>
+                <a:spLocks noGrp="1"/>
+              </p:cNvSpPr>
+              <p:nvPr>
+                <p:ph idx="1"/>
+              </p:nvPr>
+            </p:nvSpPr>
+            <p:spPr>
+              <a:xfrm>
+                <a:off x="838200" y="1825625"/>
+                <a:ext cx="10515600" cy="4351338"/>
+              </a:xfrm>
+            </p:spPr>
+            <p:txBody>
+              <a:bodyPr/>
+              <a:lstStyle/>
+              <a:p>
+                <a:r>
+                  <a:rPr lang="en-US" dirty="0"/>
+                  <a:t>Given </a:t>
+                </a:r>
+                <a14:m>
+                  <m:oMath xmlns:m="http://schemas.openxmlformats.org/officeDocument/2006/math">
+                    <m:r>
+                      <m:rPr>
+                        <m:sty m:val="p"/>
+                      </m:rPr>
+                      <a:rPr lang="en-US" b="0" i="0" smtClean="0">
+                        <a:latin typeface="Cambria Math" panose="02040503050406030204" pitchFamily="18" charset="0"/>
+                      </a:rPr>
+                      <m:t>Δ</m:t>
+                    </m:r>
+                    <m:r>
+                      <a:rPr lang="en-US" b="0" i="1" smtClean="0">
+                        <a:latin typeface="Cambria Math" panose="02040503050406030204" pitchFamily="18" charset="0"/>
+                      </a:rPr>
+                      <m:t>𝑃</m:t>
+                    </m:r>
+                    <m:sSub>
+                      <m:sSubPr>
+                        <m:ctrlPr>
+                          <a:rPr lang="en-US" b="0" i="1" smtClean="0">
+                            <a:latin typeface="Cambria Math" panose="02040503050406030204" pitchFamily="18" charset="0"/>
+                          </a:rPr>
+                        </m:ctrlPr>
+                      </m:sSubPr>
+                      <m:e>
+                        <m:r>
+                          <a:rPr lang="en-US" b="0" i="1" smtClean="0">
+                            <a:latin typeface="Cambria Math" panose="02040503050406030204" pitchFamily="18" charset="0"/>
+                          </a:rPr>
+                          <m:t>𝐶</m:t>
+                        </m:r>
+                      </m:e>
+                      <m:sub>
+                        <m:r>
+                          <a:rPr lang="en-US" b="0" i="1" smtClean="0">
+                            <a:latin typeface="Cambria Math" panose="02040503050406030204" pitchFamily="18" charset="0"/>
+                          </a:rPr>
+                          <m:t>𝑖𝑗</m:t>
+                        </m:r>
+                      </m:sub>
+                    </m:sSub>
+                  </m:oMath>
+                </a14:m>
+                <a:r>
+                  <a:rPr lang="en-US" dirty="0"/>
+                  <a:t>, am I moving from </a:t>
+                </a:r>
+                <a14:m>
+                  <m:oMath xmlns:m="http://schemas.openxmlformats.org/officeDocument/2006/math">
+                    <m:r>
+                      <a:rPr lang="en-US" b="0" i="1" smtClean="0">
+                        <a:latin typeface="Cambria Math" panose="02040503050406030204" pitchFamily="18" charset="0"/>
+                      </a:rPr>
+                      <m:t>𝑖</m:t>
+                    </m:r>
+                  </m:oMath>
+                </a14:m>
+                <a:r>
+                  <a:rPr lang="en-US" dirty="0"/>
+                  <a:t> to </a:t>
+                </a:r>
+                <a14:m>
+                  <m:oMath xmlns:m="http://schemas.openxmlformats.org/officeDocument/2006/math">
+                    <m:r>
+                      <a:rPr lang="en-US" b="0" i="1" smtClean="0">
+                        <a:latin typeface="Cambria Math" panose="02040503050406030204" pitchFamily="18" charset="0"/>
+                      </a:rPr>
+                      <m:t>𝑗</m:t>
+                    </m:r>
+                  </m:oMath>
+                </a14:m>
+                <a:r>
+                  <a:rPr lang="en-US" dirty="0"/>
+                  <a:t>???</a:t>
+                </a:r>
+              </a:p>
+              <a:p>
+                <a:pPr lvl="1"/>
+                <a:r>
+                  <a:rPr lang="en-US" dirty="0"/>
+                  <a:t>If </a:t>
+                </a:r>
+                <a14:m>
+                  <m:oMath xmlns:m="http://schemas.openxmlformats.org/officeDocument/2006/math">
+                    <m:r>
+                      <m:rPr>
+                        <m:sty m:val="p"/>
+                      </m:rPr>
+                      <a:rPr lang="en-US" b="0" i="0" smtClean="0">
+                        <a:latin typeface="Cambria Math" panose="02040503050406030204" pitchFamily="18" charset="0"/>
+                      </a:rPr>
+                      <m:t>Δ</m:t>
+                    </m:r>
+                    <m:r>
+                      <a:rPr lang="en-US" b="0" i="1" smtClean="0">
+                        <a:latin typeface="Cambria Math" panose="02040503050406030204" pitchFamily="18" charset="0"/>
+                      </a:rPr>
+                      <m:t>𝑃</m:t>
+                    </m:r>
+                    <m:sSub>
+                      <m:sSubPr>
+                        <m:ctrlPr>
+                          <a:rPr lang="en-US" b="0" i="1" smtClean="0">
+                            <a:latin typeface="Cambria Math" panose="02040503050406030204" pitchFamily="18" charset="0"/>
+                          </a:rPr>
+                        </m:ctrlPr>
+                      </m:sSubPr>
+                      <m:e>
+                        <m:r>
+                          <a:rPr lang="en-US" b="0" i="1" smtClean="0">
+                            <a:latin typeface="Cambria Math" panose="02040503050406030204" pitchFamily="18" charset="0"/>
+                          </a:rPr>
+                          <m:t>𝐶</m:t>
+                        </m:r>
+                      </m:e>
+                      <m:sub>
+                        <m:r>
+                          <a:rPr lang="en-US" b="0" i="1" smtClean="0">
+                            <a:latin typeface="Cambria Math" panose="02040503050406030204" pitchFamily="18" charset="0"/>
+                          </a:rPr>
+                          <m:t>𝑖</m:t>
+                        </m:r>
+                      </m:sub>
+                    </m:sSub>
+                  </m:oMath>
+                </a14:m>
+                <a:r>
+                  <a:rPr lang="en-US" dirty="0"/>
+                  <a:t> &gt; 0 </a:t>
+                </a:r>
+                <a14:m>
+                  <m:oMath xmlns:m="http://schemas.openxmlformats.org/officeDocument/2006/math">
+                    <m:r>
+                      <a:rPr lang="en-US" b="0" i="1" smtClean="0">
+                        <a:latin typeface="Cambria Math" panose="02040503050406030204" pitchFamily="18" charset="0"/>
+                      </a:rPr>
+                      <m:t>⇒ </m:t>
+                    </m:r>
+                  </m:oMath>
+                </a14:m>
+                <a:r>
+                  <a:rPr lang="en-US" dirty="0"/>
+                  <a:t>moving towards </a:t>
+                </a:r>
+                <a14:m>
+                  <m:oMath xmlns:m="http://schemas.openxmlformats.org/officeDocument/2006/math">
+                    <m:r>
+                      <a:rPr lang="en-US" b="0" i="1" smtClean="0">
+                        <a:latin typeface="Cambria Math" panose="02040503050406030204" pitchFamily="18" charset="0"/>
+                      </a:rPr>
+                      <m:t>𝑃</m:t>
+                    </m:r>
+                    <m:sSub>
+                      <m:sSubPr>
+                        <m:ctrlPr>
+                          <a:rPr lang="en-US" b="0" i="1" smtClean="0">
+                            <a:latin typeface="Cambria Math" panose="02040503050406030204" pitchFamily="18" charset="0"/>
+                          </a:rPr>
+                        </m:ctrlPr>
+                      </m:sSubPr>
+                      <m:e>
+                        <m:r>
+                          <a:rPr lang="en-US" b="0" i="1" smtClean="0">
+                            <a:latin typeface="Cambria Math" panose="02040503050406030204" pitchFamily="18" charset="0"/>
+                          </a:rPr>
+                          <m:t>𝐶</m:t>
+                        </m:r>
+                      </m:e>
+                      <m:sub>
+                        <m:r>
+                          <a:rPr lang="en-US" b="0" i="1" smtClean="0">
+                            <a:latin typeface="Cambria Math" panose="02040503050406030204" pitchFamily="18" charset="0"/>
+                          </a:rPr>
+                          <m:t>𝑖</m:t>
+                        </m:r>
+                      </m:sub>
+                    </m:sSub>
+                  </m:oMath>
+                </a14:m>
+                <a:r>
+                  <a:rPr lang="en-US" dirty="0"/>
+                  <a:t>, idem for </a:t>
+                </a:r>
+                <a14:m>
+                  <m:oMath xmlns:m="http://schemas.openxmlformats.org/officeDocument/2006/math">
+                    <m:r>
+                      <a:rPr lang="en-US" b="0" i="1" smtClean="0">
+                        <a:latin typeface="Cambria Math" panose="02040503050406030204" pitchFamily="18" charset="0"/>
+                      </a:rPr>
+                      <m:t>𝑃</m:t>
+                    </m:r>
+                    <m:sSub>
+                      <m:sSubPr>
+                        <m:ctrlPr>
+                          <a:rPr lang="en-US" b="0" i="1" smtClean="0">
+                            <a:latin typeface="Cambria Math" panose="02040503050406030204" pitchFamily="18" charset="0"/>
+                          </a:rPr>
+                        </m:ctrlPr>
+                      </m:sSubPr>
+                      <m:e>
+                        <m:r>
+                          <a:rPr lang="en-US" b="0" i="1" smtClean="0">
+                            <a:latin typeface="Cambria Math" panose="02040503050406030204" pitchFamily="18" charset="0"/>
+                          </a:rPr>
+                          <m:t>𝐶</m:t>
+                        </m:r>
+                      </m:e>
+                      <m:sub>
+                        <m:r>
+                          <a:rPr lang="en-US" b="0" i="1" smtClean="0">
+                            <a:latin typeface="Cambria Math" panose="02040503050406030204" pitchFamily="18" charset="0"/>
+                          </a:rPr>
+                          <m:t>𝑗</m:t>
+                        </m:r>
+                      </m:sub>
+                    </m:sSub>
+                  </m:oMath>
+                </a14:m>
+                <a:r>
+                  <a:rPr lang="en-US" dirty="0"/>
+                  <a:t> and </a:t>
+                </a:r>
+                <a:r>
+                  <a:rPr lang="en-US" dirty="0" err="1"/>
+                  <a:t>viceversa</a:t>
+                </a:r>
+                <a:endParaRPr lang="en-US" dirty="0"/>
+              </a:p>
+              <a:p>
+                <a:pPr lvl="1"/>
+                <a:r>
+                  <a:rPr lang="en-US" dirty="0"/>
+                  <a:t>If </a:t>
+                </a:r>
+                <a14:m>
+                  <m:oMath xmlns:m="http://schemas.openxmlformats.org/officeDocument/2006/math">
+                    <m:r>
+                      <m:rPr>
+                        <m:sty m:val="p"/>
+                      </m:rPr>
+                      <a:rPr lang="en-US" b="0" i="0" smtClean="0">
+                        <a:latin typeface="Cambria Math" panose="02040503050406030204" pitchFamily="18" charset="0"/>
+                      </a:rPr>
+                      <m:t>Δ</m:t>
+                    </m:r>
+                    <m:r>
+                      <a:rPr lang="en-US" b="0" i="1" smtClean="0">
+                        <a:latin typeface="Cambria Math" panose="02040503050406030204" pitchFamily="18" charset="0"/>
+                      </a:rPr>
+                      <m:t>𝑃</m:t>
+                    </m:r>
+                    <m:sSub>
+                      <m:sSubPr>
+                        <m:ctrlPr>
+                          <a:rPr lang="en-US" b="0" i="1" smtClean="0">
+                            <a:latin typeface="Cambria Math" panose="02040503050406030204" pitchFamily="18" charset="0"/>
+                          </a:rPr>
+                        </m:ctrlPr>
+                      </m:sSubPr>
+                      <m:e>
+                        <m:r>
+                          <a:rPr lang="en-US" b="0" i="1" smtClean="0">
+                            <a:latin typeface="Cambria Math" panose="02040503050406030204" pitchFamily="18" charset="0"/>
+                          </a:rPr>
+                          <m:t>𝐶</m:t>
+                        </m:r>
+                      </m:e>
+                      <m:sub>
+                        <m:r>
+                          <a:rPr lang="en-US" b="0" i="1" smtClean="0">
+                            <a:latin typeface="Cambria Math" panose="02040503050406030204" pitchFamily="18" charset="0"/>
+                          </a:rPr>
+                          <m:t>𝑖</m:t>
+                        </m:r>
+                      </m:sub>
+                    </m:sSub>
+                    <m:r>
+                      <a:rPr lang="en-US" b="0" i="1" smtClean="0">
+                        <a:latin typeface="Cambria Math" panose="02040503050406030204" pitchFamily="18" charset="0"/>
+                      </a:rPr>
+                      <m:t>=0</m:t>
+                    </m:r>
+                    <m:r>
+                      <a:rPr lang="en-US" b="0" i="0" smtClean="0">
+                        <a:latin typeface="Cambria Math" panose="02040503050406030204" pitchFamily="18" charset="0"/>
+                      </a:rPr>
+                      <m:t>⇒</m:t>
+                    </m:r>
+                  </m:oMath>
+                </a14:m>
+                <a:r>
+                  <a:rPr lang="en-US" dirty="0"/>
+                  <a:t> either not moving or moving around the cell</a:t>
+                </a:r>
+              </a:p>
+              <a:p>
+                <a:pPr lvl="1"/>
+                <a:r>
+                  <a:rPr lang="en-US" dirty="0"/>
+                  <a:t>If both deltas are &gt;0 :  </a:t>
+                </a:r>
+              </a:p>
+              <a:p>
+                <a:pPr lvl="2"/>
+                <a:r>
+                  <a:rPr lang="en-US" dirty="0"/>
+                  <a:t>getting closer to both cells</a:t>
+                </a:r>
+              </a:p>
+              <a:p>
+                <a:pPr lvl="2"/>
+                <a:r>
+                  <a:rPr lang="en-US" dirty="0"/>
+                  <a:t>If </a:t>
+                </a:r>
+                <a14:m>
+                  <m:oMath xmlns:m="http://schemas.openxmlformats.org/officeDocument/2006/math">
+                    <m:r>
+                      <m:rPr>
+                        <m:sty m:val="p"/>
+                      </m:rPr>
+                      <a:rPr lang="en-US" b="0" i="0" smtClean="0">
+                        <a:latin typeface="Cambria Math" panose="02040503050406030204" pitchFamily="18" charset="0"/>
+                      </a:rPr>
+                      <m:t>Δ</m:t>
+                    </m:r>
+                    <m:r>
+                      <a:rPr lang="en-US" b="0" i="1" smtClean="0">
+                        <a:latin typeface="Cambria Math" panose="02040503050406030204" pitchFamily="18" charset="0"/>
+                      </a:rPr>
+                      <m:t>𝑃</m:t>
+                    </m:r>
+                    <m:sSub>
+                      <m:sSubPr>
+                        <m:ctrlPr>
+                          <a:rPr lang="en-US" b="0" i="1" smtClean="0">
+                            <a:latin typeface="Cambria Math" panose="02040503050406030204" pitchFamily="18" charset="0"/>
+                          </a:rPr>
+                        </m:ctrlPr>
+                      </m:sSubPr>
+                      <m:e>
+                        <m:r>
+                          <a:rPr lang="en-US" b="0" i="1" smtClean="0">
+                            <a:latin typeface="Cambria Math" panose="02040503050406030204" pitchFamily="18" charset="0"/>
+                          </a:rPr>
+                          <m:t>𝐶</m:t>
+                        </m:r>
+                      </m:e>
+                      <m:sub>
+                        <m:r>
+                          <a:rPr lang="en-US" b="0" i="1" smtClean="0">
+                            <a:latin typeface="Cambria Math" panose="02040503050406030204" pitchFamily="18" charset="0"/>
+                          </a:rPr>
+                          <m:t>𝑖</m:t>
+                        </m:r>
+                      </m:sub>
+                    </m:sSub>
+                    <m:r>
+                      <a:rPr lang="en-US" b="0" i="1" smtClean="0">
+                        <a:latin typeface="Cambria Math" panose="02040503050406030204" pitchFamily="18" charset="0"/>
+                      </a:rPr>
+                      <m:t>&gt;</m:t>
+                    </m:r>
+                    <m:r>
+                      <m:rPr>
+                        <m:sty m:val="p"/>
+                      </m:rPr>
+                      <a:rPr lang="en-US" b="0" i="0" smtClean="0">
+                        <a:latin typeface="Cambria Math" panose="02040503050406030204" pitchFamily="18" charset="0"/>
+                      </a:rPr>
+                      <m:t>Δ</m:t>
+                    </m:r>
+                    <m:r>
+                      <a:rPr lang="en-US" b="0" i="1" smtClean="0">
+                        <a:latin typeface="Cambria Math" panose="02040503050406030204" pitchFamily="18" charset="0"/>
+                      </a:rPr>
+                      <m:t>𝑃</m:t>
+                    </m:r>
+                    <m:sSub>
+                      <m:sSubPr>
+                        <m:ctrlPr>
+                          <a:rPr lang="en-US" b="0" i="1" smtClean="0">
+                            <a:latin typeface="Cambria Math" panose="02040503050406030204" pitchFamily="18" charset="0"/>
+                          </a:rPr>
+                        </m:ctrlPr>
+                      </m:sSubPr>
+                      <m:e>
+                        <m:r>
+                          <a:rPr lang="en-US" b="0" i="1" smtClean="0">
+                            <a:latin typeface="Cambria Math" panose="02040503050406030204" pitchFamily="18" charset="0"/>
+                          </a:rPr>
+                          <m:t>𝐶</m:t>
+                        </m:r>
+                      </m:e>
+                      <m:sub>
+                        <m:r>
+                          <a:rPr lang="en-US" b="0" i="1" smtClean="0">
+                            <a:latin typeface="Cambria Math" panose="02040503050406030204" pitchFamily="18" charset="0"/>
+                          </a:rPr>
+                          <m:t>𝑗</m:t>
+                        </m:r>
+                      </m:sub>
+                    </m:sSub>
+                  </m:oMath>
+                </a14:m>
+                <a:r>
+                  <a:rPr lang="en-US" dirty="0"/>
+                  <a:t> there’s a some motion from j to </a:t>
+                </a:r>
+                <a:r>
+                  <a:rPr lang="en-US" dirty="0" err="1"/>
+                  <a:t>i</a:t>
+                </a:r>
+                <a:endParaRPr lang="en-US" dirty="0"/>
+              </a:p>
+              <a:p>
+                <a:pPr lvl="1"/>
+                <a:r>
+                  <a:rPr lang="en-US" dirty="0"/>
+                  <a:t>If both deltas are &lt;0 :</a:t>
+                </a:r>
+              </a:p>
+              <a:p>
+                <a:pPr lvl="2"/>
+                <a:r>
+                  <a:rPr lang="en-US" dirty="0"/>
+                  <a:t>Getting away from both cells</a:t>
+                </a:r>
+              </a:p>
+              <a:p>
+                <a:pPr lvl="2"/>
+                <a:r>
+                  <a:rPr lang="en-US" dirty="0"/>
+                  <a:t>Some motion from one to the other if deltas are different</a:t>
+                </a:r>
+              </a:p>
+              <a:p>
+                <a:pPr lvl="2"/>
+                <a:endParaRPr lang="en-US" dirty="0"/>
+              </a:p>
+            </p:txBody>
+          </p:sp>
+        </mc:Choice>
+        <mc:Fallback xmlns="">
+          <p:sp>
+            <p:nvSpPr>
+              <p:cNvPr id="3" name="Content Placeholder 2">
+                <a:extLst>
+                  <a:ext uri="{FF2B5EF4-FFF2-40B4-BE49-F238E27FC236}">
+                    <a16:creationId xmlns:a16="http://schemas.microsoft.com/office/drawing/2014/main" id="{EDA70D0C-D35D-41E4-B566-68A144EE8184}"/>
+                  </a:ext>
+                </a:extLst>
+              </p:cNvPr>
+              <p:cNvSpPr>
+                <a:spLocks noGrp="1" noRot="1" noChangeAspect="1" noMove="1" noResize="1" noEditPoints="1" noAdjustHandles="1" noChangeArrowheads="1" noChangeShapeType="1" noTextEdit="1"/>
+              </p:cNvSpPr>
+              <p:nvPr>
+                <p:ph idx="1"/>
+              </p:nvPr>
+            </p:nvSpPr>
+            <p:spPr>
+              <a:xfrm>
+                <a:off x="838200" y="1825625"/>
+                <a:ext cx="10515600" cy="4351338"/>
+              </a:xfrm>
+              <a:blipFill>
+                <a:blip r:embed="rId2"/>
+                <a:stretch>
+                  <a:fillRect l="-1043" t="-1961"/>
+                </a:stretch>
+              </a:blipFill>
+            </p:spPr>
+            <p:txBody>
+              <a:bodyPr/>
+              <a:lstStyle/>
+              <a:p>
+                <a:r>
+                  <a:rPr lang="en-US">
+                    <a:noFill/>
+                  </a:rPr>
+                  <a:t> </a:t>
+                </a:r>
+              </a:p>
+            </p:txBody>
+          </p:sp>
+        </mc:Fallback>
+      </mc:AlternateContent>
+    </p:spTree>
+    <p:extLst>
+      <p:ext uri="{BB962C8B-B14F-4D97-AF65-F5344CB8AC3E}">
+        <p14:creationId xmlns:p14="http://schemas.microsoft.com/office/powerpoint/2010/main" val="2685031732"/>
+      </p:ext>
+    </p:extLst>
+  </p:cSld>
+  <p:clrMapOvr>
+    <a:masterClrMapping/>
+  </p:clrMapOvr>
+</p:sld>
+</file>
+
+<file path=ppt/slides/slide12.xml><?xml version="1.0" encoding="utf-8"?>
+<p:sld xmlns:a="http://schemas.openxmlformats.org/drawingml/2006/main" xmlns:r="http://schemas.openxmlformats.org/officeDocument/2006/relationships" xmlns:p="http://schemas.openxmlformats.org/presentationml/2006/main">
+  <p:cSld>
+    <p:spTree>
+      <p:nvGrpSpPr>
+        <p:cNvPr id="1" name=""/>
+        <p:cNvGrpSpPr/>
+        <p:nvPr/>
+      </p:nvGrpSpPr>
+      <p:grpSpPr>
+        <a:xfrm>
+          <a:off x="0" y="0"/>
+          <a:ext cx="0" cy="0"/>
+          <a:chOff x="0" y="0"/>
+          <a:chExt cx="0" cy="0"/>
+        </a:xfrm>
+      </p:grpSpPr>
+      <p:sp>
+        <p:nvSpPr>
+          <p:cNvPr id="2" name="Title 1">
+            <a:extLst>
+              <a:ext uri="{FF2B5EF4-FFF2-40B4-BE49-F238E27FC236}">
+                <a16:creationId xmlns:a16="http://schemas.microsoft.com/office/drawing/2014/main" id="{516DCBB6-79F3-4D92-8219-0038F5541144}"/>
+              </a:ext>
+            </a:extLst>
+          </p:cNvPr>
+          <p:cNvSpPr>
+            <a:spLocks noGrp="1"/>
+          </p:cNvSpPr>
+          <p:nvPr>
+            <p:ph type="title"/>
+          </p:nvPr>
+        </p:nvSpPr>
+        <p:spPr/>
+        <p:txBody>
+          <a:bodyPr/>
+          <a:lstStyle/>
+          <a:p>
+            <a:r>
+              <a:rPr lang="en-US" dirty="0"/>
+              <a:t>Current Update Rule</a:t>
+            </a:r>
+          </a:p>
+        </p:txBody>
+      </p:sp>
+      <mc:AlternateContent xmlns:mc="http://schemas.openxmlformats.org/markup-compatibility/2006" xmlns:a14="http://schemas.microsoft.com/office/drawing/2010/main">
+        <mc:Choice Requires="a14">
+          <p:sp>
+            <p:nvSpPr>
+              <p:cNvPr id="3" name="Content Placeholder 2">
+                <a:extLst>
+                  <a:ext uri="{FF2B5EF4-FFF2-40B4-BE49-F238E27FC236}">
+                    <a16:creationId xmlns:a16="http://schemas.microsoft.com/office/drawing/2014/main" id="{F3260DE0-A746-4DB2-9C07-BC74C64047E4}"/>
+                  </a:ext>
+                </a:extLst>
+              </p:cNvPr>
+              <p:cNvSpPr>
+                <a:spLocks noGrp="1"/>
+              </p:cNvSpPr>
+              <p:nvPr>
+                <p:ph idx="1"/>
+              </p:nvPr>
+            </p:nvSpPr>
+            <p:spPr/>
+            <p:txBody>
+              <a:bodyPr>
+                <a:normAutofit fontScale="62500" lnSpcReduction="20000"/>
+              </a:bodyPr>
+              <a:lstStyle/>
+              <a:p>
+                <a:r>
+                  <a:rPr lang="en-US" b="0" i="0" dirty="0">
+                    <a:latin typeface="Cambria Math" panose="02040503050406030204" pitchFamily="18" charset="0"/>
+                  </a:rPr>
+                  <a:t>Original Update Rule</a:t>
+                </a:r>
+              </a:p>
+              <a:p>
+                <a:pPr lvl="1"/>
+                <a14:m>
+                  <m:oMath xmlns:m="http://schemas.openxmlformats.org/officeDocument/2006/math">
+                    <m:r>
+                      <m:rPr>
+                        <m:sty m:val="p"/>
+                      </m:rPr>
+                      <a:rPr lang="en-US">
+                        <a:latin typeface="Cambria Math" panose="02040503050406030204" pitchFamily="18" charset="0"/>
+                      </a:rPr>
+                      <m:t>Δ</m:t>
+                    </m:r>
+                    <m:sSub>
+                      <m:sSubPr>
+                        <m:ctrlPr>
+                          <a:rPr lang="en-US" i="1">
+                            <a:latin typeface="Cambria Math" panose="02040503050406030204" pitchFamily="18" charset="0"/>
+                          </a:rPr>
+                        </m:ctrlPr>
+                      </m:sSubPr>
+                      <m:e>
+                        <m:r>
+                          <a:rPr lang="en-US" i="1">
+                            <a:latin typeface="Cambria Math" panose="02040503050406030204" pitchFamily="18" charset="0"/>
+                          </a:rPr>
+                          <m:t>𝑊</m:t>
+                        </m:r>
+                      </m:e>
+                      <m:sub>
+                        <m:r>
+                          <a:rPr lang="en-US" i="1">
+                            <a:latin typeface="Cambria Math" panose="02040503050406030204" pitchFamily="18" charset="0"/>
+                          </a:rPr>
+                          <m:t>𝑖𝑗</m:t>
+                        </m:r>
+                      </m:sub>
+                    </m:sSub>
+                    <m:r>
+                      <a:rPr lang="en-US" i="1">
+                        <a:latin typeface="Cambria Math" panose="02040503050406030204" pitchFamily="18" charset="0"/>
+                      </a:rPr>
+                      <m:t>=</m:t>
+                    </m:r>
+                    <m:func>
+                      <m:funcPr>
+                        <m:ctrlPr>
+                          <a:rPr lang="en-US" i="1">
+                            <a:latin typeface="Cambria Math" panose="02040503050406030204" pitchFamily="18" charset="0"/>
+                          </a:rPr>
+                        </m:ctrlPr>
+                      </m:funcPr>
+                      <m:fName>
+                        <m:sSup>
+                          <m:sSupPr>
+                            <m:ctrlPr>
+                              <a:rPr lang="en-US" i="1">
+                                <a:latin typeface="Cambria Math" panose="02040503050406030204" pitchFamily="18" charset="0"/>
+                              </a:rPr>
+                            </m:ctrlPr>
+                          </m:sSupPr>
+                          <m:e>
+                            <m:r>
+                              <m:rPr>
+                                <m:sty m:val="p"/>
+                              </m:rPr>
+                              <a:rPr lang="en-US">
+                                <a:latin typeface="Cambria Math" panose="02040503050406030204" pitchFamily="18" charset="0"/>
+                              </a:rPr>
+                              <m:t>tan</m:t>
+                            </m:r>
+                          </m:e>
+                          <m:sup>
+                            <m:r>
+                              <a:rPr lang="en-US" i="1">
+                                <a:latin typeface="Cambria Math" panose="02040503050406030204" pitchFamily="18" charset="0"/>
+                              </a:rPr>
+                              <m:t>−1</m:t>
+                            </m:r>
+                          </m:sup>
+                        </m:sSup>
+                      </m:fName>
+                      <m:e>
+                        <m:d>
+                          <m:dPr>
+                            <m:ctrlPr>
+                              <a:rPr lang="en-US" i="1">
+                                <a:latin typeface="Cambria Math" panose="02040503050406030204" pitchFamily="18" charset="0"/>
+                              </a:rPr>
+                            </m:ctrlPr>
+                          </m:dPr>
+                          <m:e>
+                            <m:r>
+                              <a:rPr lang="en-US" b="0" i="1" smtClean="0">
+                                <a:latin typeface="Cambria Math" panose="02040503050406030204" pitchFamily="18" charset="0"/>
+                              </a:rPr>
+                              <m:t>𝑃</m:t>
+                            </m:r>
+                            <m:sSubSup>
+                              <m:sSubSupPr>
+                                <m:ctrlPr>
+                                  <a:rPr lang="en-US" b="0" i="1" smtClean="0">
+                                    <a:latin typeface="Cambria Math" panose="02040503050406030204" pitchFamily="18" charset="0"/>
+                                  </a:rPr>
+                                </m:ctrlPr>
+                              </m:sSubSupPr>
+                              <m:e>
+                                <m:r>
+                                  <a:rPr lang="en-US" b="0" i="1" smtClean="0">
+                                    <a:latin typeface="Cambria Math" panose="02040503050406030204" pitchFamily="18" charset="0"/>
+                                  </a:rPr>
+                                  <m:t>𝐶</m:t>
+                                </m:r>
+                              </m:e>
+                              <m:sub>
+                                <m:r>
+                                  <a:rPr lang="en-US" b="0" i="1" smtClean="0">
+                                    <a:latin typeface="Cambria Math" panose="02040503050406030204" pitchFamily="18" charset="0"/>
+                                  </a:rPr>
+                                  <m:t>𝑖</m:t>
+                                </m:r>
+                              </m:sub>
+                              <m:sup>
+                                <m:r>
+                                  <a:rPr lang="en-US" b="0" i="1" smtClean="0">
+                                    <a:latin typeface="Cambria Math" panose="02040503050406030204" pitchFamily="18" charset="0"/>
+                                  </a:rPr>
+                                  <m:t>𝑡</m:t>
+                                </m:r>
+                                <m:r>
+                                  <a:rPr lang="en-US" b="0" i="1" smtClean="0">
+                                    <a:latin typeface="Cambria Math" panose="02040503050406030204" pitchFamily="18" charset="0"/>
+                                  </a:rPr>
+                                  <m:t>+1</m:t>
+                                </m:r>
+                              </m:sup>
+                            </m:sSubSup>
+                            <m:r>
+                              <a:rPr lang="en-US" i="1">
+                                <a:latin typeface="Cambria Math" panose="02040503050406030204" pitchFamily="18" charset="0"/>
+                              </a:rPr>
+                              <m:t>⋅</m:t>
+                            </m:r>
+                            <m:r>
+                              <m:rPr>
+                                <m:sty m:val="p"/>
+                              </m:rPr>
+                              <a:rPr lang="en-US">
+                                <a:latin typeface="Cambria Math" panose="02040503050406030204" pitchFamily="18" charset="0"/>
+                              </a:rPr>
+                              <m:t>Δ</m:t>
+                            </m:r>
+                            <m:r>
+                              <a:rPr lang="en-US" i="1">
+                                <a:latin typeface="Cambria Math" panose="02040503050406030204" pitchFamily="18" charset="0"/>
+                              </a:rPr>
+                              <m:t>𝑃</m:t>
+                            </m:r>
+                            <m:sSub>
+                              <m:sSubPr>
+                                <m:ctrlPr>
+                                  <a:rPr lang="en-US" i="1">
+                                    <a:latin typeface="Cambria Math" panose="02040503050406030204" pitchFamily="18" charset="0"/>
+                                  </a:rPr>
+                                </m:ctrlPr>
+                              </m:sSubPr>
+                              <m:e>
+                                <m:r>
+                                  <a:rPr lang="en-US" i="1">
+                                    <a:latin typeface="Cambria Math" panose="02040503050406030204" pitchFamily="18" charset="0"/>
+                                  </a:rPr>
+                                  <m:t>𝐶</m:t>
+                                </m:r>
+                              </m:e>
+                              <m:sub>
+                                <m:r>
+                                  <a:rPr lang="en-US" i="1">
+                                    <a:latin typeface="Cambria Math" panose="02040503050406030204" pitchFamily="18" charset="0"/>
+                                  </a:rPr>
+                                  <m:t>𝑗</m:t>
+                                </m:r>
+                              </m:sub>
+                            </m:sSub>
+                          </m:e>
+                        </m:d>
+                      </m:e>
+                    </m:func>
+                  </m:oMath>
+                </a14:m>
+                <a:endParaRPr lang="en-US" b="0" i="0" dirty="0">
+                  <a:latin typeface="Cambria Math" panose="02040503050406030204" pitchFamily="18" charset="0"/>
+                </a:endParaRPr>
+              </a:p>
+              <a:p>
+                <a:pPr lvl="2"/>
+                <a:r>
+                  <a:rPr lang="en-US" b="0" i="0" dirty="0">
+                    <a:latin typeface="Cambria Math" panose="02040503050406030204" pitchFamily="18" charset="0"/>
+                  </a:rPr>
+                  <a:t>Did I get closer to </a:t>
+                </a:r>
+                <a14:m>
+                  <m:oMath xmlns:m="http://schemas.openxmlformats.org/officeDocument/2006/math">
+                    <m:r>
+                      <a:rPr lang="en-US" b="0" i="1" smtClean="0">
+                        <a:latin typeface="Cambria Math" panose="02040503050406030204" pitchFamily="18" charset="0"/>
+                      </a:rPr>
+                      <m:t>𝑃</m:t>
+                    </m:r>
+                    <m:sSub>
+                      <m:sSubPr>
+                        <m:ctrlPr>
+                          <a:rPr lang="en-US" b="0" i="1" smtClean="0">
+                            <a:latin typeface="Cambria Math" panose="02040503050406030204" pitchFamily="18" charset="0"/>
+                          </a:rPr>
+                        </m:ctrlPr>
+                      </m:sSubPr>
+                      <m:e>
+                        <m:r>
+                          <a:rPr lang="en-US" b="0" i="1" smtClean="0">
+                            <a:latin typeface="Cambria Math" panose="02040503050406030204" pitchFamily="18" charset="0"/>
+                          </a:rPr>
+                          <m:t>𝐶</m:t>
+                        </m:r>
+                      </m:e>
+                      <m:sub>
+                        <m:r>
+                          <a:rPr lang="en-US" b="0" i="1" smtClean="0">
+                            <a:latin typeface="Cambria Math" panose="02040503050406030204" pitchFamily="18" charset="0"/>
+                          </a:rPr>
+                          <m:t>𝑗</m:t>
+                        </m:r>
+                      </m:sub>
+                    </m:sSub>
+                  </m:oMath>
+                </a14:m>
+                <a:r>
+                  <a:rPr lang="en-US" b="0" i="0" dirty="0">
+                    <a:latin typeface="Cambria Math" panose="02040503050406030204" pitchFamily="18" charset="0"/>
+                  </a:rPr>
+                  <a:t>? Was </a:t>
+                </a:r>
+                <a14:m>
+                  <m:oMath xmlns:m="http://schemas.openxmlformats.org/officeDocument/2006/math">
+                    <m:r>
+                      <a:rPr lang="en-US" b="0" i="1" smtClean="0">
+                        <a:latin typeface="Cambria Math" panose="02040503050406030204" pitchFamily="18" charset="0"/>
+                      </a:rPr>
+                      <m:t>𝑃</m:t>
+                    </m:r>
+                    <m:sSub>
+                      <m:sSubPr>
+                        <m:ctrlPr>
+                          <a:rPr lang="en-US" b="0" i="1" smtClean="0">
+                            <a:latin typeface="Cambria Math" panose="02040503050406030204" pitchFamily="18" charset="0"/>
+                          </a:rPr>
+                        </m:ctrlPr>
+                      </m:sSubPr>
+                      <m:e>
+                        <m:r>
+                          <a:rPr lang="en-US" b="0" i="1" smtClean="0">
+                            <a:latin typeface="Cambria Math" panose="02040503050406030204" pitchFamily="18" charset="0"/>
+                          </a:rPr>
+                          <m:t>𝐶</m:t>
+                        </m:r>
+                      </m:e>
+                      <m:sub>
+                        <m:r>
+                          <a:rPr lang="en-US" b="0" i="1" smtClean="0">
+                            <a:latin typeface="Cambria Math" panose="02040503050406030204" pitchFamily="18" charset="0"/>
+                          </a:rPr>
+                          <m:t>𝑖</m:t>
+                        </m:r>
+                      </m:sub>
+                    </m:sSub>
+                  </m:oMath>
+                </a14:m>
+                <a:r>
+                  <a:rPr lang="en-US" b="0" i="0" dirty="0">
+                    <a:latin typeface="Cambria Math" panose="02040503050406030204" pitchFamily="18" charset="0"/>
+                  </a:rPr>
+                  <a:t> active while I was getting closer?</a:t>
+                </a:r>
+              </a:p>
+              <a:p>
+                <a:r>
+                  <a:rPr lang="en-US" b="0" i="0" dirty="0">
+                    <a:latin typeface="Cambria Math" panose="02040503050406030204" pitchFamily="18" charset="0"/>
+                  </a:rPr>
+                  <a:t>Current Update Rule</a:t>
+                </a:r>
+              </a:p>
+              <a:p>
+                <a:pPr lvl="1"/>
+                <a14:m>
+                  <m:oMath xmlns:m="http://schemas.openxmlformats.org/officeDocument/2006/math">
+                    <m:r>
+                      <m:rPr>
+                        <m:sty m:val="p"/>
+                      </m:rPr>
+                      <a:rPr lang="en-US" b="0" i="0" smtClean="0">
+                        <a:latin typeface="Cambria Math" panose="02040503050406030204" pitchFamily="18" charset="0"/>
+                      </a:rPr>
+                      <m:t>Δ</m:t>
+                    </m:r>
+                    <m:sSub>
+                      <m:sSubPr>
+                        <m:ctrlPr>
+                          <a:rPr lang="en-US" b="0" i="1" smtClean="0">
+                            <a:latin typeface="Cambria Math" panose="02040503050406030204" pitchFamily="18" charset="0"/>
+                          </a:rPr>
+                        </m:ctrlPr>
+                      </m:sSubPr>
+                      <m:e>
+                        <m:r>
+                          <a:rPr lang="en-US" b="0" i="1" smtClean="0">
+                            <a:latin typeface="Cambria Math" panose="02040503050406030204" pitchFamily="18" charset="0"/>
+                          </a:rPr>
+                          <m:t>𝑊</m:t>
+                        </m:r>
+                      </m:e>
+                      <m:sub>
+                        <m:r>
+                          <a:rPr lang="en-US" b="0" i="1" smtClean="0">
+                            <a:latin typeface="Cambria Math" panose="02040503050406030204" pitchFamily="18" charset="0"/>
+                          </a:rPr>
+                          <m:t>𝑖𝑗</m:t>
+                        </m:r>
+                      </m:sub>
+                    </m:sSub>
+                    <m:r>
+                      <a:rPr lang="en-US" b="0" i="1" smtClean="0">
+                        <a:latin typeface="Cambria Math" panose="02040503050406030204" pitchFamily="18" charset="0"/>
+                      </a:rPr>
+                      <m:t>=</m:t>
+                    </m:r>
+                    <m:func>
+                      <m:funcPr>
+                        <m:ctrlPr>
+                          <a:rPr lang="en-US" b="0" i="1" smtClean="0">
+                            <a:latin typeface="Cambria Math" panose="02040503050406030204" pitchFamily="18" charset="0"/>
+                          </a:rPr>
+                        </m:ctrlPr>
+                      </m:funcPr>
+                      <m:fName>
+                        <m:sSup>
+                          <m:sSupPr>
+                            <m:ctrlPr>
+                              <a:rPr lang="en-US" b="0" i="1" smtClean="0">
+                                <a:latin typeface="Cambria Math" panose="02040503050406030204" pitchFamily="18" charset="0"/>
+                              </a:rPr>
+                            </m:ctrlPr>
+                          </m:sSupPr>
+                          <m:e>
+                            <m:r>
+                              <m:rPr>
+                                <m:sty m:val="p"/>
+                              </m:rPr>
+                              <a:rPr lang="en-US" b="0" i="0" smtClean="0">
+                                <a:latin typeface="Cambria Math" panose="02040503050406030204" pitchFamily="18" charset="0"/>
+                              </a:rPr>
+                              <m:t>tan</m:t>
+                            </m:r>
+                          </m:e>
+                          <m:sup>
+                            <m:r>
+                              <a:rPr lang="en-US" b="0" i="1" smtClean="0">
+                                <a:latin typeface="Cambria Math" panose="02040503050406030204" pitchFamily="18" charset="0"/>
+                              </a:rPr>
+                              <m:t>−1</m:t>
+                            </m:r>
+                          </m:sup>
+                        </m:sSup>
+                      </m:fName>
+                      <m:e>
+                        <m:d>
+                          <m:dPr>
+                            <m:ctrlPr>
+                              <a:rPr lang="en-US" b="0" i="1" smtClean="0">
+                                <a:latin typeface="Cambria Math" panose="02040503050406030204" pitchFamily="18" charset="0"/>
+                              </a:rPr>
+                            </m:ctrlPr>
+                          </m:dPr>
+                          <m:e>
+                            <m:bar>
+                              <m:barPr>
+                                <m:pos m:val="top"/>
+                                <m:ctrlPr>
+                                  <a:rPr lang="en-US" b="0" i="1" smtClean="0">
+                                    <a:latin typeface="Cambria Math" panose="02040503050406030204" pitchFamily="18" charset="0"/>
+                                  </a:rPr>
+                                </m:ctrlPr>
+                              </m:barPr>
+                              <m:e>
+                                <m:r>
+                                  <a:rPr lang="en-US" b="0" i="1" smtClean="0">
+                                    <a:latin typeface="Cambria Math" panose="02040503050406030204" pitchFamily="18" charset="0"/>
+                                  </a:rPr>
+                                  <m:t>𝑃</m:t>
+                                </m:r>
+                                <m:sSub>
+                                  <m:sSubPr>
+                                    <m:ctrlPr>
+                                      <a:rPr lang="en-US" b="0" i="1" smtClean="0">
+                                        <a:latin typeface="Cambria Math" panose="02040503050406030204" pitchFamily="18" charset="0"/>
+                                      </a:rPr>
+                                    </m:ctrlPr>
+                                  </m:sSubPr>
+                                  <m:e>
+                                    <m:r>
+                                      <a:rPr lang="en-US" b="0" i="1" smtClean="0">
+                                        <a:latin typeface="Cambria Math" panose="02040503050406030204" pitchFamily="18" charset="0"/>
+                                      </a:rPr>
+                                      <m:t>𝐶</m:t>
+                                    </m:r>
+                                  </m:e>
+                                  <m:sub>
+                                    <m:r>
+                                      <a:rPr lang="en-US" b="0" i="1" smtClean="0">
+                                        <a:latin typeface="Cambria Math" panose="02040503050406030204" pitchFamily="18" charset="0"/>
+                                      </a:rPr>
+                                      <m:t>𝑖</m:t>
+                                    </m:r>
+                                  </m:sub>
+                                </m:sSub>
+                              </m:e>
+                            </m:bar>
+                            <m:r>
+                              <a:rPr lang="en-US" b="0" i="1" smtClean="0">
+                                <a:latin typeface="Cambria Math" panose="02040503050406030204" pitchFamily="18" charset="0"/>
+                              </a:rPr>
+                              <m:t>⋅</m:t>
+                            </m:r>
+                            <m:r>
+                              <m:rPr>
+                                <m:sty m:val="p"/>
+                              </m:rPr>
+                              <a:rPr lang="en-US" b="0" i="0" smtClean="0">
+                                <a:latin typeface="Cambria Math" panose="02040503050406030204" pitchFamily="18" charset="0"/>
+                              </a:rPr>
+                              <m:t>Δ</m:t>
+                            </m:r>
+                            <m:r>
+                              <a:rPr lang="en-US" b="0" i="1" smtClean="0">
+                                <a:latin typeface="Cambria Math" panose="02040503050406030204" pitchFamily="18" charset="0"/>
+                              </a:rPr>
+                              <m:t>𝑃</m:t>
+                            </m:r>
+                            <m:sSub>
+                              <m:sSubPr>
+                                <m:ctrlPr>
+                                  <a:rPr lang="en-US" b="0" i="1" smtClean="0">
+                                    <a:latin typeface="Cambria Math" panose="02040503050406030204" pitchFamily="18" charset="0"/>
+                                  </a:rPr>
+                                </m:ctrlPr>
+                              </m:sSubPr>
+                              <m:e>
+                                <m:r>
+                                  <a:rPr lang="en-US" b="0" i="1" smtClean="0">
+                                    <a:latin typeface="Cambria Math" panose="02040503050406030204" pitchFamily="18" charset="0"/>
+                                  </a:rPr>
+                                  <m:t>𝐶</m:t>
+                                </m:r>
+                              </m:e>
+                              <m:sub>
+                                <m:r>
+                                  <a:rPr lang="en-US" b="0" i="1" smtClean="0">
+                                    <a:latin typeface="Cambria Math" panose="02040503050406030204" pitchFamily="18" charset="0"/>
+                                  </a:rPr>
+                                  <m:t>𝑗</m:t>
+                                </m:r>
+                              </m:sub>
+                            </m:sSub>
+                          </m:e>
+                        </m:d>
+                      </m:e>
+                    </m:func>
+                  </m:oMath>
+                </a14:m>
+                <a:endParaRPr lang="en-US" b="0" dirty="0"/>
+              </a:p>
+              <a:p>
+                <a:pPr lvl="2"/>
+                <a:r>
+                  <a:rPr lang="en-US" dirty="0"/>
+                  <a:t>Idem as before, but instead of checking in final place, check at “any” point in the segment.</a:t>
+                </a:r>
+                <a:endParaRPr lang="en-US" b="0" dirty="0"/>
+              </a:p>
+              <a:p>
+                <a:r>
+                  <a:rPr lang="en-US" dirty="0"/>
+                  <a:t>Possible Update Rules</a:t>
+                </a:r>
+              </a:p>
+              <a:p>
+                <a:pPr lvl="1"/>
+                <a14:m>
+                  <m:oMath xmlns:m="http://schemas.openxmlformats.org/officeDocument/2006/math">
+                    <m:r>
+                      <m:rPr>
+                        <m:sty m:val="p"/>
+                      </m:rPr>
+                      <a:rPr lang="en-US">
+                        <a:latin typeface="Cambria Math" panose="02040503050406030204" pitchFamily="18" charset="0"/>
+                      </a:rPr>
+                      <m:t>Δ</m:t>
+                    </m:r>
+                    <m:sSub>
+                      <m:sSubPr>
+                        <m:ctrlPr>
+                          <a:rPr lang="en-US" i="1">
+                            <a:latin typeface="Cambria Math" panose="02040503050406030204" pitchFamily="18" charset="0"/>
+                          </a:rPr>
+                        </m:ctrlPr>
+                      </m:sSubPr>
+                      <m:e>
+                        <m:r>
+                          <a:rPr lang="en-US" i="1">
+                            <a:latin typeface="Cambria Math" panose="02040503050406030204" pitchFamily="18" charset="0"/>
+                          </a:rPr>
+                          <m:t>𝑊</m:t>
+                        </m:r>
+                      </m:e>
+                      <m:sub>
+                        <m:r>
+                          <a:rPr lang="en-US" i="1">
+                            <a:latin typeface="Cambria Math" panose="02040503050406030204" pitchFamily="18" charset="0"/>
+                          </a:rPr>
+                          <m:t>𝑖𝑗</m:t>
+                        </m:r>
+                      </m:sub>
+                    </m:sSub>
+                    <m:r>
+                      <a:rPr lang="en-US" i="1">
+                        <a:latin typeface="Cambria Math" panose="02040503050406030204" pitchFamily="18" charset="0"/>
+                      </a:rPr>
+                      <m:t>=</m:t>
+                    </m:r>
+                    <m:func>
+                      <m:funcPr>
+                        <m:ctrlPr>
+                          <a:rPr lang="en-US" i="1">
+                            <a:latin typeface="Cambria Math" panose="02040503050406030204" pitchFamily="18" charset="0"/>
+                          </a:rPr>
+                        </m:ctrlPr>
+                      </m:funcPr>
+                      <m:fName>
+                        <m:sSup>
+                          <m:sSupPr>
+                            <m:ctrlPr>
+                              <a:rPr lang="en-US" i="1">
+                                <a:latin typeface="Cambria Math" panose="02040503050406030204" pitchFamily="18" charset="0"/>
+                              </a:rPr>
+                            </m:ctrlPr>
+                          </m:sSupPr>
+                          <m:e>
+                            <m:r>
+                              <m:rPr>
+                                <m:sty m:val="p"/>
+                              </m:rPr>
+                              <a:rPr lang="en-US">
+                                <a:latin typeface="Cambria Math" panose="02040503050406030204" pitchFamily="18" charset="0"/>
+                              </a:rPr>
+                              <m:t>tan</m:t>
+                            </m:r>
+                          </m:e>
+                          <m:sup>
+                            <m:r>
+                              <a:rPr lang="en-US" i="1">
+                                <a:latin typeface="Cambria Math" panose="02040503050406030204" pitchFamily="18" charset="0"/>
+                              </a:rPr>
+                              <m:t>−1</m:t>
+                            </m:r>
+                          </m:sup>
+                        </m:sSup>
+                      </m:fName>
+                      <m:e>
+                        <m:d>
+                          <m:dPr>
+                            <m:ctrlPr>
+                              <a:rPr lang="en-US" i="1">
+                                <a:latin typeface="Cambria Math" panose="02040503050406030204" pitchFamily="18" charset="0"/>
+                              </a:rPr>
+                            </m:ctrlPr>
+                          </m:dPr>
+                          <m:e>
+                            <m:f>
+                              <m:fPr>
+                                <m:ctrlPr>
+                                  <a:rPr lang="en-US" b="0" i="1" smtClean="0">
+                                    <a:latin typeface="Cambria Math" panose="02040503050406030204" pitchFamily="18" charset="0"/>
+                                  </a:rPr>
+                                </m:ctrlPr>
+                              </m:fPr>
+                              <m:num>
+                                <m:r>
+                                  <a:rPr lang="en-US" b="0" i="1" smtClean="0">
+                                    <a:latin typeface="Cambria Math" panose="02040503050406030204" pitchFamily="18" charset="0"/>
+                                  </a:rPr>
+                                  <m:t>1</m:t>
+                                </m:r>
+                              </m:num>
+                              <m:den>
+                                <m:r>
+                                  <a:rPr lang="en-US" b="0" i="1" smtClean="0">
+                                    <a:latin typeface="Cambria Math" panose="02040503050406030204" pitchFamily="18" charset="0"/>
+                                  </a:rPr>
+                                  <m:t>2</m:t>
+                                </m:r>
+                              </m:den>
+                            </m:f>
+                            <m:bar>
+                              <m:barPr>
+                                <m:pos m:val="top"/>
+                                <m:ctrlPr>
+                                  <a:rPr lang="en-US" i="1">
+                                    <a:latin typeface="Cambria Math" panose="02040503050406030204" pitchFamily="18" charset="0"/>
+                                  </a:rPr>
+                                </m:ctrlPr>
+                              </m:barPr>
+                              <m:e>
+                                <m:acc>
+                                  <m:accPr>
+                                    <m:chr m:val="⃗"/>
+                                    <m:ctrlPr>
+                                      <a:rPr lang="en-US" b="0" i="1" dirty="0" smtClean="0">
+                                        <a:latin typeface="Cambria Math" panose="02040503050406030204" pitchFamily="18" charset="0"/>
+                                      </a:rPr>
+                                    </m:ctrlPr>
+                                  </m:accPr>
+                                  <m:e>
+                                    <m:r>
+                                      <a:rPr lang="en-US" i="1">
+                                        <a:latin typeface="Cambria Math" panose="02040503050406030204" pitchFamily="18" charset="0"/>
+                                      </a:rPr>
+                                      <m:t>𝑃</m:t>
+                                    </m:r>
+                                    <m:sSub>
+                                      <m:sSubPr>
+                                        <m:ctrlPr>
+                                          <a:rPr lang="en-US" i="1">
+                                            <a:latin typeface="Cambria Math" panose="02040503050406030204" pitchFamily="18" charset="0"/>
+                                          </a:rPr>
+                                        </m:ctrlPr>
+                                      </m:sSubPr>
+                                      <m:e>
+                                        <m:r>
+                                          <a:rPr lang="en-US" i="1">
+                                            <a:latin typeface="Cambria Math" panose="02040503050406030204" pitchFamily="18" charset="0"/>
+                                          </a:rPr>
+                                          <m:t>𝐶</m:t>
+                                        </m:r>
+                                      </m:e>
+                                      <m:sub>
+                                        <m:r>
+                                          <a:rPr lang="en-US" i="1">
+                                            <a:latin typeface="Cambria Math" panose="02040503050406030204" pitchFamily="18" charset="0"/>
+                                          </a:rPr>
+                                          <m:t>𝑖𝑗</m:t>
+                                        </m:r>
+                                      </m:sub>
+                                    </m:sSub>
+                                  </m:e>
+                                </m:acc>
+                              </m:e>
+                            </m:bar>
+                            <m:r>
+                              <a:rPr lang="en-US" i="1">
+                                <a:latin typeface="Cambria Math" panose="02040503050406030204" pitchFamily="18" charset="0"/>
+                              </a:rPr>
+                              <m:t>⋅</m:t>
+                            </m:r>
+                            <m:r>
+                              <m:rPr>
+                                <m:sty m:val="p"/>
+                              </m:rPr>
+                              <a:rPr lang="en-US">
+                                <a:latin typeface="Cambria Math" panose="02040503050406030204" pitchFamily="18" charset="0"/>
+                              </a:rPr>
+                              <m:t>Δ</m:t>
+                            </m:r>
+                            <m:sSup>
+                              <m:sSupPr>
+                                <m:ctrlPr>
+                                  <a:rPr lang="en-US" b="0" i="1" smtClean="0">
+                                    <a:latin typeface="Cambria Math" panose="02040503050406030204" pitchFamily="18" charset="0"/>
+                                  </a:rPr>
+                                </m:ctrlPr>
+                              </m:sSupPr>
+                              <m:e>
+                                <m:acc>
+                                  <m:accPr>
+                                    <m:chr m:val="⃗"/>
+                                    <m:ctrlPr>
+                                      <a:rPr lang="en-US" i="1" dirty="0">
+                                        <a:latin typeface="Cambria Math" panose="02040503050406030204" pitchFamily="18" charset="0"/>
+                                      </a:rPr>
+                                    </m:ctrlPr>
+                                  </m:accPr>
+                                  <m:e>
+                                    <m:r>
+                                      <a:rPr lang="en-US" i="1" dirty="0">
+                                        <a:latin typeface="Cambria Math" panose="02040503050406030204" pitchFamily="18" charset="0"/>
+                                      </a:rPr>
+                                      <m:t>𝑃</m:t>
+                                    </m:r>
+                                    <m:sSubSup>
+                                      <m:sSubSupPr>
+                                        <m:ctrlPr>
+                                          <a:rPr lang="en-US" i="1" dirty="0">
+                                            <a:latin typeface="Cambria Math" panose="02040503050406030204" pitchFamily="18" charset="0"/>
+                                          </a:rPr>
+                                        </m:ctrlPr>
+                                      </m:sSubSupPr>
+                                      <m:e>
+                                        <m:r>
+                                          <a:rPr lang="en-US" i="1" dirty="0">
+                                            <a:latin typeface="Cambria Math" panose="02040503050406030204" pitchFamily="18" charset="0"/>
+                                          </a:rPr>
+                                          <m:t>𝐶</m:t>
+                                        </m:r>
+                                      </m:e>
+                                      <m:sub>
+                                        <m:r>
+                                          <a:rPr lang="en-US" i="1" dirty="0">
+                                            <a:latin typeface="Cambria Math" panose="02040503050406030204" pitchFamily="18" charset="0"/>
+                                          </a:rPr>
+                                          <m:t>𝑖𝑗</m:t>
+                                        </m:r>
+                                      </m:sub>
+                                      <m:sup>
+                                        <m:r>
+                                          <a:rPr lang="en-US" i="1" dirty="0">
+                                            <a:latin typeface="Cambria Math" panose="02040503050406030204" pitchFamily="18" charset="0"/>
+                                          </a:rPr>
+                                          <m:t>2</m:t>
+                                        </m:r>
+                                      </m:sup>
+                                    </m:sSubSup>
+                                  </m:e>
+                                </m:acc>
+                              </m:e>
+                              <m:sup>
+                                <m:r>
+                                  <a:rPr lang="en-US" b="0" i="1" smtClean="0">
+                                    <a:latin typeface="Cambria Math" panose="02040503050406030204" pitchFamily="18" charset="0"/>
+                                  </a:rPr>
+                                  <m:t>⊥</m:t>
+                                </m:r>
+                              </m:sup>
+                            </m:sSup>
+                          </m:e>
+                        </m:d>
+                        <m:r>
+                          <a:rPr lang="en-US" b="0" i="1" smtClean="0">
+                            <a:latin typeface="Cambria Math" panose="02040503050406030204" pitchFamily="18" charset="0"/>
+                          </a:rPr>
+                          <m:t>=</m:t>
+                        </m:r>
+                        <m:func>
+                          <m:funcPr>
+                            <m:ctrlPr>
+                              <a:rPr lang="en-US" b="0" i="1" smtClean="0">
+                                <a:latin typeface="Cambria Math" panose="02040503050406030204" pitchFamily="18" charset="0"/>
+                              </a:rPr>
+                            </m:ctrlPr>
+                          </m:funcPr>
+                          <m:fName>
+                            <m:sSup>
+                              <m:sSupPr>
+                                <m:ctrlPr>
+                                  <a:rPr lang="en-US" b="0" i="1" smtClean="0">
+                                    <a:latin typeface="Cambria Math" panose="02040503050406030204" pitchFamily="18" charset="0"/>
+                                  </a:rPr>
+                                </m:ctrlPr>
+                              </m:sSupPr>
+                              <m:e>
+                                <m:r>
+                                  <m:rPr>
+                                    <m:sty m:val="p"/>
+                                  </m:rPr>
+                                  <a:rPr lang="en-US" b="0" i="0" smtClean="0">
+                                    <a:latin typeface="Cambria Math" panose="02040503050406030204" pitchFamily="18" charset="0"/>
+                                  </a:rPr>
+                                  <m:t>tan</m:t>
+                                </m:r>
+                              </m:e>
+                              <m:sup>
+                                <m:r>
+                                  <a:rPr lang="en-US" b="0" i="1" smtClean="0">
+                                    <a:latin typeface="Cambria Math" panose="02040503050406030204" pitchFamily="18" charset="0"/>
+                                  </a:rPr>
+                                  <m:t>−1</m:t>
+                                </m:r>
+                              </m:sup>
+                            </m:sSup>
+                          </m:fName>
+                          <m:e>
+                            <m:d>
+                              <m:dPr>
+                                <m:ctrlPr>
+                                  <a:rPr lang="en-US" b="0" i="1" smtClean="0">
+                                    <a:latin typeface="Cambria Math" panose="02040503050406030204" pitchFamily="18" charset="0"/>
+                                  </a:rPr>
+                                </m:ctrlPr>
+                              </m:dPr>
+                              <m:e>
+                                <m:bar>
+                                  <m:barPr>
+                                    <m:pos m:val="top"/>
+                                    <m:ctrlPr>
+                                      <a:rPr lang="en-US" b="0" i="1" smtClean="0">
+                                        <a:latin typeface="Cambria Math" panose="02040503050406030204" pitchFamily="18" charset="0"/>
+                                      </a:rPr>
+                                    </m:ctrlPr>
+                                  </m:barPr>
+                                  <m:e>
+                                    <m:r>
+                                      <a:rPr lang="en-US" b="0" i="1" smtClean="0">
+                                        <a:latin typeface="Cambria Math" panose="02040503050406030204" pitchFamily="18" charset="0"/>
+                                      </a:rPr>
+                                      <m:t>𝑃</m:t>
+                                    </m:r>
+                                    <m:sSub>
+                                      <m:sSubPr>
+                                        <m:ctrlPr>
+                                          <a:rPr lang="en-US" b="0" i="1" smtClean="0">
+                                            <a:latin typeface="Cambria Math" panose="02040503050406030204" pitchFamily="18" charset="0"/>
+                                          </a:rPr>
+                                        </m:ctrlPr>
+                                      </m:sSubPr>
+                                      <m:e>
+                                        <m:r>
+                                          <a:rPr lang="en-US" b="0" i="1" smtClean="0">
+                                            <a:latin typeface="Cambria Math" panose="02040503050406030204" pitchFamily="18" charset="0"/>
+                                          </a:rPr>
+                                          <m:t>𝐶</m:t>
+                                        </m:r>
+                                      </m:e>
+                                      <m:sub>
+                                        <m:r>
+                                          <a:rPr lang="en-US" b="0" i="1" smtClean="0">
+                                            <a:latin typeface="Cambria Math" panose="02040503050406030204" pitchFamily="18" charset="0"/>
+                                          </a:rPr>
+                                          <m:t>𝑖</m:t>
+                                        </m:r>
+                                      </m:sub>
+                                    </m:sSub>
+                                  </m:e>
+                                </m:bar>
+                                <m:r>
+                                  <a:rPr lang="en-US" b="0" i="1" smtClean="0">
+                                    <a:latin typeface="Cambria Math" panose="02040503050406030204" pitchFamily="18" charset="0"/>
+                                  </a:rPr>
+                                  <m:t>⋅</m:t>
+                                </m:r>
+                                <m:bar>
+                                  <m:barPr>
+                                    <m:pos m:val="top"/>
+                                    <m:ctrlPr>
+                                      <a:rPr lang="en-US" b="0" i="1" smtClean="0">
+                                        <a:latin typeface="Cambria Math" panose="02040503050406030204" pitchFamily="18" charset="0"/>
+                                      </a:rPr>
+                                    </m:ctrlPr>
+                                  </m:barPr>
+                                  <m:e>
+                                    <m:r>
+                                      <a:rPr lang="en-US" b="0" i="1" smtClean="0">
+                                        <a:latin typeface="Cambria Math" panose="02040503050406030204" pitchFamily="18" charset="0"/>
+                                      </a:rPr>
+                                      <m:t>𝑃</m:t>
+                                    </m:r>
+                                    <m:sSub>
+                                      <m:sSubPr>
+                                        <m:ctrlPr>
+                                          <a:rPr lang="en-US" b="0" i="1" smtClean="0">
+                                            <a:latin typeface="Cambria Math" panose="02040503050406030204" pitchFamily="18" charset="0"/>
+                                          </a:rPr>
+                                        </m:ctrlPr>
+                                      </m:sSubPr>
+                                      <m:e>
+                                        <m:r>
+                                          <a:rPr lang="en-US" b="0" i="1" smtClean="0">
+                                            <a:latin typeface="Cambria Math" panose="02040503050406030204" pitchFamily="18" charset="0"/>
+                                          </a:rPr>
+                                          <m:t>𝐶</m:t>
+                                        </m:r>
+                                      </m:e>
+                                      <m:sub>
+                                        <m:r>
+                                          <a:rPr lang="en-US" b="0" i="1" smtClean="0">
+                                            <a:latin typeface="Cambria Math" panose="02040503050406030204" pitchFamily="18" charset="0"/>
+                                          </a:rPr>
+                                          <m:t>𝑗</m:t>
+                                        </m:r>
+                                      </m:sub>
+                                    </m:sSub>
+                                  </m:e>
+                                </m:bar>
+                                <m:r>
+                                  <a:rPr lang="en-US" b="0" i="1" smtClean="0">
+                                    <a:latin typeface="Cambria Math" panose="02040503050406030204" pitchFamily="18" charset="0"/>
+                                  </a:rPr>
+                                  <m:t>⋅(</m:t>
+                                </m:r>
+                                <m:r>
+                                  <m:rPr>
+                                    <m:sty m:val="p"/>
+                                  </m:rPr>
+                                  <a:rPr lang="en-US" b="0" i="0" smtClean="0">
+                                    <a:latin typeface="Cambria Math" panose="02040503050406030204" pitchFamily="18" charset="0"/>
+                                  </a:rPr>
+                                  <m:t>Δ</m:t>
+                                </m:r>
+                                <m:r>
+                                  <a:rPr lang="en-US" b="0" i="1" smtClean="0">
+                                    <a:latin typeface="Cambria Math" panose="02040503050406030204" pitchFamily="18" charset="0"/>
+                                  </a:rPr>
+                                  <m:t>𝑃</m:t>
+                                </m:r>
+                                <m:sSub>
+                                  <m:sSubPr>
+                                    <m:ctrlPr>
+                                      <a:rPr lang="en-US" b="0" i="1" smtClean="0">
+                                        <a:latin typeface="Cambria Math" panose="02040503050406030204" pitchFamily="18" charset="0"/>
+                                      </a:rPr>
+                                    </m:ctrlPr>
+                                  </m:sSubPr>
+                                  <m:e>
+                                    <m:r>
+                                      <a:rPr lang="en-US" b="0" i="1" smtClean="0">
+                                        <a:latin typeface="Cambria Math" panose="02040503050406030204" pitchFamily="18" charset="0"/>
+                                      </a:rPr>
+                                      <m:t>𝐶</m:t>
+                                    </m:r>
+                                  </m:e>
+                                  <m:sub>
+                                    <m:r>
+                                      <a:rPr lang="en-US" b="0" i="1" smtClean="0">
+                                        <a:latin typeface="Cambria Math" panose="02040503050406030204" pitchFamily="18" charset="0"/>
+                                      </a:rPr>
+                                      <m:t>𝑗</m:t>
+                                    </m:r>
+                                  </m:sub>
+                                </m:sSub>
+                                <m:r>
+                                  <a:rPr lang="en-US" b="0" i="1" smtClean="0">
+                                    <a:latin typeface="Cambria Math" panose="02040503050406030204" pitchFamily="18" charset="0"/>
+                                  </a:rPr>
+                                  <m:t>−</m:t>
+                                </m:r>
+                                <m:r>
+                                  <m:rPr>
+                                    <m:sty m:val="p"/>
+                                  </m:rPr>
+                                  <a:rPr lang="en-US" b="0" i="0" smtClean="0">
+                                    <a:latin typeface="Cambria Math" panose="02040503050406030204" pitchFamily="18" charset="0"/>
+                                  </a:rPr>
+                                  <m:t>Δ</m:t>
+                                </m:r>
+                                <m:r>
+                                  <a:rPr lang="en-US" b="0" i="1" smtClean="0">
+                                    <a:latin typeface="Cambria Math" panose="02040503050406030204" pitchFamily="18" charset="0"/>
+                                  </a:rPr>
+                                  <m:t>𝑃</m:t>
+                                </m:r>
+                                <m:sSub>
+                                  <m:sSubPr>
+                                    <m:ctrlPr>
+                                      <a:rPr lang="en-US" b="0" i="1" smtClean="0">
+                                        <a:latin typeface="Cambria Math" panose="02040503050406030204" pitchFamily="18" charset="0"/>
+                                      </a:rPr>
+                                    </m:ctrlPr>
+                                  </m:sSubPr>
+                                  <m:e>
+                                    <m:r>
+                                      <a:rPr lang="en-US" b="0" i="1" smtClean="0">
+                                        <a:latin typeface="Cambria Math" panose="02040503050406030204" pitchFamily="18" charset="0"/>
+                                      </a:rPr>
+                                      <m:t>𝐶</m:t>
+                                    </m:r>
+                                  </m:e>
+                                  <m:sub>
+                                    <m:r>
+                                      <a:rPr lang="en-US" b="0" i="1" smtClean="0">
+                                        <a:latin typeface="Cambria Math" panose="02040503050406030204" pitchFamily="18" charset="0"/>
+                                      </a:rPr>
+                                      <m:t>𝑖</m:t>
+                                    </m:r>
+                                  </m:sub>
+                                </m:sSub>
+                                <m:r>
+                                  <a:rPr lang="en-US" b="0" i="1" smtClean="0">
+                                    <a:latin typeface="Cambria Math" panose="02040503050406030204" pitchFamily="18" charset="0"/>
+                                  </a:rPr>
+                                  <m:t>)</m:t>
+                                </m:r>
+                              </m:e>
+                            </m:d>
+                          </m:e>
+                        </m:func>
+                      </m:e>
+                    </m:func>
+                  </m:oMath>
+                </a14:m>
+                <a:endParaRPr lang="en-US" dirty="0"/>
+              </a:p>
+              <a:p>
+                <a:pPr lvl="2"/>
+                <a:r>
+                  <a:rPr lang="en-US" dirty="0"/>
+                  <a:t>Check whether I’m getting closer/away faster to </a:t>
+                </a:r>
+                <a:r>
+                  <a:rPr lang="en-US" dirty="0" err="1"/>
+                  <a:t>i</a:t>
+                </a:r>
+                <a:r>
+                  <a:rPr lang="en-US" dirty="0"/>
+                  <a:t> or j, modulate by combined activation</a:t>
+                </a:r>
+              </a:p>
+              <a:p>
+                <a:pPr lvl="2"/>
+                <a:r>
+                  <a:rPr lang="en-US" dirty="0"/>
+                  <a:t>Has certain geometrical sense </a:t>
+                </a:r>
+              </a:p>
+              <a:p>
+                <a:pPr lvl="1"/>
+                <a14:m>
+                  <m:oMath xmlns:m="http://schemas.openxmlformats.org/officeDocument/2006/math">
+                    <m:r>
+                      <m:rPr>
+                        <m:sty m:val="p"/>
+                      </m:rPr>
+                      <a:rPr lang="en-US">
+                        <a:latin typeface="Cambria Math" panose="02040503050406030204" pitchFamily="18" charset="0"/>
+                      </a:rPr>
+                      <m:t>Δ</m:t>
+                    </m:r>
+                    <m:sSub>
+                      <m:sSubPr>
+                        <m:ctrlPr>
+                          <a:rPr lang="en-US" i="1">
+                            <a:latin typeface="Cambria Math" panose="02040503050406030204" pitchFamily="18" charset="0"/>
+                          </a:rPr>
+                        </m:ctrlPr>
+                      </m:sSubPr>
+                      <m:e>
+                        <m:r>
+                          <a:rPr lang="en-US" i="1">
+                            <a:latin typeface="Cambria Math" panose="02040503050406030204" pitchFamily="18" charset="0"/>
+                          </a:rPr>
+                          <m:t>𝑊</m:t>
+                        </m:r>
+                      </m:e>
+                      <m:sub>
+                        <m:r>
+                          <a:rPr lang="en-US" i="1">
+                            <a:latin typeface="Cambria Math" panose="02040503050406030204" pitchFamily="18" charset="0"/>
+                          </a:rPr>
+                          <m:t>𝑖𝑗</m:t>
+                        </m:r>
+                      </m:sub>
+                    </m:sSub>
+                    <m:r>
+                      <a:rPr lang="en-US" i="1">
+                        <a:latin typeface="Cambria Math" panose="02040503050406030204" pitchFamily="18" charset="0"/>
+                      </a:rPr>
+                      <m:t>=</m:t>
+                    </m:r>
+                    <m:func>
+                      <m:funcPr>
+                        <m:ctrlPr>
+                          <a:rPr lang="en-US" i="1">
+                            <a:latin typeface="Cambria Math" panose="02040503050406030204" pitchFamily="18" charset="0"/>
+                          </a:rPr>
+                        </m:ctrlPr>
+                      </m:funcPr>
+                      <m:fName>
+                        <m:sSup>
+                          <m:sSupPr>
+                            <m:ctrlPr>
+                              <a:rPr lang="en-US" i="1">
+                                <a:latin typeface="Cambria Math" panose="02040503050406030204" pitchFamily="18" charset="0"/>
+                              </a:rPr>
+                            </m:ctrlPr>
+                          </m:sSupPr>
+                          <m:e>
+                            <m:r>
+                              <m:rPr>
+                                <m:sty m:val="p"/>
+                              </m:rPr>
+                              <a:rPr lang="en-US">
+                                <a:latin typeface="Cambria Math" panose="02040503050406030204" pitchFamily="18" charset="0"/>
+                              </a:rPr>
+                              <m:t>tan</m:t>
+                            </m:r>
+                          </m:e>
+                          <m:sup>
+                            <m:r>
+                              <a:rPr lang="en-US" i="1">
+                                <a:latin typeface="Cambria Math" panose="02040503050406030204" pitchFamily="18" charset="0"/>
+                              </a:rPr>
+                              <m:t>−1</m:t>
+                            </m:r>
+                          </m:sup>
+                        </m:sSup>
+                      </m:fName>
+                      <m:e>
+                        <m:d>
+                          <m:dPr>
+                            <m:ctrlPr>
+                              <a:rPr lang="en-US" i="1">
+                                <a:latin typeface="Cambria Math" panose="02040503050406030204" pitchFamily="18" charset="0"/>
+                              </a:rPr>
+                            </m:ctrlPr>
+                          </m:dPr>
+                          <m:e>
+                            <m:r>
+                              <m:rPr>
+                                <m:sty m:val="p"/>
+                              </m:rPr>
+                              <a:rPr lang="en-US">
+                                <a:latin typeface="Cambria Math" panose="02040503050406030204" pitchFamily="18" charset="0"/>
+                              </a:rPr>
+                              <m:t>Δ</m:t>
+                            </m:r>
+                            <m:r>
+                              <a:rPr lang="en-US" i="1">
+                                <a:latin typeface="Cambria Math" panose="02040503050406030204" pitchFamily="18" charset="0"/>
+                              </a:rPr>
+                              <m:t>𝑃</m:t>
+                            </m:r>
+                            <m:sSub>
+                              <m:sSubPr>
+                                <m:ctrlPr>
+                                  <a:rPr lang="en-US" i="1">
+                                    <a:latin typeface="Cambria Math" panose="02040503050406030204" pitchFamily="18" charset="0"/>
+                                  </a:rPr>
+                                </m:ctrlPr>
+                              </m:sSubPr>
+                              <m:e>
+                                <m:r>
+                                  <a:rPr lang="en-US" i="1">
+                                    <a:latin typeface="Cambria Math" panose="02040503050406030204" pitchFamily="18" charset="0"/>
+                                  </a:rPr>
+                                  <m:t>𝐶</m:t>
+                                </m:r>
+                              </m:e>
+                              <m:sub>
+                                <m:r>
+                                  <a:rPr lang="en-US" i="1">
+                                    <a:latin typeface="Cambria Math" panose="02040503050406030204" pitchFamily="18" charset="0"/>
+                                  </a:rPr>
+                                  <m:t>𝑗</m:t>
+                                </m:r>
+                              </m:sub>
+                            </m:sSub>
+                            <m:r>
+                              <a:rPr lang="en-US" i="1">
+                                <a:latin typeface="Cambria Math" panose="02040503050406030204" pitchFamily="18" charset="0"/>
+                              </a:rPr>
+                              <m:t>−</m:t>
+                            </m:r>
+                            <m:r>
+                              <m:rPr>
+                                <m:sty m:val="p"/>
+                              </m:rPr>
+                              <a:rPr lang="en-US">
+                                <a:latin typeface="Cambria Math" panose="02040503050406030204" pitchFamily="18" charset="0"/>
+                              </a:rPr>
+                              <m:t>Δ</m:t>
+                            </m:r>
+                            <m:r>
+                              <a:rPr lang="en-US" i="1">
+                                <a:latin typeface="Cambria Math" panose="02040503050406030204" pitchFamily="18" charset="0"/>
+                              </a:rPr>
+                              <m:t>𝑃</m:t>
+                            </m:r>
+                            <m:sSub>
+                              <m:sSubPr>
+                                <m:ctrlPr>
+                                  <a:rPr lang="en-US" i="1">
+                                    <a:latin typeface="Cambria Math" panose="02040503050406030204" pitchFamily="18" charset="0"/>
+                                  </a:rPr>
+                                </m:ctrlPr>
+                              </m:sSubPr>
+                              <m:e>
+                                <m:r>
+                                  <a:rPr lang="en-US" i="1">
+                                    <a:latin typeface="Cambria Math" panose="02040503050406030204" pitchFamily="18" charset="0"/>
+                                  </a:rPr>
+                                  <m:t>𝐶</m:t>
+                                </m:r>
+                              </m:e>
+                              <m:sub>
+                                <m:r>
+                                  <a:rPr lang="en-US" i="1">
+                                    <a:latin typeface="Cambria Math" panose="02040503050406030204" pitchFamily="18" charset="0"/>
+                                  </a:rPr>
+                                  <m:t>𝑖</m:t>
+                                </m:r>
+                              </m:sub>
+                            </m:sSub>
+                          </m:e>
+                        </m:d>
+                      </m:e>
+                    </m:func>
+                    <m:r>
+                      <a:rPr lang="en-US" b="0" i="1" smtClean="0">
+                        <a:latin typeface="Cambria Math" panose="02040503050406030204" pitchFamily="18" charset="0"/>
+                      </a:rPr>
+                      <m:t>=</m:t>
+                    </m:r>
+                    <m:func>
+                      <m:funcPr>
+                        <m:ctrlPr>
+                          <a:rPr lang="en-US" b="0" i="1" smtClean="0">
+                            <a:latin typeface="Cambria Math" panose="02040503050406030204" pitchFamily="18" charset="0"/>
+                          </a:rPr>
+                        </m:ctrlPr>
+                      </m:funcPr>
+                      <m:fName>
+                        <m:sSup>
+                          <m:sSupPr>
+                            <m:ctrlPr>
+                              <a:rPr lang="en-US" b="0" i="1" smtClean="0">
+                                <a:latin typeface="Cambria Math" panose="02040503050406030204" pitchFamily="18" charset="0"/>
+                              </a:rPr>
+                            </m:ctrlPr>
+                          </m:sSupPr>
+                          <m:e>
+                            <m:r>
+                              <m:rPr>
+                                <m:sty m:val="p"/>
+                              </m:rPr>
+                              <a:rPr lang="en-US" b="0" i="0" smtClean="0">
+                                <a:latin typeface="Cambria Math" panose="02040503050406030204" pitchFamily="18" charset="0"/>
+                              </a:rPr>
+                              <m:t>tan</m:t>
+                            </m:r>
+                          </m:e>
+                          <m:sup>
+                            <m:r>
+                              <a:rPr lang="en-US" b="0" i="1" smtClean="0">
+                                <a:latin typeface="Cambria Math" panose="02040503050406030204" pitchFamily="18" charset="0"/>
+                              </a:rPr>
+                              <m:t>−1</m:t>
+                            </m:r>
+                          </m:sup>
+                        </m:sSup>
+                      </m:fName>
+                      <m:e>
+                        <m:d>
+                          <m:dPr>
+                            <m:ctrlPr>
+                              <a:rPr lang="en-US" b="0" i="1" smtClean="0">
+                                <a:latin typeface="Cambria Math" panose="02040503050406030204" pitchFamily="18" charset="0"/>
+                              </a:rPr>
+                            </m:ctrlPr>
+                          </m:dPr>
+                          <m:e>
+                            <m:r>
+                              <m:rPr>
+                                <m:sty m:val="p"/>
+                              </m:rPr>
+                              <a:rPr lang="en-US" b="0" i="0" smtClean="0">
+                                <a:latin typeface="Cambria Math" panose="02040503050406030204" pitchFamily="18" charset="0"/>
+                              </a:rPr>
+                              <m:t>Δ</m:t>
+                            </m:r>
+                            <m:r>
+                              <a:rPr lang="en-US" b="0" i="1" smtClean="0">
+                                <a:latin typeface="Cambria Math" panose="02040503050406030204" pitchFamily="18" charset="0"/>
+                              </a:rPr>
+                              <m:t>𝑃</m:t>
+                            </m:r>
+                            <m:sSub>
+                              <m:sSubPr>
+                                <m:ctrlPr>
+                                  <a:rPr lang="en-US" b="0" i="1" smtClean="0">
+                                    <a:latin typeface="Cambria Math" panose="02040503050406030204" pitchFamily="18" charset="0"/>
+                                  </a:rPr>
+                                </m:ctrlPr>
+                              </m:sSubPr>
+                              <m:e>
+                                <m:r>
+                                  <a:rPr lang="en-US" b="0" i="1" smtClean="0">
+                                    <a:latin typeface="Cambria Math" panose="02040503050406030204" pitchFamily="18" charset="0"/>
+                                  </a:rPr>
+                                  <m:t>𝐶</m:t>
+                                </m:r>
+                              </m:e>
+                              <m:sub>
+                                <m:r>
+                                  <a:rPr lang="en-US" b="0" i="1" smtClean="0">
+                                    <a:latin typeface="Cambria Math" panose="02040503050406030204" pitchFamily="18" charset="0"/>
+                                  </a:rPr>
+                                  <m:t>𝑖</m:t>
+                                </m:r>
+                              </m:sub>
+                            </m:sSub>
+                            <m:r>
+                              <a:rPr lang="en-US" b="0" i="1" smtClean="0">
+                                <a:latin typeface="Cambria Math" panose="02040503050406030204" pitchFamily="18" charset="0"/>
+                              </a:rPr>
+                              <m:t>⋅</m:t>
+                            </m:r>
+                            <m:d>
+                              <m:dPr>
+                                <m:ctrlPr>
+                                  <a:rPr lang="en-US" b="0" i="1" smtClean="0">
+                                    <a:latin typeface="Cambria Math" panose="02040503050406030204" pitchFamily="18" charset="0"/>
+                                  </a:rPr>
+                                </m:ctrlPr>
+                              </m:dPr>
+                              <m:e>
+                                <m:func>
+                                  <m:funcPr>
+                                    <m:ctrlPr>
+                                      <a:rPr lang="en-US" b="0" i="1" smtClean="0">
+                                        <a:latin typeface="Cambria Math" panose="02040503050406030204" pitchFamily="18" charset="0"/>
+                                      </a:rPr>
+                                    </m:ctrlPr>
+                                  </m:funcPr>
+                                  <m:fName>
+                                    <m:r>
+                                      <m:rPr>
+                                        <m:sty m:val="p"/>
+                                      </m:rPr>
+                                      <a:rPr lang="en-US" b="0" i="0" smtClean="0">
+                                        <a:latin typeface="Cambria Math" panose="02040503050406030204" pitchFamily="18" charset="0"/>
+                                      </a:rPr>
+                                      <m:t>tan</m:t>
+                                    </m:r>
+                                  </m:fName>
+                                  <m:e>
+                                    <m:r>
+                                      <a:rPr lang="en-US" b="0" i="1" smtClean="0">
+                                        <a:latin typeface="Cambria Math" panose="02040503050406030204" pitchFamily="18" charset="0"/>
+                                      </a:rPr>
+                                      <m:t>𝜃</m:t>
+                                    </m:r>
+                                  </m:e>
+                                </m:func>
+                                <m:r>
+                                  <a:rPr lang="en-US" b="0" i="1" smtClean="0">
+                                    <a:latin typeface="Cambria Math" panose="02040503050406030204" pitchFamily="18" charset="0"/>
+                                  </a:rPr>
+                                  <m:t>−1</m:t>
+                                </m:r>
+                              </m:e>
+                            </m:d>
+                          </m:e>
+                        </m:d>
+                      </m:e>
+                    </m:func>
+                    <m:r>
+                      <a:rPr lang="en-US" b="0" i="1" smtClean="0">
+                        <a:latin typeface="Cambria Math" panose="02040503050406030204" pitchFamily="18" charset="0"/>
+                      </a:rPr>
+                      <m:t>⇒</m:t>
+                    </m:r>
+                  </m:oMath>
+                </a14:m>
+                <a:r>
+                  <a:rPr lang="en-US" dirty="0"/>
+                  <a:t> this returns an angle “somewhat centered” at 45</a:t>
+                </a:r>
+                <a:r>
+                  <a:rPr lang="en-US" baseline="30000" dirty="0"/>
+                  <a:t>o</a:t>
+                </a:r>
+                <a:endParaRPr lang="en-US" dirty="0"/>
+              </a:p>
+              <a:p>
+                <a:pPr lvl="2"/>
+                <a:r>
+                  <a:rPr lang="en-US" dirty="0"/>
+                  <a:t>Check whether I’m getting closer/away faster to </a:t>
+                </a:r>
+                <a:r>
+                  <a:rPr lang="en-US" dirty="0" err="1"/>
+                  <a:t>i</a:t>
+                </a:r>
+                <a:r>
+                  <a:rPr lang="en-US" dirty="0"/>
+                  <a:t> or j</a:t>
+                </a:r>
+              </a:p>
+              <a:p>
+                <a:pPr lvl="2"/>
+                <a:r>
+                  <a:rPr lang="en-US" dirty="0"/>
+                  <a:t>This doesn’t work, must modulate at least with </a:t>
+                </a:r>
+                <a14:m>
+                  <m:oMath xmlns:m="http://schemas.openxmlformats.org/officeDocument/2006/math">
+                    <m:r>
+                      <a:rPr lang="en-US" b="0" i="1" smtClean="0">
+                        <a:latin typeface="Cambria Math" panose="02040503050406030204" pitchFamily="18" charset="0"/>
+                      </a:rPr>
+                      <m:t>𝑃</m:t>
+                    </m:r>
+                    <m:sSub>
+                      <m:sSubPr>
+                        <m:ctrlPr>
+                          <a:rPr lang="en-US" b="0" i="1" smtClean="0">
+                            <a:latin typeface="Cambria Math" panose="02040503050406030204" pitchFamily="18" charset="0"/>
+                          </a:rPr>
+                        </m:ctrlPr>
+                      </m:sSubPr>
+                      <m:e>
+                        <m:r>
+                          <a:rPr lang="en-US" b="0" i="1" smtClean="0">
+                            <a:latin typeface="Cambria Math" panose="02040503050406030204" pitchFamily="18" charset="0"/>
+                          </a:rPr>
+                          <m:t>𝐶</m:t>
+                        </m:r>
+                      </m:e>
+                      <m:sub>
+                        <m:r>
+                          <a:rPr lang="en-US" b="0" i="1" smtClean="0">
+                            <a:latin typeface="Cambria Math" panose="02040503050406030204" pitchFamily="18" charset="0"/>
+                          </a:rPr>
+                          <m:t>𝑖</m:t>
+                        </m:r>
+                      </m:sub>
+                    </m:sSub>
+                  </m:oMath>
+                </a14:m>
+                <a:endParaRPr lang="en-US" dirty="0"/>
+              </a:p>
+              <a:p>
+                <a:pPr lvl="1"/>
+                <a14:m>
+                  <m:oMath xmlns:m="http://schemas.openxmlformats.org/officeDocument/2006/math">
+                    <m:r>
+                      <m:rPr>
+                        <m:sty m:val="p"/>
+                      </m:rPr>
+                      <a:rPr lang="en-US">
+                        <a:latin typeface="Cambria Math" panose="02040503050406030204" pitchFamily="18" charset="0"/>
+                      </a:rPr>
+                      <m:t>Δ</m:t>
+                    </m:r>
+                    <m:sSub>
+                      <m:sSubPr>
+                        <m:ctrlPr>
+                          <a:rPr lang="en-US" i="1">
+                            <a:latin typeface="Cambria Math" panose="02040503050406030204" pitchFamily="18" charset="0"/>
+                          </a:rPr>
+                        </m:ctrlPr>
+                      </m:sSubPr>
+                      <m:e>
+                        <m:r>
+                          <a:rPr lang="en-US" i="1">
+                            <a:latin typeface="Cambria Math" panose="02040503050406030204" pitchFamily="18" charset="0"/>
+                          </a:rPr>
+                          <m:t>𝑊</m:t>
+                        </m:r>
+                      </m:e>
+                      <m:sub>
+                        <m:r>
+                          <a:rPr lang="en-US" i="1">
+                            <a:latin typeface="Cambria Math" panose="02040503050406030204" pitchFamily="18" charset="0"/>
+                          </a:rPr>
+                          <m:t>𝑖𝑗</m:t>
+                        </m:r>
+                      </m:sub>
+                    </m:sSub>
+                    <m:r>
+                      <a:rPr lang="en-US" i="1">
+                        <a:latin typeface="Cambria Math" panose="02040503050406030204" pitchFamily="18" charset="0"/>
+                      </a:rPr>
+                      <m:t>=</m:t>
+                    </m:r>
+                    <m:func>
+                      <m:funcPr>
+                        <m:ctrlPr>
+                          <a:rPr lang="en-US" i="1">
+                            <a:latin typeface="Cambria Math" panose="02040503050406030204" pitchFamily="18" charset="0"/>
+                          </a:rPr>
+                        </m:ctrlPr>
+                      </m:funcPr>
+                      <m:fName>
+                        <m:sSup>
+                          <m:sSupPr>
+                            <m:ctrlPr>
+                              <a:rPr lang="en-US" i="1">
+                                <a:latin typeface="Cambria Math" panose="02040503050406030204" pitchFamily="18" charset="0"/>
+                              </a:rPr>
+                            </m:ctrlPr>
+                          </m:sSupPr>
+                          <m:e>
+                            <m:r>
+                              <m:rPr>
+                                <m:sty m:val="p"/>
+                              </m:rPr>
+                              <a:rPr lang="en-US">
+                                <a:latin typeface="Cambria Math" panose="02040503050406030204" pitchFamily="18" charset="0"/>
+                              </a:rPr>
+                              <m:t>tan</m:t>
+                            </m:r>
+                          </m:e>
+                          <m:sup>
+                            <m:r>
+                              <a:rPr lang="en-US" i="1">
+                                <a:latin typeface="Cambria Math" panose="02040503050406030204" pitchFamily="18" charset="0"/>
+                              </a:rPr>
+                              <m:t>−1</m:t>
+                            </m:r>
+                          </m:sup>
+                        </m:sSup>
+                      </m:fName>
+                      <m:e>
+                        <m:d>
+                          <m:dPr>
+                            <m:ctrlPr>
+                              <a:rPr lang="en-US" i="1">
+                                <a:latin typeface="Cambria Math" panose="02040503050406030204" pitchFamily="18" charset="0"/>
+                              </a:rPr>
+                            </m:ctrlPr>
+                          </m:dPr>
+                          <m:e>
+                            <m:bar>
+                              <m:barPr>
+                                <m:pos m:val="top"/>
+                                <m:ctrlPr>
+                                  <a:rPr lang="en-US" b="0" i="1" smtClean="0">
+                                    <a:latin typeface="Cambria Math" panose="02040503050406030204" pitchFamily="18" charset="0"/>
+                                  </a:rPr>
+                                </m:ctrlPr>
+                              </m:barPr>
+                              <m:e>
+                                <m:r>
+                                  <a:rPr lang="en-US" b="0" i="1" smtClean="0">
+                                    <a:latin typeface="Cambria Math" panose="02040503050406030204" pitchFamily="18" charset="0"/>
+                                  </a:rPr>
+                                  <m:t>𝑃</m:t>
+                                </m:r>
+                                <m:sSub>
+                                  <m:sSubPr>
+                                    <m:ctrlPr>
+                                      <a:rPr lang="en-US" b="0" i="1" smtClean="0">
+                                        <a:latin typeface="Cambria Math" panose="02040503050406030204" pitchFamily="18" charset="0"/>
+                                      </a:rPr>
+                                    </m:ctrlPr>
+                                  </m:sSubPr>
+                                  <m:e>
+                                    <m:r>
+                                      <a:rPr lang="en-US" b="0" i="1" smtClean="0">
+                                        <a:latin typeface="Cambria Math" panose="02040503050406030204" pitchFamily="18" charset="0"/>
+                                      </a:rPr>
+                                      <m:t>𝐶</m:t>
+                                    </m:r>
+                                  </m:e>
+                                  <m:sub>
+                                    <m:r>
+                                      <a:rPr lang="en-US" b="0" i="1" smtClean="0">
+                                        <a:latin typeface="Cambria Math" panose="02040503050406030204" pitchFamily="18" charset="0"/>
+                                      </a:rPr>
+                                      <m:t>𝑖</m:t>
+                                    </m:r>
+                                  </m:sub>
+                                </m:sSub>
+                              </m:e>
+                            </m:bar>
+                            <m:r>
+                              <a:rPr lang="en-US" b="0" i="1" smtClean="0">
+                                <a:latin typeface="Cambria Math" panose="02040503050406030204" pitchFamily="18" charset="0"/>
+                              </a:rPr>
+                              <m:t>⋅</m:t>
+                            </m:r>
+                            <m:d>
+                              <m:dPr>
+                                <m:ctrlPr>
+                                  <a:rPr lang="en-US" b="0" i="1" smtClean="0">
+                                    <a:latin typeface="Cambria Math" panose="02040503050406030204" pitchFamily="18" charset="0"/>
+                                  </a:rPr>
+                                </m:ctrlPr>
+                              </m:dPr>
+                              <m:e>
+                                <m:r>
+                                  <m:rPr>
+                                    <m:sty m:val="p"/>
+                                  </m:rPr>
+                                  <a:rPr lang="en-US">
+                                    <a:latin typeface="Cambria Math" panose="02040503050406030204" pitchFamily="18" charset="0"/>
+                                  </a:rPr>
+                                  <m:t>Δ</m:t>
+                                </m:r>
+                                <m:r>
+                                  <a:rPr lang="en-US" i="1">
+                                    <a:latin typeface="Cambria Math" panose="02040503050406030204" pitchFamily="18" charset="0"/>
+                                  </a:rPr>
+                                  <m:t>𝑃</m:t>
+                                </m:r>
+                                <m:sSub>
+                                  <m:sSubPr>
+                                    <m:ctrlPr>
+                                      <a:rPr lang="en-US" i="1">
+                                        <a:latin typeface="Cambria Math" panose="02040503050406030204" pitchFamily="18" charset="0"/>
+                                      </a:rPr>
+                                    </m:ctrlPr>
+                                  </m:sSubPr>
+                                  <m:e>
+                                    <m:r>
+                                      <a:rPr lang="en-US" i="1">
+                                        <a:latin typeface="Cambria Math" panose="02040503050406030204" pitchFamily="18" charset="0"/>
+                                      </a:rPr>
+                                      <m:t>𝐶</m:t>
+                                    </m:r>
+                                  </m:e>
+                                  <m:sub>
+                                    <m:r>
+                                      <a:rPr lang="en-US" i="1">
+                                        <a:latin typeface="Cambria Math" panose="02040503050406030204" pitchFamily="18" charset="0"/>
+                                      </a:rPr>
+                                      <m:t>𝑗</m:t>
+                                    </m:r>
+                                  </m:sub>
+                                </m:sSub>
+                                <m:r>
+                                  <a:rPr lang="en-US" i="1">
+                                    <a:latin typeface="Cambria Math" panose="02040503050406030204" pitchFamily="18" charset="0"/>
+                                  </a:rPr>
+                                  <m:t>−</m:t>
+                                </m:r>
+                                <m:r>
+                                  <m:rPr>
+                                    <m:sty m:val="p"/>
+                                  </m:rPr>
+                                  <a:rPr lang="en-US">
+                                    <a:latin typeface="Cambria Math" panose="02040503050406030204" pitchFamily="18" charset="0"/>
+                                  </a:rPr>
+                                  <m:t>Δ</m:t>
+                                </m:r>
+                                <m:r>
+                                  <a:rPr lang="en-US" i="1">
+                                    <a:latin typeface="Cambria Math" panose="02040503050406030204" pitchFamily="18" charset="0"/>
+                                  </a:rPr>
+                                  <m:t>𝑃</m:t>
+                                </m:r>
+                                <m:sSub>
+                                  <m:sSubPr>
+                                    <m:ctrlPr>
+                                      <a:rPr lang="en-US" i="1">
+                                        <a:latin typeface="Cambria Math" panose="02040503050406030204" pitchFamily="18" charset="0"/>
+                                      </a:rPr>
+                                    </m:ctrlPr>
+                                  </m:sSubPr>
+                                  <m:e>
+                                    <m:r>
+                                      <a:rPr lang="en-US" i="1">
+                                        <a:latin typeface="Cambria Math" panose="02040503050406030204" pitchFamily="18" charset="0"/>
+                                      </a:rPr>
+                                      <m:t>𝐶</m:t>
+                                    </m:r>
+                                  </m:e>
+                                  <m:sub>
+                                    <m:r>
+                                      <a:rPr lang="en-US" i="1">
+                                        <a:latin typeface="Cambria Math" panose="02040503050406030204" pitchFamily="18" charset="0"/>
+                                      </a:rPr>
+                                      <m:t>𝑖</m:t>
+                                    </m:r>
+                                  </m:sub>
+                                </m:sSub>
+                              </m:e>
+                            </m:d>
+                          </m:e>
+                        </m:d>
+                      </m:e>
+                    </m:func>
+                  </m:oMath>
+                </a14:m>
+                <a:endParaRPr lang="en-US" dirty="0"/>
+              </a:p>
+              <a:p>
+                <a:pPr lvl="2"/>
+                <a:r>
+                  <a:rPr lang="en-US" dirty="0"/>
+                  <a:t>This one doesn’t work for similar reasons to the previous: what if </a:t>
+                </a:r>
+                <a14:m>
+                  <m:oMath xmlns:m="http://schemas.openxmlformats.org/officeDocument/2006/math">
+                    <m:r>
+                      <m:rPr>
+                        <m:sty m:val="p"/>
+                      </m:rPr>
+                      <a:rPr lang="en-US" b="0" i="0" smtClean="0">
+                        <a:latin typeface="Cambria Math" panose="02040503050406030204" pitchFamily="18" charset="0"/>
+                      </a:rPr>
+                      <m:t>Δ</m:t>
+                    </m:r>
+                    <m:r>
+                      <a:rPr lang="en-US" b="0" i="1" smtClean="0">
+                        <a:latin typeface="Cambria Math" panose="02040503050406030204" pitchFamily="18" charset="0"/>
+                      </a:rPr>
+                      <m:t>𝑃</m:t>
+                    </m:r>
+                    <m:sSub>
+                      <m:sSubPr>
+                        <m:ctrlPr>
+                          <a:rPr lang="en-US" b="0" i="1" smtClean="0">
+                            <a:latin typeface="Cambria Math" panose="02040503050406030204" pitchFamily="18" charset="0"/>
+                          </a:rPr>
+                        </m:ctrlPr>
+                      </m:sSubPr>
+                      <m:e>
+                        <m:r>
+                          <a:rPr lang="en-US" b="0" i="1" smtClean="0">
+                            <a:latin typeface="Cambria Math" panose="02040503050406030204" pitchFamily="18" charset="0"/>
+                          </a:rPr>
+                          <m:t>𝐶</m:t>
+                        </m:r>
+                      </m:e>
+                      <m:sub>
+                        <m:r>
+                          <a:rPr lang="en-US" b="0" i="1" smtClean="0">
+                            <a:latin typeface="Cambria Math" panose="02040503050406030204" pitchFamily="18" charset="0"/>
+                          </a:rPr>
+                          <m:t>𝑗</m:t>
+                        </m:r>
+                      </m:sub>
+                    </m:sSub>
+                    <m:r>
+                      <a:rPr lang="en-US" b="0" i="1" smtClean="0">
+                        <a:latin typeface="Cambria Math" panose="02040503050406030204" pitchFamily="18" charset="0"/>
+                      </a:rPr>
+                      <m:t>=0</m:t>
+                    </m:r>
+                  </m:oMath>
+                </a14:m>
+                <a:endParaRPr lang="en-US" dirty="0"/>
+              </a:p>
+              <a:p>
+                <a:pPr lvl="2"/>
+                <a14:m>
+                  <m:oMath xmlns:m="http://schemas.openxmlformats.org/officeDocument/2006/math">
+                    <m:r>
+                      <m:rPr>
+                        <m:sty m:val="p"/>
+                      </m:rPr>
+                      <a:rPr lang="en-US" b="0" i="0" smtClean="0">
+                        <a:latin typeface="Cambria Math" panose="02040503050406030204" pitchFamily="18" charset="0"/>
+                      </a:rPr>
+                      <m:t>Δ</m:t>
+                    </m:r>
+                    <m:sSub>
+                      <m:sSubPr>
+                        <m:ctrlPr>
+                          <a:rPr lang="en-US" b="0" i="1" smtClean="0">
+                            <a:latin typeface="Cambria Math" panose="02040503050406030204" pitchFamily="18" charset="0"/>
+                          </a:rPr>
+                        </m:ctrlPr>
+                      </m:sSubPr>
+                      <m:e>
+                        <m:r>
+                          <a:rPr lang="en-US" b="0" i="1" smtClean="0">
+                            <a:latin typeface="Cambria Math" panose="02040503050406030204" pitchFamily="18" charset="0"/>
+                          </a:rPr>
+                          <m:t>𝑊</m:t>
+                        </m:r>
+                      </m:e>
+                      <m:sub>
+                        <m:r>
+                          <a:rPr lang="en-US" b="0" i="1" smtClean="0">
+                            <a:latin typeface="Cambria Math" panose="02040503050406030204" pitchFamily="18" charset="0"/>
+                          </a:rPr>
+                          <m:t>𝑖𝑗</m:t>
+                        </m:r>
+                      </m:sub>
+                    </m:sSub>
+                  </m:oMath>
+                </a14:m>
+                <a:r>
+                  <a:rPr lang="en-US" dirty="0"/>
+                  <a:t> becomes independent of </a:t>
+                </a:r>
+                <a14:m>
+                  <m:oMath xmlns:m="http://schemas.openxmlformats.org/officeDocument/2006/math">
+                    <m:r>
+                      <a:rPr lang="en-US" b="0" i="1" smtClean="0">
+                        <a:latin typeface="Cambria Math" panose="02040503050406030204" pitchFamily="18" charset="0"/>
+                      </a:rPr>
+                      <m:t>𝑃</m:t>
+                    </m:r>
+                    <m:sSub>
+                      <m:sSubPr>
+                        <m:ctrlPr>
+                          <a:rPr lang="en-US" b="0" i="1" smtClean="0">
+                            <a:latin typeface="Cambria Math" panose="02040503050406030204" pitchFamily="18" charset="0"/>
+                          </a:rPr>
+                        </m:ctrlPr>
+                      </m:sSubPr>
+                      <m:e>
+                        <m:r>
+                          <a:rPr lang="en-US" b="0" i="1" smtClean="0">
+                            <a:latin typeface="Cambria Math" panose="02040503050406030204" pitchFamily="18" charset="0"/>
+                          </a:rPr>
+                          <m:t>𝐶</m:t>
+                        </m:r>
+                      </m:e>
+                      <m:sub>
+                        <m:r>
+                          <a:rPr lang="en-US" b="0" i="1" smtClean="0">
+                            <a:latin typeface="Cambria Math" panose="02040503050406030204" pitchFamily="18" charset="0"/>
+                          </a:rPr>
+                          <m:t>𝑗</m:t>
+                        </m:r>
+                      </m:sub>
+                    </m:sSub>
+                  </m:oMath>
+                </a14:m>
+                <a:endParaRPr lang="en-US" dirty="0"/>
+              </a:p>
+              <a:p>
+                <a:pPr lvl="1"/>
+                <a:endParaRPr lang="en-US" dirty="0"/>
+              </a:p>
+              <a:p>
+                <a:pPr lvl="1"/>
+                <a:endParaRPr lang="en-US" b="0" dirty="0"/>
+              </a:p>
+              <a:p>
+                <a:endParaRPr lang="en-US" b="0" dirty="0"/>
+              </a:p>
+              <a:p>
+                <a:endParaRPr lang="en-US" dirty="0"/>
+              </a:p>
+              <a:p>
+                <a:endParaRPr lang="en-US" dirty="0"/>
+              </a:p>
+            </p:txBody>
+          </p:sp>
+        </mc:Choice>
+        <mc:Fallback xmlns="">
+          <p:sp>
+            <p:nvSpPr>
+              <p:cNvPr id="3" name="Content Placeholder 2">
+                <a:extLst>
+                  <a:ext uri="{FF2B5EF4-FFF2-40B4-BE49-F238E27FC236}">
+                    <a16:creationId xmlns:a16="http://schemas.microsoft.com/office/drawing/2014/main" id="{F3260DE0-A746-4DB2-9C07-BC74C64047E4}"/>
+                  </a:ext>
+                </a:extLst>
+              </p:cNvPr>
+              <p:cNvSpPr>
+                <a:spLocks noGrp="1" noRot="1" noChangeAspect="1" noMove="1" noResize="1" noEditPoints="1" noAdjustHandles="1" noChangeArrowheads="1" noChangeShapeType="1" noTextEdit="1"/>
+              </p:cNvSpPr>
+              <p:nvPr>
+                <p:ph idx="1"/>
+              </p:nvPr>
+            </p:nvSpPr>
+            <p:spPr>
+              <a:blipFill>
+                <a:blip r:embed="rId2"/>
+                <a:stretch>
+                  <a:fillRect l="-406" t="-2521"/>
+                </a:stretch>
+              </a:blipFill>
+            </p:spPr>
+            <p:txBody>
+              <a:bodyPr/>
+              <a:lstStyle/>
+              <a:p>
+                <a:r>
+                  <a:rPr lang="en-US">
+                    <a:noFill/>
+                  </a:rPr>
+                  <a:t> </a:t>
+                </a:r>
+              </a:p>
+            </p:txBody>
+          </p:sp>
+        </mc:Fallback>
+      </mc:AlternateContent>
+    </p:spTree>
+    <p:extLst>
+      <p:ext uri="{BB962C8B-B14F-4D97-AF65-F5344CB8AC3E}">
+        <p14:creationId xmlns:p14="http://schemas.microsoft.com/office/powerpoint/2010/main" val="846445093"/>
+      </p:ext>
+    </p:extLst>
+  </p:cSld>
+  <p:clrMapOvr>
+    <a:masterClrMapping/>
+  </p:clrMapOvr>
+</p:sld>
+</file>
+
+<file path=ppt/slides/slide13.xml><?xml version="1.0" encoding="utf-8"?>
+<p:sld xmlns:a="http://schemas.openxmlformats.org/drawingml/2006/main" xmlns:r="http://schemas.openxmlformats.org/officeDocument/2006/relationships" xmlns:p="http://schemas.openxmlformats.org/presentationml/2006/main">
+  <p:cSld>
+    <p:spTree>
+      <p:nvGrpSpPr>
+        <p:cNvPr id="1" name=""/>
+        <p:cNvGrpSpPr/>
+        <p:nvPr/>
+      </p:nvGrpSpPr>
+      <p:grpSpPr>
+        <a:xfrm>
+          <a:off x="0" y="0"/>
+          <a:ext cx="0" cy="0"/>
+          <a:chOff x="0" y="0"/>
+          <a:chExt cx="0" cy="0"/>
+        </a:xfrm>
+      </p:grpSpPr>
+      <mc:AlternateContent xmlns:mc="http://schemas.openxmlformats.org/markup-compatibility/2006" xmlns:a14="http://schemas.microsoft.com/office/drawing/2010/main">
+        <mc:Choice Requires="a14">
+          <p:sp>
+            <p:nvSpPr>
+              <p:cNvPr id="2" name="Title 1">
+                <a:extLst>
+                  <a:ext uri="{FF2B5EF4-FFF2-40B4-BE49-F238E27FC236}">
+                    <a16:creationId xmlns:a16="http://schemas.microsoft.com/office/drawing/2014/main" id="{4DF6DB92-927D-4809-BA06-4CDCF7B5DD7D}"/>
+                  </a:ext>
+                </a:extLst>
+              </p:cNvPr>
+              <p:cNvSpPr>
+                <a:spLocks noGrp="1"/>
+              </p:cNvSpPr>
+              <p:nvPr>
+                <p:ph type="title"/>
+              </p:nvPr>
+            </p:nvSpPr>
+            <p:spPr/>
+            <p:txBody>
+              <a:bodyPr/>
+              <a:lstStyle/>
+              <a:p>
+                <a:r>
+                  <a:rPr lang="en-US" dirty="0"/>
+                  <a:t>Conversion </a:t>
+                </a:r>
+                <a14:m>
+                  <m:oMath xmlns:m="http://schemas.openxmlformats.org/officeDocument/2006/math">
+                    <m:d>
+                      <m:dPr>
+                        <m:ctrlPr>
+                          <a:rPr lang="en-US" b="0" i="1" smtClean="0">
+                            <a:latin typeface="Cambria Math" panose="02040503050406030204" pitchFamily="18" charset="0"/>
+                          </a:rPr>
+                        </m:ctrlPr>
+                      </m:dPr>
+                      <m:e>
+                        <m:r>
+                          <a:rPr lang="en-US" b="0" i="1" smtClean="0">
+                            <a:latin typeface="Cambria Math" panose="02040503050406030204" pitchFamily="18" charset="0"/>
+                          </a:rPr>
+                          <m:t>𝑥</m:t>
+                        </m:r>
+                        <m:r>
+                          <a:rPr lang="en-US" b="0" i="1" smtClean="0">
+                            <a:latin typeface="Cambria Math" panose="02040503050406030204" pitchFamily="18" charset="0"/>
+                          </a:rPr>
+                          <m:t>,</m:t>
+                        </m:r>
+                        <m:r>
+                          <a:rPr lang="en-US" b="0" i="1" smtClean="0">
+                            <a:latin typeface="Cambria Math" panose="02040503050406030204" pitchFamily="18" charset="0"/>
+                          </a:rPr>
+                          <m:t>𝑦</m:t>
+                        </m:r>
+                      </m:e>
+                    </m:d>
+                    <m:r>
+                      <a:rPr lang="en-US" b="0" i="1" smtClean="0">
+                        <a:latin typeface="Cambria Math" panose="02040503050406030204" pitchFamily="18" charset="0"/>
+                      </a:rPr>
+                      <m:t>→(</m:t>
+                    </m:r>
+                    <m:sSup>
+                      <m:sSupPr>
+                        <m:ctrlPr>
+                          <a:rPr lang="en-US" b="0" i="1" smtClean="0">
+                            <a:latin typeface="Cambria Math" panose="02040503050406030204" pitchFamily="18" charset="0"/>
+                          </a:rPr>
+                        </m:ctrlPr>
+                      </m:sSupPr>
+                      <m:e>
+                        <m:r>
+                          <a:rPr lang="en-US" b="0" i="1" smtClean="0">
+                            <a:latin typeface="Cambria Math" panose="02040503050406030204" pitchFamily="18" charset="0"/>
+                          </a:rPr>
+                          <m:t>𝑥</m:t>
+                        </m:r>
+                      </m:e>
+                      <m:sup>
+                        <m:r>
+                          <a:rPr lang="en-US" b="0" i="1" smtClean="0">
+                            <a:latin typeface="Cambria Math" panose="02040503050406030204" pitchFamily="18" charset="0"/>
+                          </a:rPr>
+                          <m:t>2</m:t>
+                        </m:r>
+                      </m:sup>
+                    </m:sSup>
+                    <m:r>
+                      <a:rPr lang="en-US" b="0" i="1" smtClean="0">
+                        <a:latin typeface="Cambria Math" panose="02040503050406030204" pitchFamily="18" charset="0"/>
+                      </a:rPr>
+                      <m:t>,</m:t>
+                    </m:r>
+                    <m:sSup>
+                      <m:sSupPr>
+                        <m:ctrlPr>
+                          <a:rPr lang="en-US" b="0" i="1" smtClean="0">
+                            <a:latin typeface="Cambria Math" panose="02040503050406030204" pitchFamily="18" charset="0"/>
+                          </a:rPr>
+                        </m:ctrlPr>
+                      </m:sSupPr>
+                      <m:e>
+                        <m:r>
+                          <a:rPr lang="en-US" b="0" i="1" smtClean="0">
+                            <a:latin typeface="Cambria Math" panose="02040503050406030204" pitchFamily="18" charset="0"/>
+                          </a:rPr>
+                          <m:t>𝑦</m:t>
+                        </m:r>
+                      </m:e>
+                      <m:sup>
+                        <m:r>
+                          <a:rPr lang="en-US" b="0" i="1" smtClean="0">
+                            <a:latin typeface="Cambria Math" panose="02040503050406030204" pitchFamily="18" charset="0"/>
+                          </a:rPr>
+                          <m:t>2</m:t>
+                        </m:r>
+                      </m:sup>
+                    </m:sSup>
+                    <m:r>
+                      <a:rPr lang="en-US" b="0" i="1" smtClean="0">
+                        <a:latin typeface="Cambria Math" panose="02040503050406030204" pitchFamily="18" charset="0"/>
+                      </a:rPr>
+                      <m:t>)</m:t>
+                    </m:r>
+                  </m:oMath>
+                </a14:m>
+                <a:endParaRPr lang="en-US" dirty="0"/>
+              </a:p>
+            </p:txBody>
+          </p:sp>
+        </mc:Choice>
+        <mc:Fallback xmlns="">
+          <p:sp>
+            <p:nvSpPr>
+              <p:cNvPr id="2" name="Title 1">
+                <a:extLst>
+                  <a:ext uri="{FF2B5EF4-FFF2-40B4-BE49-F238E27FC236}">
+                    <a16:creationId xmlns:a16="http://schemas.microsoft.com/office/drawing/2014/main" id="{4DF6DB92-927D-4809-BA06-4CDCF7B5DD7D}"/>
+                  </a:ext>
+                </a:extLst>
+              </p:cNvPr>
+              <p:cNvSpPr>
+                <a:spLocks noGrp="1" noRot="1" noChangeAspect="1" noMove="1" noResize="1" noEditPoints="1" noAdjustHandles="1" noChangeArrowheads="1" noChangeShapeType="1" noTextEdit="1"/>
+              </p:cNvSpPr>
+              <p:nvPr>
+                <p:ph type="title"/>
+              </p:nvPr>
+            </p:nvSpPr>
+            <p:spPr>
+              <a:blipFill>
+                <a:blip r:embed="rId2"/>
+                <a:stretch>
+                  <a:fillRect l="-2377"/>
+                </a:stretch>
+              </a:blipFill>
+            </p:spPr>
+            <p:txBody>
+              <a:bodyPr/>
+              <a:lstStyle/>
+              <a:p>
+                <a:r>
+                  <a:rPr lang="en-US">
+                    <a:noFill/>
+                  </a:rPr>
+                  <a:t> </a:t>
+                </a:r>
+              </a:p>
+            </p:txBody>
+          </p:sp>
+        </mc:Fallback>
+      </mc:AlternateContent>
+      <mc:AlternateContent xmlns:mc="http://schemas.openxmlformats.org/markup-compatibility/2006" xmlns:a14="http://schemas.microsoft.com/office/drawing/2010/main">
+        <mc:Choice Requires="a14">
+          <p:sp>
+            <p:nvSpPr>
+              <p:cNvPr id="3" name="Content Placeholder 2">
+                <a:extLst>
+                  <a:ext uri="{FF2B5EF4-FFF2-40B4-BE49-F238E27FC236}">
+                    <a16:creationId xmlns:a16="http://schemas.microsoft.com/office/drawing/2014/main" id="{C3C13099-CE47-4471-A905-8927C9445E4A}"/>
+                  </a:ext>
+                </a:extLst>
+              </p:cNvPr>
+              <p:cNvSpPr>
+                <a:spLocks noGrp="1"/>
+              </p:cNvSpPr>
+              <p:nvPr>
+                <p:ph idx="1"/>
+              </p:nvPr>
+            </p:nvSpPr>
+            <p:spPr/>
+            <p:txBody>
+              <a:bodyPr/>
+              <a:lstStyle/>
+              <a:p>
+                <a14:m>
+                  <m:oMath xmlns:m="http://schemas.openxmlformats.org/officeDocument/2006/math">
+                    <m:d>
+                      <m:dPr>
+                        <m:ctrlPr>
+                          <a:rPr lang="en-US" b="0" i="1" smtClean="0">
+                            <a:latin typeface="Cambria Math" panose="02040503050406030204" pitchFamily="18" charset="0"/>
+                          </a:rPr>
+                        </m:ctrlPr>
+                      </m:dPr>
+                      <m:e>
+                        <m:r>
+                          <a:rPr lang="en-US" b="0" i="1" smtClean="0">
+                            <a:latin typeface="Cambria Math" panose="02040503050406030204" pitchFamily="18" charset="0"/>
+                          </a:rPr>
+                          <m:t>𝑥</m:t>
+                        </m:r>
+                        <m:r>
+                          <a:rPr lang="en-US" b="0" i="1" smtClean="0">
+                            <a:latin typeface="Cambria Math" panose="02040503050406030204" pitchFamily="18" charset="0"/>
+                          </a:rPr>
+                          <m:t>,</m:t>
+                        </m:r>
+                        <m:r>
+                          <a:rPr lang="en-US" b="0" i="1" smtClean="0">
+                            <a:latin typeface="Cambria Math" panose="02040503050406030204" pitchFamily="18" charset="0"/>
+                          </a:rPr>
+                          <m:t>𝑦</m:t>
+                        </m:r>
+                      </m:e>
+                    </m:d>
+                    <m:r>
+                      <a:rPr lang="en-US" b="0" i="1" smtClean="0">
+                        <a:latin typeface="Cambria Math" panose="02040503050406030204" pitchFamily="18" charset="0"/>
+                      </a:rPr>
+                      <m:t>~</m:t>
+                    </m:r>
+                    <m:d>
+                      <m:dPr>
+                        <m:ctrlPr>
+                          <a:rPr lang="en-US" b="0" i="1" smtClean="0">
+                            <a:latin typeface="Cambria Math" panose="02040503050406030204" pitchFamily="18" charset="0"/>
+                          </a:rPr>
+                        </m:ctrlPr>
+                      </m:dPr>
+                      <m:e>
+                        <m:r>
+                          <a:rPr lang="en-US" b="0" i="1" smtClean="0">
+                            <a:latin typeface="Cambria Math" panose="02040503050406030204" pitchFamily="18" charset="0"/>
+                          </a:rPr>
+                          <m:t>𝑟</m:t>
+                        </m:r>
+                        <m:r>
+                          <a:rPr lang="en-US" b="0" i="1" smtClean="0">
+                            <a:latin typeface="Cambria Math" panose="02040503050406030204" pitchFamily="18" charset="0"/>
+                          </a:rPr>
+                          <m:t>,</m:t>
+                        </m:r>
+                        <m:r>
+                          <a:rPr lang="en-US" b="0" i="1" smtClean="0">
+                            <a:latin typeface="Cambria Math" panose="02040503050406030204" pitchFamily="18" charset="0"/>
+                          </a:rPr>
+                          <m:t>𝜃</m:t>
+                        </m:r>
+                      </m:e>
+                    </m:d>
+                  </m:oMath>
+                </a14:m>
+                <a:endParaRPr lang="en-US" b="0" dirty="0"/>
+              </a:p>
+              <a:p>
+                <a14:m>
+                  <m:oMath xmlns:m="http://schemas.openxmlformats.org/officeDocument/2006/math">
+                    <m:sSub>
+                      <m:sSubPr>
+                        <m:ctrlPr>
+                          <a:rPr lang="en-US" b="0" i="1" smtClean="0">
+                            <a:latin typeface="Cambria Math" panose="02040503050406030204" pitchFamily="18" charset="0"/>
+                          </a:rPr>
+                        </m:ctrlPr>
+                      </m:sSubPr>
+                      <m:e>
+                        <m:r>
+                          <a:rPr lang="en-US" b="0" i="1" smtClean="0">
+                            <a:latin typeface="Cambria Math" panose="02040503050406030204" pitchFamily="18" charset="0"/>
+                          </a:rPr>
+                          <m:t>𝑟</m:t>
+                        </m:r>
+                      </m:e>
+                      <m:sub>
+                        <m:r>
+                          <a:rPr lang="en-US" b="0" i="1" smtClean="0">
+                            <a:latin typeface="Cambria Math" panose="02040503050406030204" pitchFamily="18" charset="0"/>
+                          </a:rPr>
+                          <m:t>2</m:t>
+                        </m:r>
+                      </m:sub>
+                    </m:sSub>
+                    <m:r>
+                      <a:rPr lang="en-US" b="0" i="1" smtClean="0">
+                        <a:latin typeface="Cambria Math" panose="02040503050406030204" pitchFamily="18" charset="0"/>
+                      </a:rPr>
+                      <m:t>=</m:t>
+                    </m:r>
+                    <m:sSup>
+                      <m:sSupPr>
+                        <m:ctrlPr>
+                          <a:rPr lang="en-US" b="0" i="1" smtClean="0">
+                            <a:latin typeface="Cambria Math" panose="02040503050406030204" pitchFamily="18" charset="0"/>
+                          </a:rPr>
+                        </m:ctrlPr>
+                      </m:sSupPr>
+                      <m:e>
+                        <m:r>
+                          <a:rPr lang="en-US" b="0" i="1" smtClean="0">
+                            <a:latin typeface="Cambria Math" panose="02040503050406030204" pitchFamily="18" charset="0"/>
+                          </a:rPr>
+                          <m:t>𝑟</m:t>
+                        </m:r>
+                      </m:e>
+                      <m:sup>
+                        <m:r>
+                          <a:rPr lang="en-US" b="0" i="1" smtClean="0">
+                            <a:latin typeface="Cambria Math" panose="02040503050406030204" pitchFamily="18" charset="0"/>
+                          </a:rPr>
+                          <m:t>2</m:t>
+                        </m:r>
+                      </m:sup>
+                    </m:sSup>
+                    <m:r>
+                      <a:rPr lang="en-US" b="0" i="1" smtClean="0">
+                        <a:latin typeface="Cambria Math" panose="02040503050406030204" pitchFamily="18" charset="0"/>
+                      </a:rPr>
+                      <m:t>⋅</m:t>
+                    </m:r>
+                    <m:rad>
+                      <m:radPr>
+                        <m:degHide m:val="on"/>
+                        <m:ctrlPr>
+                          <a:rPr lang="en-US" b="0" i="1" smtClean="0">
+                            <a:latin typeface="Cambria Math" panose="02040503050406030204" pitchFamily="18" charset="0"/>
+                          </a:rPr>
+                        </m:ctrlPr>
+                      </m:radPr>
+                      <m:deg/>
+                      <m:e>
+                        <m:func>
+                          <m:funcPr>
+                            <m:ctrlPr>
+                              <a:rPr lang="en-US" b="0" i="1" smtClean="0">
+                                <a:latin typeface="Cambria Math" panose="02040503050406030204" pitchFamily="18" charset="0"/>
+                              </a:rPr>
+                            </m:ctrlPr>
+                          </m:funcPr>
+                          <m:fName>
+                            <m:sSup>
+                              <m:sSupPr>
+                                <m:ctrlPr>
+                                  <a:rPr lang="en-US" b="0" i="1" smtClean="0">
+                                    <a:latin typeface="Cambria Math" panose="02040503050406030204" pitchFamily="18" charset="0"/>
+                                  </a:rPr>
+                                </m:ctrlPr>
+                              </m:sSupPr>
+                              <m:e>
+                                <m:r>
+                                  <m:rPr>
+                                    <m:sty m:val="p"/>
+                                  </m:rPr>
+                                  <a:rPr lang="en-US" b="0" i="0" smtClean="0">
+                                    <a:latin typeface="Cambria Math" panose="02040503050406030204" pitchFamily="18" charset="0"/>
+                                  </a:rPr>
+                                  <m:t>cos</m:t>
+                                </m:r>
+                              </m:e>
+                              <m:sup>
+                                <m:r>
+                                  <a:rPr lang="en-US" b="0" i="1" smtClean="0">
+                                    <a:latin typeface="Cambria Math" panose="02040503050406030204" pitchFamily="18" charset="0"/>
+                                  </a:rPr>
+                                  <m:t>4</m:t>
+                                </m:r>
+                              </m:sup>
+                            </m:sSup>
+                          </m:fName>
+                          <m:e>
+                            <m:r>
+                              <a:rPr lang="en-US" b="0" i="1" smtClean="0">
+                                <a:latin typeface="Cambria Math" panose="02040503050406030204" pitchFamily="18" charset="0"/>
+                              </a:rPr>
+                              <m:t>𝜃</m:t>
+                            </m:r>
+                          </m:e>
+                        </m:func>
+                        <m:r>
+                          <a:rPr lang="en-US" b="0" i="1" smtClean="0">
+                            <a:latin typeface="Cambria Math" panose="02040503050406030204" pitchFamily="18" charset="0"/>
+                          </a:rPr>
+                          <m:t>+</m:t>
+                        </m:r>
+                        <m:func>
+                          <m:funcPr>
+                            <m:ctrlPr>
+                              <a:rPr lang="en-US" b="0" i="1" smtClean="0">
+                                <a:latin typeface="Cambria Math" panose="02040503050406030204" pitchFamily="18" charset="0"/>
+                              </a:rPr>
+                            </m:ctrlPr>
+                          </m:funcPr>
+                          <m:fName>
+                            <m:sSup>
+                              <m:sSupPr>
+                                <m:ctrlPr>
+                                  <a:rPr lang="en-US" b="0" i="1" smtClean="0">
+                                    <a:latin typeface="Cambria Math" panose="02040503050406030204" pitchFamily="18" charset="0"/>
+                                  </a:rPr>
+                                </m:ctrlPr>
+                              </m:sSupPr>
+                              <m:e>
+                                <m:r>
+                                  <m:rPr>
+                                    <m:sty m:val="p"/>
+                                  </m:rPr>
+                                  <a:rPr lang="en-US" b="0" i="0" smtClean="0">
+                                    <a:latin typeface="Cambria Math" panose="02040503050406030204" pitchFamily="18" charset="0"/>
+                                  </a:rPr>
+                                  <m:t>sin</m:t>
+                                </m:r>
+                              </m:e>
+                              <m:sup>
+                                <m:r>
+                                  <a:rPr lang="en-US" b="0" i="1" smtClean="0">
+                                    <a:latin typeface="Cambria Math" panose="02040503050406030204" pitchFamily="18" charset="0"/>
+                                  </a:rPr>
+                                  <m:t>4</m:t>
+                                </m:r>
+                              </m:sup>
+                            </m:sSup>
+                          </m:fName>
+                          <m:e>
+                            <m:r>
+                              <a:rPr lang="en-US" b="0" i="1" smtClean="0">
+                                <a:latin typeface="Cambria Math" panose="02040503050406030204" pitchFamily="18" charset="0"/>
+                              </a:rPr>
+                              <m:t>𝜃</m:t>
+                            </m:r>
+                          </m:e>
+                        </m:func>
+                      </m:e>
+                    </m:rad>
+                    <m:r>
+                      <a:rPr lang="en-US" b="0" i="1" smtClean="0">
+                        <a:latin typeface="Cambria Math" panose="02040503050406030204" pitchFamily="18" charset="0"/>
+                      </a:rPr>
+                      <m:t>=</m:t>
+                    </m:r>
+                    <m:sSup>
+                      <m:sSupPr>
+                        <m:ctrlPr>
+                          <a:rPr lang="en-US" b="0" i="1" smtClean="0">
+                            <a:latin typeface="Cambria Math" panose="02040503050406030204" pitchFamily="18" charset="0"/>
+                          </a:rPr>
+                        </m:ctrlPr>
+                      </m:sSupPr>
+                      <m:e>
+                        <m:r>
+                          <a:rPr lang="en-US" b="0" i="1" smtClean="0">
+                            <a:latin typeface="Cambria Math" panose="02040503050406030204" pitchFamily="18" charset="0"/>
+                          </a:rPr>
+                          <m:t>𝑟</m:t>
+                        </m:r>
+                      </m:e>
+                      <m:sup>
+                        <m:r>
+                          <a:rPr lang="en-US" b="0" i="1" smtClean="0">
+                            <a:latin typeface="Cambria Math" panose="02040503050406030204" pitchFamily="18" charset="0"/>
+                          </a:rPr>
+                          <m:t>2</m:t>
+                        </m:r>
+                      </m:sup>
+                    </m:sSup>
+                    <m:d>
+                      <m:dPr>
+                        <m:ctrlPr>
+                          <a:rPr lang="en-US" b="0" i="1" smtClean="0">
+                            <a:latin typeface="Cambria Math" panose="02040503050406030204" pitchFamily="18" charset="0"/>
+                          </a:rPr>
+                        </m:ctrlPr>
+                      </m:dPr>
+                      <m:e>
+                        <m:r>
+                          <a:rPr lang="en-US" b="0" i="1" smtClean="0">
+                            <a:latin typeface="Cambria Math" panose="02040503050406030204" pitchFamily="18" charset="0"/>
+                          </a:rPr>
+                          <m:t>1−</m:t>
+                        </m:r>
+                        <m:f>
+                          <m:fPr>
+                            <m:ctrlPr>
+                              <a:rPr lang="en-US" b="0" i="1" smtClean="0">
+                                <a:latin typeface="Cambria Math" panose="02040503050406030204" pitchFamily="18" charset="0"/>
+                              </a:rPr>
+                            </m:ctrlPr>
+                          </m:fPr>
+                          <m:num>
+                            <m:r>
+                              <a:rPr lang="en-US" b="0" i="1" smtClean="0">
+                                <a:latin typeface="Cambria Math" panose="02040503050406030204" pitchFamily="18" charset="0"/>
+                              </a:rPr>
+                              <m:t>1</m:t>
+                            </m:r>
+                          </m:num>
+                          <m:den>
+                            <m:r>
+                              <a:rPr lang="en-US" b="0" i="1" smtClean="0">
+                                <a:latin typeface="Cambria Math" panose="02040503050406030204" pitchFamily="18" charset="0"/>
+                              </a:rPr>
+                              <m:t>2</m:t>
+                            </m:r>
+                          </m:den>
+                        </m:f>
+                        <m:func>
+                          <m:funcPr>
+                            <m:ctrlPr>
+                              <a:rPr lang="en-US" b="0" i="1" smtClean="0">
+                                <a:latin typeface="Cambria Math" panose="02040503050406030204" pitchFamily="18" charset="0"/>
+                              </a:rPr>
+                            </m:ctrlPr>
+                          </m:funcPr>
+                          <m:fName>
+                            <m:sSup>
+                              <m:sSupPr>
+                                <m:ctrlPr>
+                                  <a:rPr lang="en-US" b="0" i="1" smtClean="0">
+                                    <a:latin typeface="Cambria Math" panose="02040503050406030204" pitchFamily="18" charset="0"/>
+                                  </a:rPr>
+                                </m:ctrlPr>
+                              </m:sSupPr>
+                              <m:e>
+                                <m:r>
+                                  <m:rPr>
+                                    <m:sty m:val="p"/>
+                                  </m:rPr>
+                                  <a:rPr lang="en-US" b="0" i="0" smtClean="0">
+                                    <a:latin typeface="Cambria Math" panose="02040503050406030204" pitchFamily="18" charset="0"/>
+                                  </a:rPr>
+                                  <m:t>sin</m:t>
+                                </m:r>
+                              </m:e>
+                              <m:sup>
+                                <m:r>
+                                  <a:rPr lang="en-US" b="0" i="1" smtClean="0">
+                                    <a:latin typeface="Cambria Math" panose="02040503050406030204" pitchFamily="18" charset="0"/>
+                                  </a:rPr>
+                                  <m:t>2</m:t>
+                                </m:r>
+                              </m:sup>
+                            </m:sSup>
+                          </m:fName>
+                          <m:e>
+                            <m:d>
+                              <m:dPr>
+                                <m:ctrlPr>
+                                  <a:rPr lang="en-US" b="0" i="1" smtClean="0">
+                                    <a:latin typeface="Cambria Math" panose="02040503050406030204" pitchFamily="18" charset="0"/>
+                                  </a:rPr>
+                                </m:ctrlPr>
+                              </m:dPr>
+                              <m:e>
+                                <m:r>
+                                  <a:rPr lang="en-US" b="0" i="1" smtClean="0">
+                                    <a:latin typeface="Cambria Math" panose="02040503050406030204" pitchFamily="18" charset="0"/>
+                                  </a:rPr>
+                                  <m:t>2</m:t>
+                                </m:r>
+                                <m:r>
+                                  <a:rPr lang="en-US" b="0" i="1" smtClean="0">
+                                    <a:latin typeface="Cambria Math" panose="02040503050406030204" pitchFamily="18" charset="0"/>
+                                  </a:rPr>
+                                  <m:t>𝜃</m:t>
+                                </m:r>
+                              </m:e>
+                            </m:d>
+                          </m:e>
+                        </m:func>
+                      </m:e>
+                    </m:d>
+                  </m:oMath>
+                </a14:m>
+                <a:endParaRPr lang="en-US" b="0" dirty="0"/>
+              </a:p>
+              <a:p>
+                <a14:m>
+                  <m:oMath xmlns:m="http://schemas.openxmlformats.org/officeDocument/2006/math">
+                    <m:sSub>
+                      <m:sSubPr>
+                        <m:ctrlPr>
+                          <a:rPr lang="en-US" b="0" i="1" smtClean="0">
+                            <a:latin typeface="Cambria Math" panose="02040503050406030204" pitchFamily="18" charset="0"/>
+                          </a:rPr>
+                        </m:ctrlPr>
+                      </m:sSubPr>
+                      <m:e>
+                        <m:r>
+                          <a:rPr lang="en-US" b="0" i="1" smtClean="0">
+                            <a:latin typeface="Cambria Math" panose="02040503050406030204" pitchFamily="18" charset="0"/>
+                          </a:rPr>
+                          <m:t>𝜃</m:t>
+                        </m:r>
+                      </m:e>
+                      <m:sub>
+                        <m:r>
+                          <a:rPr lang="en-US" b="0" i="1" smtClean="0">
+                            <a:latin typeface="Cambria Math" panose="02040503050406030204" pitchFamily="18" charset="0"/>
+                          </a:rPr>
+                          <m:t>2</m:t>
+                        </m:r>
+                      </m:sub>
+                    </m:sSub>
+                    <m:r>
+                      <a:rPr lang="en-US" b="0" i="1" smtClean="0">
+                        <a:latin typeface="Cambria Math" panose="02040503050406030204" pitchFamily="18" charset="0"/>
+                      </a:rPr>
+                      <m:t>=</m:t>
+                    </m:r>
+                    <m:r>
+                      <a:rPr lang="en-US" b="0" i="1" smtClean="0">
+                        <a:latin typeface="Cambria Math" panose="02040503050406030204" pitchFamily="18" charset="0"/>
+                      </a:rPr>
+                      <m:t>𝑎𝑡𝑎𝑛</m:t>
+                    </m:r>
+                    <m:r>
+                      <a:rPr lang="en-US" b="0" i="1" smtClean="0">
+                        <a:latin typeface="Cambria Math" panose="02040503050406030204" pitchFamily="18" charset="0"/>
+                      </a:rPr>
+                      <m:t>2</m:t>
+                    </m:r>
+                    <m:d>
+                      <m:dPr>
+                        <m:ctrlPr>
+                          <a:rPr lang="en-US" b="0" i="1" smtClean="0">
+                            <a:latin typeface="Cambria Math" panose="02040503050406030204" pitchFamily="18" charset="0"/>
+                          </a:rPr>
+                        </m:ctrlPr>
+                      </m:dPr>
+                      <m:e>
+                        <m:sSup>
+                          <m:sSupPr>
+                            <m:ctrlPr>
+                              <a:rPr lang="en-US" b="0" i="1" smtClean="0">
+                                <a:latin typeface="Cambria Math" panose="02040503050406030204" pitchFamily="18" charset="0"/>
+                              </a:rPr>
+                            </m:ctrlPr>
+                          </m:sSupPr>
+                          <m:e>
+                            <m:r>
+                              <a:rPr lang="en-US" b="0" i="1" smtClean="0">
+                                <a:latin typeface="Cambria Math" panose="02040503050406030204" pitchFamily="18" charset="0"/>
+                              </a:rPr>
+                              <m:t>𝑦</m:t>
+                            </m:r>
+                          </m:e>
+                          <m:sup>
+                            <m:r>
+                              <a:rPr lang="en-US" b="0" i="1" smtClean="0">
+                                <a:latin typeface="Cambria Math" panose="02040503050406030204" pitchFamily="18" charset="0"/>
+                              </a:rPr>
+                              <m:t>2</m:t>
+                            </m:r>
+                          </m:sup>
+                        </m:sSup>
+                        <m:r>
+                          <a:rPr lang="en-US" b="0" i="1" smtClean="0">
+                            <a:latin typeface="Cambria Math" panose="02040503050406030204" pitchFamily="18" charset="0"/>
+                          </a:rPr>
+                          <m:t>,</m:t>
+                        </m:r>
+                        <m:sSup>
+                          <m:sSupPr>
+                            <m:ctrlPr>
+                              <a:rPr lang="en-US" b="0" i="1" smtClean="0">
+                                <a:latin typeface="Cambria Math" panose="02040503050406030204" pitchFamily="18" charset="0"/>
+                              </a:rPr>
+                            </m:ctrlPr>
+                          </m:sSupPr>
+                          <m:e>
+                            <m:r>
+                              <a:rPr lang="en-US" b="0" i="1" smtClean="0">
+                                <a:latin typeface="Cambria Math" panose="02040503050406030204" pitchFamily="18" charset="0"/>
+                              </a:rPr>
+                              <m:t>𝑥</m:t>
+                            </m:r>
+                          </m:e>
+                          <m:sup>
+                            <m:r>
+                              <a:rPr lang="en-US" b="0" i="1" smtClean="0">
+                                <a:latin typeface="Cambria Math" panose="02040503050406030204" pitchFamily="18" charset="0"/>
+                              </a:rPr>
+                              <m:t>2</m:t>
+                            </m:r>
+                          </m:sup>
+                        </m:sSup>
+                      </m:e>
+                    </m:d>
+                  </m:oMath>
+                </a14:m>
+                <a:endParaRPr lang="en-US" dirty="0"/>
+              </a:p>
+              <a:p>
+                <a:pPr lvl="1"/>
+                <a:r>
+                  <a:rPr lang="en-US" dirty="0"/>
+                  <a:t>if </a:t>
+                </a:r>
+                <a14:m>
+                  <m:oMath xmlns:m="http://schemas.openxmlformats.org/officeDocument/2006/math">
+                    <m:r>
+                      <a:rPr lang="en-US" b="0" i="1" smtClean="0">
+                        <a:latin typeface="Cambria Math" panose="02040503050406030204" pitchFamily="18" charset="0"/>
+                      </a:rPr>
+                      <m:t>𝑥</m:t>
+                    </m:r>
+                    <m:r>
+                      <a:rPr lang="en-US" b="0" i="1" smtClean="0">
+                        <a:latin typeface="Cambria Math" panose="02040503050406030204" pitchFamily="18" charset="0"/>
+                      </a:rPr>
+                      <m:t>=</m:t>
+                    </m:r>
+                    <m:r>
+                      <a:rPr lang="en-US" b="0" i="1" smtClean="0">
+                        <a:latin typeface="Cambria Math" panose="02040503050406030204" pitchFamily="18" charset="0"/>
+                      </a:rPr>
+                      <m:t>𝑦</m:t>
+                    </m:r>
+                  </m:oMath>
+                </a14:m>
+                <a:r>
+                  <a:rPr lang="en-US" dirty="0"/>
+                  <a:t> or </a:t>
+                </a:r>
+                <a14:m>
+                  <m:oMath xmlns:m="http://schemas.openxmlformats.org/officeDocument/2006/math">
+                    <m:r>
+                      <a:rPr lang="en-US" b="0" i="1" smtClean="0">
+                        <a:latin typeface="Cambria Math" panose="02040503050406030204" pitchFamily="18" charset="0"/>
+                      </a:rPr>
+                      <m:t>𝑥</m:t>
+                    </m:r>
+                    <m:r>
+                      <a:rPr lang="en-US" b="0" i="1" smtClean="0">
+                        <a:latin typeface="Cambria Math" panose="02040503050406030204" pitchFamily="18" charset="0"/>
+                      </a:rPr>
+                      <m:t>=0</m:t>
+                    </m:r>
+                  </m:oMath>
+                </a14:m>
+                <a:r>
+                  <a:rPr lang="en-US" dirty="0"/>
+                  <a:t> or </a:t>
+                </a:r>
+                <a14:m>
+                  <m:oMath xmlns:m="http://schemas.openxmlformats.org/officeDocument/2006/math">
+                    <m:r>
+                      <a:rPr lang="en-US" b="0" i="1" smtClean="0">
+                        <a:latin typeface="Cambria Math" panose="02040503050406030204" pitchFamily="18" charset="0"/>
+                      </a:rPr>
+                      <m:t>𝑦</m:t>
+                    </m:r>
+                    <m:r>
+                      <a:rPr lang="en-US" b="0" i="1" smtClean="0">
+                        <a:latin typeface="Cambria Math" panose="02040503050406030204" pitchFamily="18" charset="0"/>
+                      </a:rPr>
+                      <m:t>=0</m:t>
+                    </m:r>
+                  </m:oMath>
+                </a14:m>
+                <a:r>
+                  <a:rPr lang="en-US" dirty="0"/>
+                  <a:t> </a:t>
+                </a:r>
+                <a14:m>
+                  <m:oMath xmlns:m="http://schemas.openxmlformats.org/officeDocument/2006/math">
+                    <m:r>
+                      <a:rPr lang="en-US" b="0" i="1" dirty="0" smtClean="0">
+                        <a:latin typeface="Cambria Math" panose="02040503050406030204" pitchFamily="18" charset="0"/>
+                      </a:rPr>
+                      <m:t>⇒</m:t>
+                    </m:r>
+                    <m:sSub>
+                      <m:sSubPr>
+                        <m:ctrlPr>
+                          <a:rPr lang="en-US" b="0" i="1" dirty="0" smtClean="0">
+                            <a:latin typeface="Cambria Math" panose="02040503050406030204" pitchFamily="18" charset="0"/>
+                          </a:rPr>
+                        </m:ctrlPr>
+                      </m:sSubPr>
+                      <m:e>
+                        <m:r>
+                          <a:rPr lang="en-US" b="0" i="1" dirty="0" smtClean="0">
+                            <a:latin typeface="Cambria Math" panose="02040503050406030204" pitchFamily="18" charset="0"/>
+                          </a:rPr>
+                          <m:t>𝜃</m:t>
+                        </m:r>
+                      </m:e>
+                      <m:sub>
+                        <m:r>
+                          <a:rPr lang="en-US" b="0" i="1" dirty="0" smtClean="0">
+                            <a:latin typeface="Cambria Math" panose="02040503050406030204" pitchFamily="18" charset="0"/>
+                          </a:rPr>
+                          <m:t>2</m:t>
+                        </m:r>
+                      </m:sub>
+                    </m:sSub>
+                    <m:r>
+                      <a:rPr lang="en-US" b="0" i="1" dirty="0" smtClean="0">
+                        <a:latin typeface="Cambria Math" panose="02040503050406030204" pitchFamily="18" charset="0"/>
+                      </a:rPr>
+                      <m:t>=</m:t>
+                    </m:r>
+                    <m:r>
+                      <a:rPr lang="en-US" b="0" i="1" dirty="0" smtClean="0">
+                        <a:latin typeface="Cambria Math" panose="02040503050406030204" pitchFamily="18" charset="0"/>
+                      </a:rPr>
+                      <m:t>𝜃</m:t>
+                    </m:r>
+                  </m:oMath>
+                </a14:m>
+                <a:endParaRPr lang="en-US" dirty="0"/>
+              </a:p>
+              <a:p>
+                <a:pPr lvl="1"/>
+                <a14:m>
+                  <m:oMath xmlns:m="http://schemas.openxmlformats.org/officeDocument/2006/math">
+                    <m:sSub>
+                      <m:sSubPr>
+                        <m:ctrlPr>
+                          <a:rPr lang="en-US" b="0" i="1" smtClean="0">
+                            <a:latin typeface="Cambria Math" panose="02040503050406030204" pitchFamily="18" charset="0"/>
+                          </a:rPr>
+                        </m:ctrlPr>
+                      </m:sSubPr>
+                      <m:e>
+                        <m:r>
+                          <a:rPr lang="en-US" b="0" i="1" smtClean="0">
+                            <a:latin typeface="Cambria Math" panose="02040503050406030204" pitchFamily="18" charset="0"/>
+                          </a:rPr>
+                          <m:t>𝜃</m:t>
+                        </m:r>
+                      </m:e>
+                      <m:sub>
+                        <m:r>
+                          <a:rPr lang="en-US" b="0" i="1" smtClean="0">
+                            <a:latin typeface="Cambria Math" panose="02040503050406030204" pitchFamily="18" charset="0"/>
+                          </a:rPr>
+                          <m:t>2</m:t>
+                        </m:r>
+                      </m:sub>
+                    </m:sSub>
+                  </m:oMath>
+                </a14:m>
+                <a:r>
+                  <a:rPr lang="en-US" dirty="0"/>
+                  <a:t> stretches </a:t>
+                </a:r>
+                <a14:m>
+                  <m:oMath xmlns:m="http://schemas.openxmlformats.org/officeDocument/2006/math">
+                    <m:r>
+                      <a:rPr lang="en-US" b="0" i="1" smtClean="0">
+                        <a:latin typeface="Cambria Math" panose="02040503050406030204" pitchFamily="18" charset="0"/>
+                      </a:rPr>
+                      <m:t>𝜃</m:t>
+                    </m:r>
+                  </m:oMath>
+                </a14:m>
+                <a:r>
+                  <a:rPr lang="en-US" dirty="0"/>
+                  <a:t> from the 45</a:t>
+                </a:r>
+                <a:r>
+                  <a:rPr lang="en-US" baseline="30000" dirty="0"/>
+                  <a:t>0</a:t>
+                </a:r>
+                <a:r>
+                  <a:rPr lang="en-US" dirty="0"/>
+                  <a:t> angles to vertical or horizontals (whichever is closer) </a:t>
+                </a:r>
+              </a:p>
+            </p:txBody>
+          </p:sp>
+        </mc:Choice>
+        <mc:Fallback xmlns="">
+          <p:sp>
+            <p:nvSpPr>
+              <p:cNvPr id="3" name="Content Placeholder 2">
+                <a:extLst>
+                  <a:ext uri="{FF2B5EF4-FFF2-40B4-BE49-F238E27FC236}">
+                    <a16:creationId xmlns:a16="http://schemas.microsoft.com/office/drawing/2014/main" id="{C3C13099-CE47-4471-A905-8927C9445E4A}"/>
+                  </a:ext>
+                </a:extLst>
+              </p:cNvPr>
+              <p:cNvSpPr>
+                <a:spLocks noGrp="1" noRot="1" noChangeAspect="1" noMove="1" noResize="1" noEditPoints="1" noAdjustHandles="1" noChangeArrowheads="1" noChangeShapeType="1" noTextEdit="1"/>
+              </p:cNvSpPr>
+              <p:nvPr>
+                <p:ph idx="1"/>
+              </p:nvPr>
+            </p:nvSpPr>
+            <p:spPr>
+              <a:blipFill>
+                <a:blip r:embed="rId3"/>
+                <a:stretch>
+                  <a:fillRect/>
+                </a:stretch>
+              </a:blipFill>
+            </p:spPr>
+            <p:txBody>
+              <a:bodyPr/>
+              <a:lstStyle/>
+              <a:p>
+                <a:r>
+                  <a:rPr lang="en-US">
+                    <a:noFill/>
+                  </a:rPr>
+                  <a:t> </a:t>
+                </a:r>
+              </a:p>
+            </p:txBody>
+          </p:sp>
+        </mc:Fallback>
+      </mc:AlternateContent>
+    </p:spTree>
+    <p:extLst>
+      <p:ext uri="{BB962C8B-B14F-4D97-AF65-F5344CB8AC3E}">
+        <p14:creationId xmlns:p14="http://schemas.microsoft.com/office/powerpoint/2010/main" val="3796251179"/>
+      </p:ext>
+    </p:extLst>
+  </p:cSld>
+  <p:clrMapOvr>
+    <a:masterClrMapping/>
+  </p:clrMapOvr>
+</p:sld>
+</file>
+
+<file path=ppt/slides/slide14.xml><?xml version="1.0" encoding="utf-8"?>
+<p:sld xmlns:a="http://schemas.openxmlformats.org/drawingml/2006/main" xmlns:r="http://schemas.openxmlformats.org/officeDocument/2006/relationships" xmlns:p="http://schemas.openxmlformats.org/presentationml/2006/main">
+  <p:cSld>
+    <p:spTree>
+      <p:nvGrpSpPr>
+        <p:cNvPr id="1" name=""/>
+        <p:cNvGrpSpPr/>
+        <p:nvPr/>
+      </p:nvGrpSpPr>
+      <p:grpSpPr>
+        <a:xfrm>
+          <a:off x="0" y="0"/>
+          <a:ext cx="0" cy="0"/>
+          <a:chOff x="0" y="0"/>
+          <a:chExt cx="0" cy="0"/>
+        </a:xfrm>
+      </p:grpSpPr>
+      <mc:AlternateContent xmlns:mc="http://schemas.openxmlformats.org/markup-compatibility/2006" xmlns:a14="http://schemas.microsoft.com/office/drawing/2010/main">
+        <mc:Choice Requires="a14">
+          <p:sp>
+            <p:nvSpPr>
+              <p:cNvPr id="4" name="Title 1">
+                <a:extLst>
+                  <a:ext uri="{FF2B5EF4-FFF2-40B4-BE49-F238E27FC236}">
+                    <a16:creationId xmlns:a16="http://schemas.microsoft.com/office/drawing/2014/main" id="{C724AB56-479D-4973-95BA-A576691B4CBA}"/>
+                  </a:ext>
+                </a:extLst>
+              </p:cNvPr>
+              <p:cNvSpPr txBox="1">
+                <a:spLocks/>
+              </p:cNvSpPr>
+              <p:nvPr/>
+            </p:nvSpPr>
+            <p:spPr>
+              <a:xfrm>
+                <a:off x="990600" y="517525"/>
+                <a:ext cx="10515600" cy="6090309"/>
+              </a:xfrm>
+              <a:prstGeom prst="rect">
+                <a:avLst/>
+              </a:prstGeom>
+            </p:spPr>
+            <p:txBody>
+              <a:bodyPr vert="horz" lIns="91440" tIns="45720" rIns="91440" bIns="45720" rtlCol="0" anchor="ctr">
+                <a:normAutofit fontScale="90000" lnSpcReduction="10000"/>
+              </a:bodyPr>
+              <a:lstStyle>
+                <a:lvl1pPr algn="l" defTabSz="914400" rtl="0" eaLnBrk="1" latinLnBrk="0" hangingPunct="1">
+                  <a:lnSpc>
+                    <a:spcPct val="90000"/>
+                  </a:lnSpc>
+                  <a:spcBef>
+                    <a:spcPct val="0"/>
+                  </a:spcBef>
+                  <a:buNone/>
+                  <a:defRPr sz="4400" kern="1200">
+                    <a:solidFill>
+                      <a:schemeClr val="tx1"/>
+                    </a:solidFill>
+                    <a:latin typeface="+mj-lt"/>
+                    <a:ea typeface="+mj-ea"/>
+                    <a:cs typeface="+mj-cs"/>
+                  </a:defRPr>
+                </a:lvl1pPr>
+              </a:lstStyle>
+              <a:p>
+                <a:r>
+                  <a:rPr lang="en-US" sz="2400" dirty="0"/>
+                  <a:t>Issue 8: (see variable Vis at end of simulation on file: c:\Users\bucef\Documents\Matlab\issue8.m )</a:t>
+                </a:r>
+                <a:br>
+                  <a:rPr lang="en-US" sz="2400" dirty="0"/>
+                </a:br>
+                <a:r>
+                  <a:rPr lang="en-US" sz="2400" dirty="0"/>
+                  <a:t>	Surreal reward expectancy at end of maze.</a:t>
+                </a:r>
+              </a:p>
+              <a:p>
+                <a:r>
+                  <a:rPr lang="en-US" sz="2400" dirty="0"/>
+                  <a:t>	Error for V calculated as:</a:t>
+                </a:r>
+              </a:p>
+              <a:p>
+                <a:r>
+                  <a:rPr lang="en-US" sz="2400" dirty="0"/>
+                  <a:t>		</a:t>
+                </a:r>
+                <a14:m>
+                  <m:oMath xmlns:m="http://schemas.openxmlformats.org/officeDocument/2006/math">
+                    <m:r>
+                      <a:rPr lang="en-US" sz="2400" b="0" i="1" smtClean="0">
+                        <a:latin typeface="Cambria Math" panose="02040503050406030204" pitchFamily="18" charset="0"/>
+                      </a:rPr>
+                      <m:t>𝐸</m:t>
+                    </m:r>
+                    <m:sSup>
+                      <m:sSupPr>
+                        <m:ctrlPr>
+                          <a:rPr lang="en-US" sz="2400" b="0" i="1" smtClean="0">
+                            <a:latin typeface="Cambria Math" panose="02040503050406030204" pitchFamily="18" charset="0"/>
+                          </a:rPr>
+                        </m:ctrlPr>
+                      </m:sSupPr>
+                      <m:e>
+                        <m:r>
+                          <m:rPr>
+                            <m:sty m:val="p"/>
+                          </m:rPr>
+                          <a:rPr lang="en-US" sz="2400" b="0" i="0" smtClean="0">
+                            <a:latin typeface="Cambria Math" panose="02040503050406030204" pitchFamily="18" charset="0"/>
+                          </a:rPr>
+                          <m:t>V</m:t>
+                        </m:r>
+                      </m:e>
+                      <m:sup>
+                        <m:r>
+                          <m:rPr>
+                            <m:sty m:val="p"/>
+                          </m:rPr>
+                          <a:rPr lang="en-US" sz="2400" b="0" i="0" smtClean="0">
+                            <a:latin typeface="Cambria Math" panose="02040503050406030204" pitchFamily="18" charset="0"/>
+                          </a:rPr>
+                          <m:t>t</m:t>
+                        </m:r>
+                      </m:sup>
+                    </m:sSup>
+                    <m:r>
+                      <a:rPr lang="en-US" sz="2400" b="0" i="0" smtClean="0">
+                        <a:latin typeface="Cambria Math" panose="02040503050406030204" pitchFamily="18" charset="0"/>
+                      </a:rPr>
+                      <m:t>=</m:t>
+                    </m:r>
+                    <m:sSub>
+                      <m:sSubPr>
+                        <m:ctrlPr>
+                          <a:rPr lang="en-US" sz="2400" b="0" i="1" smtClean="0">
+                            <a:latin typeface="Cambria Math" panose="02040503050406030204" pitchFamily="18" charset="0"/>
+                          </a:rPr>
+                        </m:ctrlPr>
+                      </m:sSubPr>
+                      <m:e>
+                        <m:r>
+                          <m:rPr>
+                            <m:sty m:val="p"/>
+                          </m:rPr>
+                          <a:rPr lang="en-US" sz="2400" b="0" i="0" smtClean="0">
+                            <a:latin typeface="Cambria Math" panose="02040503050406030204" pitchFamily="18" charset="0"/>
+                          </a:rPr>
+                          <m:t>r</m:t>
+                        </m:r>
+                      </m:e>
+                      <m:sub>
+                        <m:r>
+                          <m:rPr>
+                            <m:sty m:val="p"/>
+                          </m:rPr>
+                          <a:rPr lang="en-US" sz="2400" b="0" i="0" smtClean="0">
+                            <a:latin typeface="Cambria Math" panose="02040503050406030204" pitchFamily="18" charset="0"/>
+                          </a:rPr>
+                          <m:t>t</m:t>
+                        </m:r>
+                      </m:sub>
+                    </m:sSub>
+                    <m:r>
+                      <a:rPr lang="en-US" sz="2400" b="0" i="0" smtClean="0">
+                        <a:latin typeface="Cambria Math" panose="02040503050406030204" pitchFamily="18" charset="0"/>
+                      </a:rPr>
+                      <m:t>+</m:t>
+                    </m:r>
+                    <m:r>
+                      <a:rPr lang="en-US" sz="2400" b="0" i="1" smtClean="0">
+                        <a:latin typeface="Cambria Math" panose="02040503050406030204" pitchFamily="18" charset="0"/>
+                      </a:rPr>
+                      <m:t>𝛾</m:t>
+                    </m:r>
+                    <m:sSup>
+                      <m:sSupPr>
+                        <m:ctrlPr>
+                          <a:rPr lang="en-US" sz="2400" b="0" i="1" smtClean="0">
+                            <a:latin typeface="Cambria Math" panose="02040503050406030204" pitchFamily="18" charset="0"/>
+                          </a:rPr>
+                        </m:ctrlPr>
+                      </m:sSupPr>
+                      <m:e>
+                        <m:r>
+                          <a:rPr lang="en-US" sz="2400" b="0" i="1" smtClean="0">
+                            <a:latin typeface="Cambria Math" panose="02040503050406030204" pitchFamily="18" charset="0"/>
+                          </a:rPr>
+                          <m:t>𝑉</m:t>
+                        </m:r>
+                      </m:e>
+                      <m:sup>
+                        <m:r>
+                          <a:rPr lang="en-US" sz="2400" b="0" i="1" smtClean="0">
+                            <a:latin typeface="Cambria Math" panose="02040503050406030204" pitchFamily="18" charset="0"/>
+                          </a:rPr>
+                          <m:t>𝑡</m:t>
+                        </m:r>
+                      </m:sup>
+                    </m:sSup>
+                    <m:d>
+                      <m:dPr>
+                        <m:ctrlPr>
+                          <a:rPr lang="en-US" sz="2400" b="0" i="1" smtClean="0">
+                            <a:latin typeface="Cambria Math" panose="02040503050406030204" pitchFamily="18" charset="0"/>
+                          </a:rPr>
+                        </m:ctrlPr>
+                      </m:dPr>
+                      <m:e>
+                        <m:sSub>
+                          <m:sSubPr>
+                            <m:ctrlPr>
+                              <a:rPr lang="en-US" sz="2400" b="0" i="1" smtClean="0">
+                                <a:latin typeface="Cambria Math" panose="02040503050406030204" pitchFamily="18" charset="0"/>
+                              </a:rPr>
+                            </m:ctrlPr>
+                          </m:sSubPr>
+                          <m:e>
+                            <m:r>
+                              <a:rPr lang="en-US" sz="2400" b="0" i="1" smtClean="0">
+                                <a:latin typeface="Cambria Math" panose="02040503050406030204" pitchFamily="18" charset="0"/>
+                              </a:rPr>
+                              <m:t>𝑠</m:t>
+                            </m:r>
+                          </m:e>
+                          <m:sub>
+                            <m:r>
+                              <a:rPr lang="en-US" sz="2400" b="0" i="1" smtClean="0">
+                                <a:latin typeface="Cambria Math" panose="02040503050406030204" pitchFamily="18" charset="0"/>
+                              </a:rPr>
+                              <m:t>𝑡</m:t>
+                            </m:r>
+                            <m:r>
+                              <a:rPr lang="en-US" sz="2400" b="0" i="1" smtClean="0">
+                                <a:latin typeface="Cambria Math" panose="02040503050406030204" pitchFamily="18" charset="0"/>
+                              </a:rPr>
+                              <m:t>+1</m:t>
+                            </m:r>
+                          </m:sub>
+                        </m:sSub>
+                      </m:e>
+                    </m:d>
+                    <m:r>
+                      <a:rPr lang="en-US" sz="2400" b="0" i="1" smtClean="0">
+                        <a:latin typeface="Cambria Math" panose="02040503050406030204" pitchFamily="18" charset="0"/>
+                      </a:rPr>
+                      <m:t>−</m:t>
+                    </m:r>
+                    <m:sSup>
+                      <m:sSupPr>
+                        <m:ctrlPr>
+                          <a:rPr lang="en-US" sz="2400" b="0" i="1" smtClean="0">
+                            <a:latin typeface="Cambria Math" panose="02040503050406030204" pitchFamily="18" charset="0"/>
+                          </a:rPr>
+                        </m:ctrlPr>
+                      </m:sSupPr>
+                      <m:e>
+                        <m:r>
+                          <a:rPr lang="en-US" sz="2400" b="0" i="1" smtClean="0">
+                            <a:latin typeface="Cambria Math" panose="02040503050406030204" pitchFamily="18" charset="0"/>
+                          </a:rPr>
+                          <m:t>𝑉</m:t>
+                        </m:r>
+                      </m:e>
+                      <m:sup>
+                        <m:r>
+                          <a:rPr lang="en-US" sz="2400" b="0" i="1" smtClean="0">
+                            <a:latin typeface="Cambria Math" panose="02040503050406030204" pitchFamily="18" charset="0"/>
+                          </a:rPr>
+                          <m:t>𝑡</m:t>
+                        </m:r>
+                      </m:sup>
+                    </m:sSup>
+                    <m:d>
+                      <m:dPr>
+                        <m:ctrlPr>
+                          <a:rPr lang="en-US" sz="2400" b="0" i="1" smtClean="0">
+                            <a:latin typeface="Cambria Math" panose="02040503050406030204" pitchFamily="18" charset="0"/>
+                          </a:rPr>
+                        </m:ctrlPr>
+                      </m:dPr>
+                      <m:e>
+                        <m:sSub>
+                          <m:sSubPr>
+                            <m:ctrlPr>
+                              <a:rPr lang="en-US" sz="2400" b="0" i="1" smtClean="0">
+                                <a:latin typeface="Cambria Math" panose="02040503050406030204" pitchFamily="18" charset="0"/>
+                              </a:rPr>
+                            </m:ctrlPr>
+                          </m:sSubPr>
+                          <m:e>
+                            <m:r>
+                              <a:rPr lang="en-US" sz="2400" b="0" i="1" smtClean="0">
+                                <a:latin typeface="Cambria Math" panose="02040503050406030204" pitchFamily="18" charset="0"/>
+                              </a:rPr>
+                              <m:t>𝑠</m:t>
+                            </m:r>
+                          </m:e>
+                          <m:sub>
+                            <m:r>
+                              <a:rPr lang="en-US" sz="2400" b="0" i="1" smtClean="0">
+                                <a:latin typeface="Cambria Math" panose="02040503050406030204" pitchFamily="18" charset="0"/>
+                              </a:rPr>
+                              <m:t>𝑡</m:t>
+                            </m:r>
+                          </m:sub>
+                        </m:sSub>
+                      </m:e>
+                    </m:d>
+                  </m:oMath>
+                </a14:m>
+                <a:endParaRPr lang="en-US" sz="2400" b="0" dirty="0"/>
+              </a:p>
+              <a:p>
+                <a:r>
+                  <a:rPr lang="en-US" sz="2400" dirty="0"/>
+                  <a:t>	If states are discrete, since there’s only one rewarding location </a:t>
+                </a:r>
+                <a14:m>
+                  <m:oMath xmlns:m="http://schemas.openxmlformats.org/officeDocument/2006/math">
+                    <m:sSup>
+                      <m:sSupPr>
+                        <m:ctrlPr>
+                          <a:rPr lang="en-US" sz="2400" b="0" i="1" smtClean="0">
+                            <a:latin typeface="Cambria Math" panose="02040503050406030204" pitchFamily="18" charset="0"/>
+                          </a:rPr>
+                        </m:ctrlPr>
+                      </m:sSupPr>
+                      <m:e>
+                        <m:r>
+                          <a:rPr lang="en-US" sz="2400" b="0" i="1" smtClean="0">
+                            <a:latin typeface="Cambria Math" panose="02040503050406030204" pitchFamily="18" charset="0"/>
+                          </a:rPr>
+                          <m:t>𝑉</m:t>
+                        </m:r>
+                      </m:e>
+                      <m:sup>
+                        <m:r>
+                          <a:rPr lang="en-US" sz="2400" b="0" i="1" smtClean="0">
+                            <a:latin typeface="Cambria Math" panose="02040503050406030204" pitchFamily="18" charset="0"/>
+                          </a:rPr>
+                          <m:t>𝑡</m:t>
+                        </m:r>
+                      </m:sup>
+                    </m:sSup>
+                    <m:r>
+                      <a:rPr lang="en-US" sz="2400" b="0" i="1" smtClean="0">
+                        <a:latin typeface="Cambria Math" panose="02040503050406030204" pitchFamily="18" charset="0"/>
+                      </a:rPr>
+                      <m:t>(</m:t>
+                    </m:r>
+                    <m:sSub>
+                      <m:sSubPr>
+                        <m:ctrlPr>
+                          <a:rPr lang="en-US" sz="2400" b="0" i="1" smtClean="0">
+                            <a:latin typeface="Cambria Math" panose="02040503050406030204" pitchFamily="18" charset="0"/>
+                          </a:rPr>
+                        </m:ctrlPr>
+                      </m:sSubPr>
+                      <m:e>
+                        <m:r>
+                          <a:rPr lang="en-US" sz="2400" b="0" i="1" smtClean="0">
+                            <a:latin typeface="Cambria Math" panose="02040503050406030204" pitchFamily="18" charset="0"/>
+                          </a:rPr>
+                          <m:t>𝑠</m:t>
+                        </m:r>
+                      </m:e>
+                      <m:sub>
+                        <m:r>
+                          <a:rPr lang="en-US" sz="2400" b="0" i="1" smtClean="0">
+                            <a:latin typeface="Cambria Math" panose="02040503050406030204" pitchFamily="18" charset="0"/>
+                          </a:rPr>
+                          <m:t>𝑡</m:t>
+                        </m:r>
+                        <m:r>
+                          <a:rPr lang="en-US" sz="2400" b="0" i="1" smtClean="0">
+                            <a:latin typeface="Cambria Math" panose="02040503050406030204" pitchFamily="18" charset="0"/>
+                          </a:rPr>
+                          <m:t>+1</m:t>
+                        </m:r>
+                      </m:sub>
+                    </m:sSub>
+                    <m:r>
+                      <a:rPr lang="en-US" sz="2400" b="0" i="1" smtClean="0">
+                        <a:latin typeface="Cambria Math" panose="02040503050406030204" pitchFamily="18" charset="0"/>
+                      </a:rPr>
+                      <m:t>)</m:t>
+                    </m:r>
+                  </m:oMath>
+                </a14:m>
+                <a:r>
+                  <a:rPr lang="en-US" sz="2400" dirty="0"/>
+                  <a:t> is always 0 since no movement can be done after the food.</a:t>
+                </a:r>
+              </a:p>
+              <a:p>
+                <a:r>
+                  <a:rPr lang="en-US" sz="2400" dirty="0"/>
+                  <a:t>	In our case, since states are not discrete, after the first time the rat finds food </a:t>
+                </a:r>
+                <a14:m>
+                  <m:oMath xmlns:m="http://schemas.openxmlformats.org/officeDocument/2006/math">
+                    <m:sSup>
+                      <m:sSupPr>
+                        <m:ctrlPr>
+                          <a:rPr lang="en-US" sz="2400" b="0" i="1" smtClean="0">
+                            <a:latin typeface="Cambria Math" panose="02040503050406030204" pitchFamily="18" charset="0"/>
+                          </a:rPr>
+                        </m:ctrlPr>
+                      </m:sSupPr>
+                      <m:e>
+                        <m:r>
+                          <a:rPr lang="en-US" sz="2400" b="0" i="1" smtClean="0">
+                            <a:latin typeface="Cambria Math" panose="02040503050406030204" pitchFamily="18" charset="0"/>
+                          </a:rPr>
+                          <m:t>𝑉</m:t>
+                        </m:r>
+                      </m:e>
+                      <m:sup>
+                        <m:r>
+                          <a:rPr lang="en-US" sz="2400" b="0" i="1" smtClean="0">
+                            <a:latin typeface="Cambria Math" panose="02040503050406030204" pitchFamily="18" charset="0"/>
+                          </a:rPr>
+                          <m:t>𝑡</m:t>
+                        </m:r>
+                      </m:sup>
+                    </m:sSup>
+                    <m:r>
+                      <a:rPr lang="en-US" sz="2400" b="0" i="1" smtClean="0">
+                        <a:latin typeface="Cambria Math" panose="02040503050406030204" pitchFamily="18" charset="0"/>
+                      </a:rPr>
+                      <m:t>(</m:t>
+                    </m:r>
+                    <m:sSub>
+                      <m:sSubPr>
+                        <m:ctrlPr>
+                          <a:rPr lang="en-US" sz="2400" b="0" i="1" smtClean="0">
+                            <a:latin typeface="Cambria Math" panose="02040503050406030204" pitchFamily="18" charset="0"/>
+                          </a:rPr>
+                        </m:ctrlPr>
+                      </m:sSubPr>
+                      <m:e>
+                        <m:r>
+                          <a:rPr lang="en-US" sz="2400" b="0" i="1" smtClean="0">
+                            <a:latin typeface="Cambria Math" panose="02040503050406030204" pitchFamily="18" charset="0"/>
+                          </a:rPr>
+                          <m:t>𝑠</m:t>
+                        </m:r>
+                      </m:e>
+                      <m:sub>
+                        <m:r>
+                          <a:rPr lang="en-US" sz="2400" b="0" i="1" smtClean="0">
+                            <a:latin typeface="Cambria Math" panose="02040503050406030204" pitchFamily="18" charset="0"/>
+                          </a:rPr>
+                          <m:t>𝑡</m:t>
+                        </m:r>
+                        <m:r>
+                          <a:rPr lang="en-US" sz="2400" b="0" i="1" smtClean="0">
+                            <a:latin typeface="Cambria Math" panose="02040503050406030204" pitchFamily="18" charset="0"/>
+                          </a:rPr>
+                          <m:t>+1</m:t>
+                        </m:r>
+                      </m:sub>
+                    </m:sSub>
+                    <m:r>
+                      <a:rPr lang="en-US" sz="2400" b="0" i="1" smtClean="0">
+                        <a:latin typeface="Cambria Math" panose="02040503050406030204" pitchFamily="18" charset="0"/>
+                      </a:rPr>
+                      <m:t>)</m:t>
+                    </m:r>
+                  </m:oMath>
+                </a14:m>
+                <a:r>
+                  <a:rPr lang="en-US" sz="2400" dirty="0"/>
+                  <a:t> will be bigger than 0, so </a:t>
+                </a:r>
+                <a14:m>
+                  <m:oMath xmlns:m="http://schemas.openxmlformats.org/officeDocument/2006/math">
+                    <m:r>
+                      <a:rPr lang="en-US" sz="2400" b="0" i="1" smtClean="0">
+                        <a:latin typeface="Cambria Math" panose="02040503050406030204" pitchFamily="18" charset="0"/>
+                      </a:rPr>
+                      <m:t>𝐸</m:t>
+                    </m:r>
+                    <m:sSup>
+                      <m:sSupPr>
+                        <m:ctrlPr>
+                          <a:rPr lang="en-US" sz="2400" b="0" i="1" smtClean="0">
+                            <a:latin typeface="Cambria Math" panose="02040503050406030204" pitchFamily="18" charset="0"/>
+                          </a:rPr>
+                        </m:ctrlPr>
+                      </m:sSupPr>
+                      <m:e>
+                        <m:r>
+                          <a:rPr lang="en-US" sz="2400" b="0" i="1" smtClean="0">
+                            <a:latin typeface="Cambria Math" panose="02040503050406030204" pitchFamily="18" charset="0"/>
+                          </a:rPr>
+                          <m:t>𝑉</m:t>
+                        </m:r>
+                      </m:e>
+                      <m:sup>
+                        <m:r>
+                          <a:rPr lang="en-US" sz="2400" b="0" i="1" smtClean="0">
+                            <a:latin typeface="Cambria Math" panose="02040503050406030204" pitchFamily="18" charset="0"/>
+                          </a:rPr>
+                          <m:t>𝑡</m:t>
+                        </m:r>
+                      </m:sup>
+                    </m:sSup>
+                  </m:oMath>
+                </a14:m>
+                <a:r>
+                  <a:rPr lang="en-US" sz="2400" dirty="0"/>
+                  <a:t> will always increase.</a:t>
+                </a:r>
+              </a:p>
+              <a:p>
+                <a:endParaRPr lang="en-US" sz="2400" dirty="0"/>
+              </a:p>
+              <a:p>
+                <a:r>
+                  <a:rPr lang="en-US" sz="2400" dirty="0"/>
+                  <a:t>	Similarly, when reaching “same state” (a little moved), but no food is found then error will always be negative since the state is the same.</a:t>
+                </a:r>
+              </a:p>
+              <a:p>
+                <a:endParaRPr lang="en-US" sz="2400" dirty="0"/>
+              </a:p>
+              <a:p>
+                <a:r>
+                  <a:rPr lang="en-US" sz="2400" dirty="0"/>
+                  <a:t>	Summary of problem: states are not independent from each other.</a:t>
+                </a:r>
+              </a:p>
+              <a:p>
+                <a:r>
+                  <a:rPr lang="en-US" sz="2400" dirty="0"/>
+                  <a:t>	Solutions should try to make them as independent as possible or modify algorithm so that value of one cell is independent from other cell</a:t>
+                </a:r>
+              </a:p>
+              <a:p>
+                <a:pPr marL="342900" indent="-342900">
+                  <a:buFont typeface="Arial" panose="020B0604020202020204" pitchFamily="34" charset="0"/>
+                  <a:buChar char="•"/>
+                </a:pPr>
+                <a:r>
+                  <a:rPr lang="en-US" sz="2400" dirty="0"/>
+                  <a:t>Possible solutions: -steps longer than place cells (might help hiding the problem, not fixing it). This is similar to having bigger resolution.</a:t>
+                </a:r>
+              </a:p>
+              <a:p>
+                <a:pPr marL="342900" indent="-342900">
+                  <a:buFont typeface="Arial" panose="020B0604020202020204" pitchFamily="34" charset="0"/>
+                  <a:buChar char="•"/>
+                </a:pPr>
+                <a:r>
+                  <a:rPr lang="en-US" sz="2400" dirty="0"/>
+                  <a:t>                                 -using </a:t>
+                </a:r>
+                <a14:m>
+                  <m:oMath xmlns:m="http://schemas.openxmlformats.org/officeDocument/2006/math">
+                    <m:r>
+                      <a:rPr lang="en-US" sz="2400" b="0" i="1" smtClean="0">
+                        <a:latin typeface="Cambria Math" panose="02040503050406030204" pitchFamily="18" charset="0"/>
+                      </a:rPr>
+                      <m:t>𝐸</m:t>
+                    </m:r>
+                    <m:sSup>
+                      <m:sSupPr>
+                        <m:ctrlPr>
+                          <a:rPr lang="en-US" sz="2400" b="0" i="1" smtClean="0">
+                            <a:latin typeface="Cambria Math" panose="02040503050406030204" pitchFamily="18" charset="0"/>
+                          </a:rPr>
+                        </m:ctrlPr>
+                      </m:sSupPr>
+                      <m:e>
+                        <m:r>
+                          <a:rPr lang="en-US" sz="2400" b="0" i="1" smtClean="0">
+                            <a:latin typeface="Cambria Math" panose="02040503050406030204" pitchFamily="18" charset="0"/>
+                          </a:rPr>
+                          <m:t>𝑉</m:t>
+                        </m:r>
+                      </m:e>
+                      <m:sup>
+                        <m:r>
+                          <a:rPr lang="en-US" sz="2400" b="0" i="1" smtClean="0">
+                            <a:latin typeface="Cambria Math" panose="02040503050406030204" pitchFamily="18" charset="0"/>
+                          </a:rPr>
+                          <m:t>𝑡</m:t>
+                        </m:r>
+                      </m:sup>
+                    </m:sSup>
+                    <m:r>
+                      <a:rPr lang="en-US" sz="2400" b="0" i="1" smtClean="0">
+                        <a:latin typeface="Cambria Math" panose="02040503050406030204" pitchFamily="18" charset="0"/>
+                      </a:rPr>
+                      <m:t>=</m:t>
+                    </m:r>
+                    <m:sSub>
+                      <m:sSubPr>
+                        <m:ctrlPr>
+                          <a:rPr lang="en-US" sz="2400" b="0" i="1" smtClean="0">
+                            <a:latin typeface="Cambria Math" panose="02040503050406030204" pitchFamily="18" charset="0"/>
+                          </a:rPr>
+                        </m:ctrlPr>
+                      </m:sSubPr>
+                      <m:e>
+                        <m:r>
+                          <a:rPr lang="en-US" sz="2400" b="0" i="1" smtClean="0">
+                            <a:latin typeface="Cambria Math" panose="02040503050406030204" pitchFamily="18" charset="0"/>
+                          </a:rPr>
+                          <m:t>𝑟</m:t>
+                        </m:r>
+                      </m:e>
+                      <m:sub>
+                        <m:r>
+                          <a:rPr lang="en-US" sz="2400" b="0" i="1" smtClean="0">
+                            <a:latin typeface="Cambria Math" panose="02040503050406030204" pitchFamily="18" charset="0"/>
+                          </a:rPr>
+                          <m:t>𝑡</m:t>
+                        </m:r>
+                      </m:sub>
+                    </m:sSub>
+                    <m:r>
+                      <a:rPr lang="en-US" sz="2400" b="0" i="1" smtClean="0">
+                        <a:latin typeface="Cambria Math" panose="02040503050406030204" pitchFamily="18" charset="0"/>
+                      </a:rPr>
+                      <m:t>−</m:t>
+                    </m:r>
+                    <m:sSup>
+                      <m:sSupPr>
+                        <m:ctrlPr>
+                          <a:rPr lang="en-US" sz="2400" b="0" i="1" smtClean="0">
+                            <a:latin typeface="Cambria Math" panose="02040503050406030204" pitchFamily="18" charset="0"/>
+                          </a:rPr>
+                        </m:ctrlPr>
+                      </m:sSupPr>
+                      <m:e>
+                        <m:r>
+                          <a:rPr lang="en-US" sz="2400" b="0" i="1" smtClean="0">
+                            <a:latin typeface="Cambria Math" panose="02040503050406030204" pitchFamily="18" charset="0"/>
+                          </a:rPr>
+                          <m:t>𝑉</m:t>
+                        </m:r>
+                      </m:e>
+                      <m:sup>
+                        <m:r>
+                          <a:rPr lang="en-US" sz="2400" b="0" i="1" smtClean="0">
+                            <a:latin typeface="Cambria Math" panose="02040503050406030204" pitchFamily="18" charset="0"/>
+                          </a:rPr>
+                          <m:t>𝑡</m:t>
+                        </m:r>
+                      </m:sup>
+                    </m:sSup>
+                    <m:r>
+                      <a:rPr lang="en-US" sz="2400" b="0" i="1" smtClean="0">
+                        <a:latin typeface="Cambria Math" panose="02040503050406030204" pitchFamily="18" charset="0"/>
+                      </a:rPr>
+                      <m:t>(</m:t>
+                    </m:r>
+                    <m:sSub>
+                      <m:sSubPr>
+                        <m:ctrlPr>
+                          <a:rPr lang="en-US" sz="2400" b="0" i="1" smtClean="0">
+                            <a:latin typeface="Cambria Math" panose="02040503050406030204" pitchFamily="18" charset="0"/>
+                          </a:rPr>
+                        </m:ctrlPr>
+                      </m:sSubPr>
+                      <m:e>
+                        <m:r>
+                          <a:rPr lang="en-US" sz="2400" b="0" i="1" smtClean="0">
+                            <a:latin typeface="Cambria Math" panose="02040503050406030204" pitchFamily="18" charset="0"/>
+                          </a:rPr>
+                          <m:t>𝑠</m:t>
+                        </m:r>
+                      </m:e>
+                      <m:sub>
+                        <m:r>
+                          <a:rPr lang="en-US" sz="2400" b="0" i="1" smtClean="0">
+                            <a:latin typeface="Cambria Math" panose="02040503050406030204" pitchFamily="18" charset="0"/>
+                          </a:rPr>
+                          <m:t>𝑡</m:t>
+                        </m:r>
+                      </m:sub>
+                    </m:sSub>
+                    <m:r>
+                      <a:rPr lang="en-US" sz="2400" b="0" i="1" smtClean="0">
+                        <a:latin typeface="Cambria Math" panose="02040503050406030204" pitchFamily="18" charset="0"/>
+                      </a:rPr>
+                      <m:t>)</m:t>
+                    </m:r>
+                  </m:oMath>
+                </a14:m>
+                <a:r>
+                  <a:rPr lang="en-US" sz="2400" dirty="0"/>
+                  <a:t> when </a:t>
+                </a:r>
+                <a14:m>
+                  <m:oMath xmlns:m="http://schemas.openxmlformats.org/officeDocument/2006/math">
+                    <m:sSub>
+                      <m:sSubPr>
+                        <m:ctrlPr>
+                          <a:rPr lang="en-US" sz="2400" b="0" i="1" smtClean="0">
+                            <a:latin typeface="Cambria Math" panose="02040503050406030204" pitchFamily="18" charset="0"/>
+                          </a:rPr>
+                        </m:ctrlPr>
+                      </m:sSubPr>
+                      <m:e>
+                        <m:r>
+                          <a:rPr lang="en-US" sz="2400" b="0" i="1" smtClean="0">
+                            <a:latin typeface="Cambria Math" panose="02040503050406030204" pitchFamily="18" charset="0"/>
+                          </a:rPr>
+                          <m:t>𝑟</m:t>
+                        </m:r>
+                      </m:e>
+                      <m:sub>
+                        <m:r>
+                          <a:rPr lang="en-US" sz="2400" b="0" i="1" smtClean="0">
+                            <a:latin typeface="Cambria Math" panose="02040503050406030204" pitchFamily="18" charset="0"/>
+                          </a:rPr>
+                          <m:t>𝑡</m:t>
+                        </m:r>
+                      </m:sub>
+                    </m:sSub>
+                    <m:r>
+                      <a:rPr lang="en-US" sz="2400" b="0" i="1" smtClean="0">
+                        <a:latin typeface="Cambria Math" panose="02040503050406030204" pitchFamily="18" charset="0"/>
+                      </a:rPr>
+                      <m:t>&gt;0</m:t>
+                    </m:r>
+                  </m:oMath>
+                </a14:m>
+                <a:r>
+                  <a:rPr lang="en-US" sz="2400" dirty="0"/>
+                  <a:t> this might work since there’s only one reward</a:t>
+                </a:r>
+              </a:p>
+              <a:p>
+                <a:pPr marL="342900" indent="-342900">
+                  <a:buFont typeface="Arial" panose="020B0604020202020204" pitchFamily="34" charset="0"/>
+                  <a:buChar char="•"/>
+                </a:pPr>
+                <a:r>
+                  <a:rPr lang="en-US" sz="2400" dirty="0"/>
+                  <a:t>                                 -Instead of assigning reward using the state, </a:t>
+                </a:r>
+                <a:r>
+                  <a:rPr lang="en-US" sz="2400" dirty="0" err="1"/>
+                  <a:t>ussing</a:t>
+                </a:r>
+                <a:r>
+                  <a:rPr lang="en-US" sz="2400" dirty="0"/>
+                  <a:t> using the difference between states</a:t>
+                </a:r>
+              </a:p>
+              <a:p>
+                <a:pPr marL="1257300" lvl="2" indent="-342900">
+                  <a:buFont typeface="Arial" panose="020B0604020202020204" pitchFamily="34" charset="0"/>
+                  <a:buChar char="•"/>
+                </a:pPr>
+                <a:endParaRPr lang="en-US" sz="100" dirty="0"/>
+              </a:p>
+              <a:p>
+                <a:pPr marL="800100" lvl="1" indent="-342900">
+                  <a:buFont typeface="Arial" panose="020B0604020202020204" pitchFamily="34" charset="0"/>
+                  <a:buChar char="•"/>
+                </a:pPr>
+                <a:endParaRPr lang="en-US" sz="100" dirty="0"/>
+              </a:p>
+              <a:p>
+                <a:pPr marL="800100" lvl="1" indent="-342900">
+                  <a:buFont typeface="Arial" panose="020B0604020202020204" pitchFamily="34" charset="0"/>
+                  <a:buChar char="•"/>
+                </a:pPr>
+                <a:endParaRPr lang="en-US" sz="100" dirty="0"/>
+              </a:p>
+              <a:p>
+                <a:pPr marL="800100" lvl="1" indent="-342900">
+                  <a:buFont typeface="Arial" panose="020B0604020202020204" pitchFamily="34" charset="0"/>
+                  <a:buChar char="•"/>
+                </a:pPr>
+                <a:r>
+                  <a:rPr lang="en-US" sz="100" dirty="0"/>
+                  <a:t>s</a:t>
+                </a:r>
+              </a:p>
+              <a:p>
+                <a:pPr marL="800100" lvl="1" indent="-342900">
+                  <a:buFont typeface="Arial" panose="020B0604020202020204" pitchFamily="34" charset="0"/>
+                  <a:buChar char="•"/>
+                </a:pPr>
+                <a:endParaRPr lang="en-US" sz="100" dirty="0"/>
+              </a:p>
+              <a:p>
+                <a:pPr marL="800100" lvl="1" indent="-342900">
+                  <a:buFont typeface="Arial" panose="020B0604020202020204" pitchFamily="34" charset="0"/>
+                  <a:buChar char="•"/>
+                </a:pPr>
+                <a:endParaRPr lang="en-US" sz="100" dirty="0"/>
+              </a:p>
+              <a:p>
+                <a:pPr marL="800100" lvl="1" indent="-342900">
+                  <a:buFont typeface="Arial" panose="020B0604020202020204" pitchFamily="34" charset="0"/>
+                  <a:buChar char="•"/>
+                </a:pPr>
+                <a:endParaRPr lang="en-US" sz="100" dirty="0"/>
+              </a:p>
+              <a:p>
+                <a:pPr marL="800100" lvl="1" indent="-342900">
+                  <a:buFont typeface="Arial" panose="020B0604020202020204" pitchFamily="34" charset="0"/>
+                  <a:buChar char="•"/>
+                </a:pPr>
+                <a:endParaRPr lang="en-US" sz="100" dirty="0"/>
+              </a:p>
+            </p:txBody>
+          </p:sp>
+        </mc:Choice>
+        <mc:Fallback xmlns="">
+          <p:sp>
+            <p:nvSpPr>
+              <p:cNvPr id="4" name="Title 1">
+                <a:extLst>
+                  <a:ext uri="{FF2B5EF4-FFF2-40B4-BE49-F238E27FC236}">
+                    <a16:creationId xmlns:a16="http://schemas.microsoft.com/office/drawing/2014/main" id="{C724AB56-479D-4973-95BA-A576691B4CBA}"/>
+                  </a:ext>
+                </a:extLst>
+              </p:cNvPr>
+              <p:cNvSpPr txBox="1">
+                <a:spLocks noRot="1" noChangeAspect="1" noMove="1" noResize="1" noEditPoints="1" noAdjustHandles="1" noChangeArrowheads="1" noChangeShapeType="1" noTextEdit="1"/>
+              </p:cNvSpPr>
+              <p:nvPr/>
+            </p:nvSpPr>
+            <p:spPr>
+              <a:xfrm>
+                <a:off x="990600" y="517525"/>
+                <a:ext cx="10515600" cy="6090309"/>
+              </a:xfrm>
+              <a:prstGeom prst="rect">
+                <a:avLst/>
+              </a:prstGeom>
+              <a:blipFill>
+                <a:blip r:embed="rId2"/>
+                <a:stretch>
+                  <a:fillRect l="-754" t="-1802" r="-174" b="-400"/>
+                </a:stretch>
+              </a:blipFill>
+            </p:spPr>
+            <p:txBody>
+              <a:bodyPr/>
+              <a:lstStyle/>
+              <a:p>
+                <a:r>
+                  <a:rPr lang="en-US">
+                    <a:noFill/>
+                  </a:rPr>
+                  <a:t> </a:t>
+                </a:r>
+              </a:p>
+            </p:txBody>
+          </p:sp>
+        </mc:Fallback>
+      </mc:AlternateContent>
+    </p:spTree>
+    <p:extLst>
+      <p:ext uri="{BB962C8B-B14F-4D97-AF65-F5344CB8AC3E}">
+        <p14:creationId xmlns:p14="http://schemas.microsoft.com/office/powerpoint/2010/main" val="1728719294"/>
+      </p:ext>
+    </p:extLst>
+  </p:cSld>
+  <p:clrMapOvr>
+    <a:masterClrMapping/>
+  </p:clrMapOvr>
+</p:sld>
+</file>
+
+<file path=ppt/slides/slide15.xml><?xml version="1.0" encoding="utf-8"?>
+<p:sld xmlns:a="http://schemas.openxmlformats.org/drawingml/2006/main" xmlns:r="http://schemas.openxmlformats.org/officeDocument/2006/relationships" xmlns:p="http://schemas.openxmlformats.org/presentationml/2006/main">
+  <p:cSld>
+    <p:spTree>
+      <p:nvGrpSpPr>
+        <p:cNvPr id="1" name=""/>
+        <p:cNvGrpSpPr/>
+        <p:nvPr/>
+      </p:nvGrpSpPr>
+      <p:grpSpPr>
+        <a:xfrm>
+          <a:off x="0" y="0"/>
+          <a:ext cx="0" cy="0"/>
+          <a:chOff x="0" y="0"/>
+          <a:chExt cx="0" cy="0"/>
+        </a:xfrm>
+      </p:grpSpPr>
+      <p:sp>
+        <p:nvSpPr>
+          <p:cNvPr id="2" name="Title 1">
+            <a:extLst>
+              <a:ext uri="{FF2B5EF4-FFF2-40B4-BE49-F238E27FC236}">
+                <a16:creationId xmlns:a16="http://schemas.microsoft.com/office/drawing/2014/main" id="{C8C9107B-ABC2-490E-89CA-7643A421F156}"/>
+              </a:ext>
+            </a:extLst>
+          </p:cNvPr>
+          <p:cNvSpPr>
+            <a:spLocks noGrp="1"/>
+          </p:cNvSpPr>
+          <p:nvPr>
+            <p:ph type="title"/>
+          </p:nvPr>
+        </p:nvSpPr>
+        <p:spPr/>
+        <p:txBody>
+          <a:bodyPr/>
+          <a:lstStyle/>
+          <a:p>
+            <a:r>
+              <a:rPr lang="en-US" dirty="0"/>
+              <a:t>Issue 8 sample output:</a:t>
+            </a:r>
+          </a:p>
+        </p:txBody>
+      </p:sp>
+      <p:sp>
+        <p:nvSpPr>
+          <p:cNvPr id="3" name="Content Placeholder 2">
+            <a:extLst>
+              <a:ext uri="{FF2B5EF4-FFF2-40B4-BE49-F238E27FC236}">
+                <a16:creationId xmlns:a16="http://schemas.microsoft.com/office/drawing/2014/main" id="{D78BB345-8A59-427F-9AF6-8D8A431F6AA2}"/>
+              </a:ext>
+            </a:extLst>
+          </p:cNvPr>
+          <p:cNvSpPr>
+            <a:spLocks noGrp="1"/>
+          </p:cNvSpPr>
+          <p:nvPr>
+            <p:ph idx="1"/>
+          </p:nvPr>
+        </p:nvSpPr>
+        <p:spPr/>
+        <p:txBody>
+          <a:bodyPr/>
+          <a:lstStyle/>
+          <a:p>
+            <a:endParaRPr lang="en-US" dirty="0"/>
+          </a:p>
+        </p:txBody>
+      </p:sp>
+      <p:pic>
+        <p:nvPicPr>
+          <p:cNvPr id="4" name="Picture 3">
+            <a:extLst>
+              <a:ext uri="{FF2B5EF4-FFF2-40B4-BE49-F238E27FC236}">
+                <a16:creationId xmlns:a16="http://schemas.microsoft.com/office/drawing/2014/main" id="{C9E118A0-6B04-4CDF-89F0-05FE33E3A64B}"/>
+              </a:ext>
+            </a:extLst>
+          </p:cNvPr>
+          <p:cNvPicPr>
+            <a:picLocks noChangeAspect="1"/>
+          </p:cNvPicPr>
+          <p:nvPr/>
+        </p:nvPicPr>
+        <p:blipFill>
+          <a:blip r:embed="rId2"/>
+          <a:stretch>
+            <a:fillRect/>
+          </a:stretch>
+        </p:blipFill>
+        <p:spPr>
+          <a:xfrm>
+            <a:off x="422088" y="1276708"/>
+            <a:ext cx="9235274" cy="5581291"/>
+          </a:xfrm>
+          <a:prstGeom prst="rect">
+            <a:avLst/>
+          </a:prstGeom>
+        </p:spPr>
+      </p:pic>
+    </p:spTree>
+    <p:extLst>
+      <p:ext uri="{BB962C8B-B14F-4D97-AF65-F5344CB8AC3E}">
+        <p14:creationId xmlns:p14="http://schemas.microsoft.com/office/powerpoint/2010/main" val="25499129"/>
+      </p:ext>
+    </p:extLst>
+  </p:cSld>
+  <p:clrMapOvr>
+    <a:masterClrMapping/>
+  </p:clrMapOvr>
+</p:sld>
+</file>
+
+<file path=ppt/slides/slide16.xml><?xml version="1.0" encoding="utf-8"?>
+<p:sld xmlns:a="http://schemas.openxmlformats.org/drawingml/2006/main" xmlns:r="http://schemas.openxmlformats.org/officeDocument/2006/relationships" xmlns:p="http://schemas.openxmlformats.org/presentationml/2006/main">
+  <p:cSld>
+    <p:spTree>
+      <p:nvGrpSpPr>
+        <p:cNvPr id="1" name=""/>
+        <p:cNvGrpSpPr/>
+        <p:nvPr/>
+      </p:nvGrpSpPr>
+      <p:grpSpPr>
+        <a:xfrm>
+          <a:off x="0" y="0"/>
+          <a:ext cx="0" cy="0"/>
+          <a:chOff x="0" y="0"/>
+          <a:chExt cx="0" cy="0"/>
+        </a:xfrm>
+      </p:grpSpPr>
+      <p:sp>
+        <p:nvSpPr>
+          <p:cNvPr id="2" name="Title 1">
+            <a:extLst>
+              <a:ext uri="{FF2B5EF4-FFF2-40B4-BE49-F238E27FC236}">
+                <a16:creationId xmlns:a16="http://schemas.microsoft.com/office/drawing/2014/main" id="{58D155AC-D4C2-4FC8-A45D-53A413A2E719}"/>
+              </a:ext>
+            </a:extLst>
+          </p:cNvPr>
+          <p:cNvSpPr>
+            <a:spLocks noGrp="1"/>
+          </p:cNvSpPr>
+          <p:nvPr>
+            <p:ph type="title"/>
+          </p:nvPr>
+        </p:nvSpPr>
+        <p:spPr/>
+        <p:txBody>
+          <a:bodyPr/>
+          <a:lstStyle/>
+          <a:p>
+            <a:r>
+              <a:rPr lang="en-US" dirty="0"/>
+              <a:t>Issue 8 simpler example: (without normalization)</a:t>
+            </a:r>
+          </a:p>
+        </p:txBody>
+      </p:sp>
+      <mc:AlternateContent xmlns:mc="http://schemas.openxmlformats.org/markup-compatibility/2006">
+        <mc:Choice xmlns:a14="http://schemas.microsoft.com/office/drawing/2010/main" Requires="a14">
+          <p:sp>
+            <p:nvSpPr>
+              <p:cNvPr id="3" name="Content Placeholder 2">
+                <a:extLst>
+                  <a:ext uri="{FF2B5EF4-FFF2-40B4-BE49-F238E27FC236}">
+                    <a16:creationId xmlns:a16="http://schemas.microsoft.com/office/drawing/2014/main" id="{A9E686FB-7AFB-4126-AF68-733D4183EB78}"/>
+                  </a:ext>
+                </a:extLst>
+              </p:cNvPr>
+              <p:cNvSpPr>
+                <a:spLocks noGrp="1"/>
+              </p:cNvSpPr>
+              <p:nvPr>
+                <p:ph idx="1"/>
+              </p:nvPr>
+            </p:nvSpPr>
+            <p:spPr/>
+            <p:txBody>
+              <a:bodyPr>
+                <a:normAutofit/>
+              </a:bodyPr>
+              <a:lstStyle/>
+              <a:p>
+                <a:r>
+                  <a:rPr lang="en-US" dirty="0"/>
+                  <a:t>Assume 1 cell</a:t>
+                </a:r>
+              </a:p>
+              <a:p>
+                <a:pPr lvl="1"/>
+                <a14:m>
+                  <m:oMath xmlns:m="http://schemas.openxmlformats.org/officeDocument/2006/math">
+                    <m:sSubSup>
+                      <m:sSubSupPr>
+                        <m:ctrlPr>
+                          <a:rPr lang="en-US" b="0" i="1" smtClean="0">
+                            <a:latin typeface="Cambria Math" panose="02040503050406030204" pitchFamily="18" charset="0"/>
+                          </a:rPr>
+                        </m:ctrlPr>
+                      </m:sSubSupPr>
+                      <m:e>
+                        <m:r>
+                          <a:rPr lang="en-US" b="0" i="1" smtClean="0">
+                            <a:latin typeface="Cambria Math" panose="02040503050406030204" pitchFamily="18" charset="0"/>
+                          </a:rPr>
+                          <m:t>𝑉</m:t>
+                        </m:r>
+                      </m:e>
+                      <m:sub>
+                        <m:r>
+                          <a:rPr lang="en-US" b="0" i="1" smtClean="0">
+                            <a:latin typeface="Cambria Math" panose="02040503050406030204" pitchFamily="18" charset="0"/>
+                          </a:rPr>
+                          <m:t>1</m:t>
+                        </m:r>
+                      </m:sub>
+                      <m:sup>
+                        <m:r>
+                          <a:rPr lang="en-US" b="0" i="1" smtClean="0">
+                            <a:latin typeface="Cambria Math" panose="02040503050406030204" pitchFamily="18" charset="0"/>
+                          </a:rPr>
+                          <m:t>𝑡</m:t>
+                        </m:r>
+                      </m:sup>
+                    </m:sSubSup>
+                    <m:r>
+                      <a:rPr lang="en-US" b="0" i="1" smtClean="0">
+                        <a:latin typeface="Cambria Math" panose="02040503050406030204" pitchFamily="18" charset="0"/>
+                      </a:rPr>
+                      <m:t>=0</m:t>
+                    </m:r>
+                  </m:oMath>
+                </a14:m>
+                <a:r>
+                  <a:rPr lang="en-US" dirty="0"/>
+                  <a:t>,  </a:t>
+                </a:r>
+                <a14:m>
+                  <m:oMath xmlns:m="http://schemas.openxmlformats.org/officeDocument/2006/math">
+                    <m:r>
+                      <a:rPr lang="en-US" b="0" i="1" smtClean="0">
+                        <a:latin typeface="Cambria Math" panose="02040503050406030204" pitchFamily="18" charset="0"/>
+                      </a:rPr>
+                      <m:t>𝑃</m:t>
+                    </m:r>
+                    <m:sSubSup>
+                      <m:sSubSupPr>
+                        <m:ctrlPr>
+                          <a:rPr lang="en-US" b="0" i="1" smtClean="0">
+                            <a:latin typeface="Cambria Math" panose="02040503050406030204" pitchFamily="18" charset="0"/>
+                          </a:rPr>
+                        </m:ctrlPr>
+                      </m:sSubSupPr>
+                      <m:e>
+                        <m:r>
+                          <a:rPr lang="en-US" b="0" i="1" smtClean="0">
+                            <a:latin typeface="Cambria Math" panose="02040503050406030204" pitchFamily="18" charset="0"/>
+                          </a:rPr>
+                          <m:t>𝐶</m:t>
+                        </m:r>
+                      </m:e>
+                      <m:sub>
+                        <m:r>
+                          <a:rPr lang="en-US" b="0" i="1" smtClean="0">
+                            <a:latin typeface="Cambria Math" panose="02040503050406030204" pitchFamily="18" charset="0"/>
+                          </a:rPr>
+                          <m:t>1</m:t>
+                        </m:r>
+                      </m:sub>
+                      <m:sup>
+                        <m:r>
+                          <a:rPr lang="en-US" b="0" i="1" smtClean="0">
+                            <a:latin typeface="Cambria Math" panose="02040503050406030204" pitchFamily="18" charset="0"/>
+                          </a:rPr>
+                          <m:t>𝑡</m:t>
+                        </m:r>
+                      </m:sup>
+                    </m:sSubSup>
+                    <m:r>
+                      <a:rPr lang="en-US" b="0" i="1" smtClean="0">
+                        <a:latin typeface="Cambria Math" panose="02040503050406030204" pitchFamily="18" charset="0"/>
+                      </a:rPr>
+                      <m:t>=0.1, </m:t>
+                    </m:r>
+                    <m:r>
+                      <a:rPr lang="en-US" b="0" i="1" smtClean="0">
+                        <a:latin typeface="Cambria Math" panose="02040503050406030204" pitchFamily="18" charset="0"/>
+                      </a:rPr>
+                      <m:t>𝑃</m:t>
+                    </m:r>
+                    <m:sSubSup>
+                      <m:sSubSupPr>
+                        <m:ctrlPr>
+                          <a:rPr lang="en-US" b="0" i="1" smtClean="0">
+                            <a:latin typeface="Cambria Math" panose="02040503050406030204" pitchFamily="18" charset="0"/>
+                          </a:rPr>
+                        </m:ctrlPr>
+                      </m:sSubSupPr>
+                      <m:e>
+                        <m:r>
+                          <a:rPr lang="en-US" b="0" i="1" smtClean="0">
+                            <a:latin typeface="Cambria Math" panose="02040503050406030204" pitchFamily="18" charset="0"/>
+                          </a:rPr>
+                          <m:t>𝐶</m:t>
+                        </m:r>
+                      </m:e>
+                      <m:sub>
+                        <m:r>
+                          <a:rPr lang="en-US" b="0" i="1" smtClean="0">
+                            <a:latin typeface="Cambria Math" panose="02040503050406030204" pitchFamily="18" charset="0"/>
+                          </a:rPr>
+                          <m:t>1</m:t>
+                        </m:r>
+                      </m:sub>
+                      <m:sup>
+                        <m:r>
+                          <a:rPr lang="en-US" b="0" i="1" smtClean="0">
+                            <a:latin typeface="Cambria Math" panose="02040503050406030204" pitchFamily="18" charset="0"/>
+                          </a:rPr>
+                          <m:t>𝑡</m:t>
+                        </m:r>
+                        <m:r>
+                          <a:rPr lang="en-US" b="0" i="1" smtClean="0">
+                            <a:latin typeface="Cambria Math" panose="02040503050406030204" pitchFamily="18" charset="0"/>
+                          </a:rPr>
+                          <m:t>+1</m:t>
+                        </m:r>
+                      </m:sup>
+                    </m:sSubSup>
+                    <m:r>
+                      <a:rPr lang="en-US" b="0" i="1" smtClean="0">
+                        <a:latin typeface="Cambria Math" panose="02040503050406030204" pitchFamily="18" charset="0"/>
+                      </a:rPr>
+                      <m:t>=0.5</m:t>
+                    </m:r>
+                  </m:oMath>
+                </a14:m>
+                <a:r>
+                  <a:rPr lang="en-US" dirty="0"/>
+                  <a:t>, </a:t>
+                </a:r>
+                <a14:m>
+                  <m:oMath xmlns:m="http://schemas.openxmlformats.org/officeDocument/2006/math">
+                    <m:sSub>
+                      <m:sSubPr>
+                        <m:ctrlPr>
+                          <a:rPr lang="en-US" b="0" i="1" smtClean="0">
+                            <a:latin typeface="Cambria Math" panose="02040503050406030204" pitchFamily="18" charset="0"/>
+                          </a:rPr>
+                        </m:ctrlPr>
+                      </m:sSubPr>
+                      <m:e>
+                        <m:r>
+                          <a:rPr lang="en-US" b="0" i="1" smtClean="0">
+                            <a:latin typeface="Cambria Math" panose="02040503050406030204" pitchFamily="18" charset="0"/>
+                          </a:rPr>
+                          <m:t>𝑟</m:t>
+                        </m:r>
+                      </m:e>
+                      <m:sub>
+                        <m:r>
+                          <a:rPr lang="en-US" b="0" i="1" smtClean="0">
+                            <a:latin typeface="Cambria Math" panose="02040503050406030204" pitchFamily="18" charset="0"/>
+                          </a:rPr>
+                          <m:t>𝑡</m:t>
+                        </m:r>
+                      </m:sub>
+                    </m:sSub>
+                    <m:r>
+                      <a:rPr lang="en-US" b="0" i="1" smtClean="0">
+                        <a:latin typeface="Cambria Math" panose="02040503050406030204" pitchFamily="18" charset="0"/>
+                      </a:rPr>
+                      <m:t>=1</m:t>
+                    </m:r>
+                  </m:oMath>
+                </a14:m>
+                <a:r>
+                  <a:rPr lang="en-US" dirty="0"/>
+                  <a:t>,</a:t>
+                </a:r>
+                <a14:m>
+                  <m:oMath xmlns:m="http://schemas.openxmlformats.org/officeDocument/2006/math">
+                    <m:r>
+                      <a:rPr lang="en-US" b="0" i="1" dirty="0" smtClean="0">
+                        <a:latin typeface="Cambria Math" panose="02040503050406030204" pitchFamily="18" charset="0"/>
+                      </a:rPr>
+                      <m:t>𝑙𝑟</m:t>
+                    </m:r>
+                    <m:r>
+                      <a:rPr lang="en-US" b="0" i="1" dirty="0" smtClean="0">
+                        <a:latin typeface="Cambria Math" panose="02040503050406030204" pitchFamily="18" charset="0"/>
+                      </a:rPr>
+                      <m:t>=1</m:t>
+                    </m:r>
+                  </m:oMath>
+                </a14:m>
+                <a:endParaRPr lang="en-US" dirty="0"/>
+              </a:p>
+              <a:p>
+                <a:pPr lvl="1"/>
+                <a:r>
+                  <a:rPr lang="en-US" dirty="0"/>
+                  <a:t>Assume gamma = 0.5 and that we see the transition in 2 consecutive episodes</a:t>
+                </a:r>
+              </a:p>
+              <a:p>
+                <a:r>
+                  <a:rPr lang="en-US" dirty="0"/>
+                  <a:t>Without normalization:</a:t>
+                </a:r>
+              </a:p>
+              <a:p>
+                <a:pPr lvl="1"/>
+                <a:r>
+                  <a:rPr lang="en-US" dirty="0"/>
+                  <a:t>In episode 0: </a:t>
+                </a:r>
+                <a14:m>
+                  <m:oMath xmlns:m="http://schemas.openxmlformats.org/officeDocument/2006/math">
+                    <m:sSup>
+                      <m:sSupPr>
+                        <m:ctrlPr>
+                          <a:rPr lang="en-US" b="0" i="1" smtClean="0">
+                            <a:latin typeface="Cambria Math" panose="02040503050406030204" pitchFamily="18" charset="0"/>
+                          </a:rPr>
+                        </m:ctrlPr>
+                      </m:sSupPr>
+                      <m:e>
+                        <m:r>
+                          <a:rPr lang="en-US" b="0" i="1" smtClean="0">
+                            <a:latin typeface="Cambria Math" panose="02040503050406030204" pitchFamily="18" charset="0"/>
+                          </a:rPr>
+                          <m:t>𝐸</m:t>
+                        </m:r>
+                      </m:e>
+                      <m:sup>
+                        <m:r>
+                          <a:rPr lang="en-US" b="0" i="1" smtClean="0">
+                            <a:latin typeface="Cambria Math" panose="02040503050406030204" pitchFamily="18" charset="0"/>
+                          </a:rPr>
+                          <m:t>𝑡</m:t>
+                        </m:r>
+                      </m:sup>
+                    </m:sSup>
+                    <m:r>
+                      <a:rPr lang="en-US" b="0" i="1" smtClean="0">
+                        <a:latin typeface="Cambria Math" panose="02040503050406030204" pitchFamily="18" charset="0"/>
+                      </a:rPr>
+                      <m:t>=1⇒</m:t>
+                    </m:r>
+                    <m:sSubSup>
+                      <m:sSubSupPr>
+                        <m:ctrlPr>
+                          <a:rPr lang="en-US" b="0" i="1" smtClean="0">
+                            <a:latin typeface="Cambria Math" panose="02040503050406030204" pitchFamily="18" charset="0"/>
+                          </a:rPr>
+                        </m:ctrlPr>
+                      </m:sSubSupPr>
+                      <m:e>
+                        <m:r>
+                          <a:rPr lang="en-US" b="0" i="1" smtClean="0">
+                            <a:latin typeface="Cambria Math" panose="02040503050406030204" pitchFamily="18" charset="0"/>
+                          </a:rPr>
+                          <m:t>𝑉</m:t>
+                        </m:r>
+                      </m:e>
+                      <m:sub>
+                        <m:r>
+                          <a:rPr lang="en-US" b="0" i="1" smtClean="0">
+                            <a:latin typeface="Cambria Math" panose="02040503050406030204" pitchFamily="18" charset="0"/>
+                          </a:rPr>
+                          <m:t>1</m:t>
+                        </m:r>
+                      </m:sub>
+                      <m:sup>
+                        <m:r>
+                          <a:rPr lang="en-US" b="0" i="1" smtClean="0">
+                            <a:latin typeface="Cambria Math" panose="02040503050406030204" pitchFamily="18" charset="0"/>
+                          </a:rPr>
+                          <m:t>𝑡</m:t>
+                        </m:r>
+                        <m:r>
+                          <a:rPr lang="en-US" b="0" i="1" smtClean="0">
+                            <a:latin typeface="Cambria Math" panose="02040503050406030204" pitchFamily="18" charset="0"/>
+                          </a:rPr>
+                          <m:t>+1</m:t>
+                        </m:r>
+                      </m:sup>
+                    </m:sSubSup>
+                    <m:r>
+                      <a:rPr lang="en-US" b="0" i="1" smtClean="0">
+                        <a:latin typeface="Cambria Math" panose="02040503050406030204" pitchFamily="18" charset="0"/>
+                      </a:rPr>
+                      <m:t>=</m:t>
+                    </m:r>
+                    <m:r>
+                      <a:rPr lang="en-US" b="0" i="1" smtClean="0">
+                        <a:latin typeface="Cambria Math" panose="02040503050406030204" pitchFamily="18" charset="0"/>
+                      </a:rPr>
+                      <m:t>0+</m:t>
+                    </m:r>
+                    <m:r>
+                      <a:rPr lang="en-US" b="0" i="1" smtClean="0">
+                        <a:latin typeface="Cambria Math" panose="02040503050406030204" pitchFamily="18" charset="0"/>
+                      </a:rPr>
+                      <m:t>0.1∗1=0.1</m:t>
+                    </m:r>
+                  </m:oMath>
+                </a14:m>
+                <a:endParaRPr lang="en-US" dirty="0"/>
+              </a:p>
+              <a:p>
+                <a:pPr lvl="1"/>
+                <a:r>
+                  <a:rPr lang="en-US" dirty="0"/>
+                  <a:t>In episode 1: </a:t>
+                </a:r>
+                <a14:m>
+                  <m:oMath xmlns:m="http://schemas.openxmlformats.org/officeDocument/2006/math">
+                    <m:sSup>
+                      <m:sSupPr>
+                        <m:ctrlPr>
+                          <a:rPr lang="en-US" b="0" i="1" smtClean="0">
+                            <a:latin typeface="Cambria Math" panose="02040503050406030204" pitchFamily="18" charset="0"/>
+                          </a:rPr>
+                        </m:ctrlPr>
+                      </m:sSupPr>
+                      <m:e>
+                        <m:r>
+                          <a:rPr lang="en-US" b="0" i="1" smtClean="0">
+                            <a:latin typeface="Cambria Math" panose="02040503050406030204" pitchFamily="18" charset="0"/>
+                          </a:rPr>
+                          <m:t>𝐸</m:t>
+                        </m:r>
+                      </m:e>
+                      <m:sup>
+                        <m:r>
+                          <a:rPr lang="en-US" b="0" i="1" smtClean="0">
+                            <a:latin typeface="Cambria Math" panose="02040503050406030204" pitchFamily="18" charset="0"/>
+                          </a:rPr>
+                          <m:t>𝑡</m:t>
+                        </m:r>
+                      </m:sup>
+                    </m:sSup>
+                    <m:r>
+                      <a:rPr lang="en-US" b="0" i="1" smtClean="0">
+                        <a:latin typeface="Cambria Math" panose="02040503050406030204" pitchFamily="18" charset="0"/>
+                      </a:rPr>
+                      <m:t>=1+0.5∗0.5∗0.1−0.1∗0.1=1.015</m:t>
+                    </m:r>
+                  </m:oMath>
+                </a14:m>
+                <a:br>
+                  <a:rPr lang="en-US" b="0" i="1" dirty="0">
+                    <a:latin typeface="Cambria Math" panose="02040503050406030204" pitchFamily="18" charset="0"/>
+                  </a:rPr>
+                </a:br>
+                <a14:m>
+                  <m:oMath xmlns:m="http://schemas.openxmlformats.org/officeDocument/2006/math">
+                    <m:r>
+                      <a:rPr lang="en-US" b="0" i="1" smtClean="0">
+                        <a:latin typeface="Cambria Math" panose="02040503050406030204" pitchFamily="18" charset="0"/>
+                      </a:rPr>
+                      <m:t>        </m:t>
+                    </m:r>
+                    <m:r>
+                      <a:rPr lang="en-US" b="0" i="1" smtClean="0">
+                        <a:latin typeface="Cambria Math" panose="02040503050406030204" pitchFamily="18" charset="0"/>
+                      </a:rPr>
+                      <m:t>⇒</m:t>
+                    </m:r>
+                    <m:sSubSup>
+                      <m:sSubSupPr>
+                        <m:ctrlPr>
+                          <a:rPr lang="en-US" b="0" i="1" smtClean="0">
+                            <a:latin typeface="Cambria Math" panose="02040503050406030204" pitchFamily="18" charset="0"/>
+                          </a:rPr>
+                        </m:ctrlPr>
+                      </m:sSubSupPr>
+                      <m:e>
+                        <m:r>
+                          <a:rPr lang="en-US" b="0" i="1" smtClean="0">
+                            <a:latin typeface="Cambria Math" panose="02040503050406030204" pitchFamily="18" charset="0"/>
+                          </a:rPr>
+                          <m:t>𝑉</m:t>
+                        </m:r>
+                      </m:e>
+                      <m:sub>
+                        <m:r>
+                          <a:rPr lang="en-US" b="0" i="1" smtClean="0">
+                            <a:latin typeface="Cambria Math" panose="02040503050406030204" pitchFamily="18" charset="0"/>
+                          </a:rPr>
+                          <m:t>1</m:t>
+                        </m:r>
+                      </m:sub>
+                      <m:sup>
+                        <m:r>
+                          <a:rPr lang="en-US" b="0" i="1" smtClean="0">
+                            <a:latin typeface="Cambria Math" panose="02040503050406030204" pitchFamily="18" charset="0"/>
+                          </a:rPr>
+                          <m:t>𝑡</m:t>
+                        </m:r>
+                        <m:r>
+                          <a:rPr lang="en-US" b="0" i="1" smtClean="0">
+                            <a:latin typeface="Cambria Math" panose="02040503050406030204" pitchFamily="18" charset="0"/>
+                          </a:rPr>
+                          <m:t>+1</m:t>
+                        </m:r>
+                      </m:sup>
+                    </m:sSubSup>
+                    <m:r>
+                      <a:rPr lang="en-US" b="0" i="1" smtClean="0">
+                        <a:latin typeface="Cambria Math" panose="02040503050406030204" pitchFamily="18" charset="0"/>
+                      </a:rPr>
+                      <m:t>=</m:t>
+                    </m:r>
+                    <m:r>
+                      <a:rPr lang="en-US" b="0" i="1" smtClean="0">
+                        <a:latin typeface="Cambria Math" panose="02040503050406030204" pitchFamily="18" charset="0"/>
+                      </a:rPr>
+                      <m:t>0.1+0.1∗</m:t>
+                    </m:r>
+                    <m:r>
+                      <a:rPr lang="en-US" b="0" i="1" smtClean="0">
+                        <a:latin typeface="Cambria Math" panose="02040503050406030204" pitchFamily="18" charset="0"/>
+                      </a:rPr>
+                      <m:t>1</m:t>
+                    </m:r>
+                    <m:r>
+                      <a:rPr lang="en-US" b="0" i="1" smtClean="0">
+                        <a:latin typeface="Cambria Math" panose="02040503050406030204" pitchFamily="18" charset="0"/>
+                      </a:rPr>
+                      <m:t>.</m:t>
+                    </m:r>
+                    <m:r>
+                      <a:rPr lang="en-US" b="0" i="1" smtClean="0">
+                        <a:latin typeface="Cambria Math" panose="02040503050406030204" pitchFamily="18" charset="0"/>
+                      </a:rPr>
+                      <m:t>015</m:t>
+                    </m:r>
+                    <m:r>
+                      <a:rPr lang="en-US" b="0" i="1" smtClean="0">
+                        <a:latin typeface="Cambria Math" panose="02040503050406030204" pitchFamily="18" charset="0"/>
+                      </a:rPr>
+                      <m:t>=0.2015</m:t>
+                    </m:r>
+                  </m:oMath>
+                </a14:m>
+                <a:endParaRPr lang="en-US" dirty="0"/>
+              </a:p>
+              <a:p>
+                <a:pPr lvl="1"/>
+                <a:r>
+                  <a:rPr lang="en-US" dirty="0"/>
+                  <a:t>In general:     </a:t>
+                </a:r>
+                <a14:m>
+                  <m:oMath xmlns:m="http://schemas.openxmlformats.org/officeDocument/2006/math">
+                    <m:sSup>
+                      <m:sSupPr>
+                        <m:ctrlPr>
+                          <a:rPr lang="en-US" b="0" i="1" smtClean="0">
+                            <a:latin typeface="Cambria Math" panose="02040503050406030204" pitchFamily="18" charset="0"/>
+                          </a:rPr>
+                        </m:ctrlPr>
+                      </m:sSupPr>
+                      <m:e>
+                        <m:r>
+                          <a:rPr lang="en-US" b="0" i="1" smtClean="0">
+                            <a:latin typeface="Cambria Math" panose="02040503050406030204" pitchFamily="18" charset="0"/>
+                          </a:rPr>
+                          <m:t>𝐸</m:t>
+                        </m:r>
+                      </m:e>
+                      <m:sup>
+                        <m:r>
+                          <a:rPr lang="en-US" b="0" i="1" smtClean="0">
+                            <a:latin typeface="Cambria Math" panose="02040503050406030204" pitchFamily="18" charset="0"/>
+                          </a:rPr>
+                          <m:t>𝑡</m:t>
+                        </m:r>
+                      </m:sup>
+                    </m:sSup>
+                    <m:r>
+                      <a:rPr lang="en-US" b="0" i="1" smtClean="0">
+                        <a:latin typeface="Cambria Math" panose="02040503050406030204" pitchFamily="18" charset="0"/>
+                      </a:rPr>
+                      <m:t>=1+0.5</m:t>
+                    </m:r>
+                    <m:r>
+                      <a:rPr lang="en-US" b="0" i="1" smtClean="0">
+                        <a:latin typeface="Cambria Math" panose="02040503050406030204" pitchFamily="18" charset="0"/>
+                      </a:rPr>
+                      <m:t>∗</m:t>
+                    </m:r>
+                    <m:r>
+                      <a:rPr lang="en-US" b="0" i="1" smtClean="0">
+                        <a:latin typeface="Cambria Math" panose="02040503050406030204" pitchFamily="18" charset="0"/>
+                      </a:rPr>
+                      <m:t>0.5</m:t>
+                    </m:r>
+                    <m:sSubSup>
+                      <m:sSubSupPr>
+                        <m:ctrlPr>
+                          <a:rPr lang="en-US" b="0" i="1" smtClean="0">
+                            <a:latin typeface="Cambria Math" panose="02040503050406030204" pitchFamily="18" charset="0"/>
+                          </a:rPr>
+                        </m:ctrlPr>
+                      </m:sSubSupPr>
+                      <m:e>
+                        <m:r>
+                          <a:rPr lang="en-US" b="0" i="1" smtClean="0">
+                            <a:latin typeface="Cambria Math" panose="02040503050406030204" pitchFamily="18" charset="0"/>
+                          </a:rPr>
+                          <m:t>𝑉</m:t>
+                        </m:r>
+                      </m:e>
+                      <m:sub>
+                        <m:r>
+                          <a:rPr lang="en-US" b="0" i="1" smtClean="0">
+                            <a:latin typeface="Cambria Math" panose="02040503050406030204" pitchFamily="18" charset="0"/>
+                          </a:rPr>
+                          <m:t>1</m:t>
+                        </m:r>
+                      </m:sub>
+                      <m:sup>
+                        <m:r>
+                          <a:rPr lang="en-US" b="0" i="1" smtClean="0">
+                            <a:latin typeface="Cambria Math" panose="02040503050406030204" pitchFamily="18" charset="0"/>
+                          </a:rPr>
+                          <m:t>𝑡</m:t>
+                        </m:r>
+                      </m:sup>
+                    </m:sSubSup>
+                    <m:r>
+                      <a:rPr lang="en-US" b="0" i="1" smtClean="0">
+                        <a:latin typeface="Cambria Math" panose="02040503050406030204" pitchFamily="18" charset="0"/>
+                      </a:rPr>
+                      <m:t>−0.1</m:t>
+                    </m:r>
+                    <m:sSubSup>
+                      <m:sSubSupPr>
+                        <m:ctrlPr>
+                          <a:rPr lang="en-US" b="0" i="1" smtClean="0">
+                            <a:latin typeface="Cambria Math" panose="02040503050406030204" pitchFamily="18" charset="0"/>
+                          </a:rPr>
+                        </m:ctrlPr>
+                      </m:sSubSupPr>
+                      <m:e>
+                        <m:r>
+                          <a:rPr lang="en-US" b="0" i="1" smtClean="0">
+                            <a:latin typeface="Cambria Math" panose="02040503050406030204" pitchFamily="18" charset="0"/>
+                          </a:rPr>
+                          <m:t>𝑉</m:t>
+                        </m:r>
+                      </m:e>
+                      <m:sub>
+                        <m:r>
+                          <a:rPr lang="en-US" b="0" i="1" smtClean="0">
+                            <a:latin typeface="Cambria Math" panose="02040503050406030204" pitchFamily="18" charset="0"/>
+                          </a:rPr>
+                          <m:t>1</m:t>
+                        </m:r>
+                      </m:sub>
+                      <m:sup>
+                        <m:r>
+                          <a:rPr lang="en-US" b="0" i="1" smtClean="0">
+                            <a:latin typeface="Cambria Math" panose="02040503050406030204" pitchFamily="18" charset="0"/>
+                          </a:rPr>
+                          <m:t>𝑡</m:t>
+                        </m:r>
+                      </m:sup>
+                    </m:sSubSup>
+                    <m:r>
+                      <a:rPr lang="en-US" b="0" i="1" smtClean="0">
+                        <a:latin typeface="Cambria Math" panose="02040503050406030204" pitchFamily="18" charset="0"/>
+                      </a:rPr>
+                      <m:t>=1+0.15</m:t>
+                    </m:r>
+                    <m:sSubSup>
+                      <m:sSubSupPr>
+                        <m:ctrlPr>
+                          <a:rPr lang="en-US" b="0" i="1" smtClean="0">
+                            <a:latin typeface="Cambria Math" panose="02040503050406030204" pitchFamily="18" charset="0"/>
+                          </a:rPr>
+                        </m:ctrlPr>
+                      </m:sSubSupPr>
+                      <m:e>
+                        <m:r>
+                          <a:rPr lang="en-US" b="0" i="1" smtClean="0">
+                            <a:latin typeface="Cambria Math" panose="02040503050406030204" pitchFamily="18" charset="0"/>
+                          </a:rPr>
+                          <m:t>𝑉</m:t>
+                        </m:r>
+                      </m:e>
+                      <m:sub>
+                        <m:r>
+                          <a:rPr lang="en-US" b="0" i="1" smtClean="0">
+                            <a:latin typeface="Cambria Math" panose="02040503050406030204" pitchFamily="18" charset="0"/>
+                          </a:rPr>
+                          <m:t>1</m:t>
+                        </m:r>
+                      </m:sub>
+                      <m:sup>
+                        <m:r>
+                          <a:rPr lang="en-US" b="0" i="1" smtClean="0">
+                            <a:latin typeface="Cambria Math" panose="02040503050406030204" pitchFamily="18" charset="0"/>
+                          </a:rPr>
+                          <m:t>𝑡</m:t>
+                        </m:r>
+                      </m:sup>
+                    </m:sSubSup>
+                  </m:oMath>
+                </a14:m>
+                <a:br>
+                  <a:rPr lang="en-US" b="0" dirty="0"/>
+                </a:br>
+                <a:r>
+                  <a:rPr lang="en-US" b="0" dirty="0"/>
+                  <a:t>thus: </a:t>
+                </a:r>
+                <a14:m>
+                  <m:oMath xmlns:m="http://schemas.openxmlformats.org/officeDocument/2006/math">
+                    <m:r>
+                      <a:rPr lang="en-US" b="0" i="0" smtClean="0">
+                        <a:latin typeface="Cambria Math" panose="02040503050406030204" pitchFamily="18" charset="0"/>
+                      </a:rPr>
+                      <m:t>              </m:t>
+                    </m:r>
+                    <m:sSubSup>
+                      <m:sSubSupPr>
+                        <m:ctrlPr>
+                          <a:rPr lang="en-US" b="0" i="1" smtClean="0">
+                            <a:latin typeface="Cambria Math" panose="02040503050406030204" pitchFamily="18" charset="0"/>
+                          </a:rPr>
+                        </m:ctrlPr>
+                      </m:sSubSupPr>
+                      <m:e>
+                        <m:r>
+                          <a:rPr lang="en-US" b="0" i="1" smtClean="0">
+                            <a:latin typeface="Cambria Math" panose="02040503050406030204" pitchFamily="18" charset="0"/>
+                          </a:rPr>
+                          <m:t>𝑉</m:t>
+                        </m:r>
+                      </m:e>
+                      <m:sub>
+                        <m:r>
+                          <a:rPr lang="en-US" b="0" i="1" smtClean="0">
+                            <a:latin typeface="Cambria Math" panose="02040503050406030204" pitchFamily="18" charset="0"/>
+                          </a:rPr>
+                          <m:t>1</m:t>
+                        </m:r>
+                      </m:sub>
+                      <m:sup>
+                        <m:r>
+                          <a:rPr lang="en-US" b="0" i="1" smtClean="0">
+                            <a:latin typeface="Cambria Math" panose="02040503050406030204" pitchFamily="18" charset="0"/>
+                          </a:rPr>
+                          <m:t>𝑡</m:t>
+                        </m:r>
+                        <m:r>
+                          <a:rPr lang="en-US" b="0" i="1" smtClean="0">
+                            <a:latin typeface="Cambria Math" panose="02040503050406030204" pitchFamily="18" charset="0"/>
+                          </a:rPr>
+                          <m:t>+1</m:t>
+                        </m:r>
+                      </m:sup>
+                    </m:sSubSup>
+                    <m:r>
+                      <a:rPr lang="en-US" b="0" i="1" smtClean="0">
+                        <a:latin typeface="Cambria Math" panose="02040503050406030204" pitchFamily="18" charset="0"/>
+                      </a:rPr>
+                      <m:t>=</m:t>
+                    </m:r>
+                    <m:sSubSup>
+                      <m:sSubSupPr>
+                        <m:ctrlPr>
+                          <a:rPr lang="en-US" b="0" i="1" smtClean="0">
+                            <a:latin typeface="Cambria Math" panose="02040503050406030204" pitchFamily="18" charset="0"/>
+                          </a:rPr>
+                        </m:ctrlPr>
+                      </m:sSubSupPr>
+                      <m:e>
+                        <m:r>
+                          <a:rPr lang="en-US" b="0" i="1" smtClean="0">
+                            <a:latin typeface="Cambria Math" panose="02040503050406030204" pitchFamily="18" charset="0"/>
+                          </a:rPr>
+                          <m:t>𝑉</m:t>
+                        </m:r>
+                      </m:e>
+                      <m:sub>
+                        <m:r>
+                          <a:rPr lang="en-US" b="0" i="1" smtClean="0">
+                            <a:latin typeface="Cambria Math" panose="02040503050406030204" pitchFamily="18" charset="0"/>
+                          </a:rPr>
+                          <m:t>1</m:t>
+                        </m:r>
+                      </m:sub>
+                      <m:sup>
+                        <m:r>
+                          <a:rPr lang="en-US" b="0" i="1" smtClean="0">
+                            <a:latin typeface="Cambria Math" panose="02040503050406030204" pitchFamily="18" charset="0"/>
+                          </a:rPr>
+                          <m:t>𝑡</m:t>
+                        </m:r>
+                      </m:sup>
+                    </m:sSubSup>
+                    <m:r>
+                      <a:rPr lang="en-US" b="0" i="1" smtClean="0">
+                        <a:latin typeface="Cambria Math" panose="02040503050406030204" pitchFamily="18" charset="0"/>
+                      </a:rPr>
+                      <m:t>+</m:t>
+                    </m:r>
+                    <m:r>
+                      <a:rPr lang="en-US" b="0" i="1" smtClean="0">
+                        <a:latin typeface="Cambria Math" panose="02040503050406030204" pitchFamily="18" charset="0"/>
+                      </a:rPr>
+                      <m:t>0.1∗</m:t>
+                    </m:r>
+                    <m:d>
+                      <m:dPr>
+                        <m:ctrlPr>
+                          <a:rPr lang="en-US" b="0" i="1" smtClean="0">
+                            <a:latin typeface="Cambria Math" panose="02040503050406030204" pitchFamily="18" charset="0"/>
+                          </a:rPr>
+                        </m:ctrlPr>
+                      </m:dPr>
+                      <m:e>
+                        <m:r>
+                          <a:rPr lang="en-US" b="0" i="1" smtClean="0">
+                            <a:latin typeface="Cambria Math" panose="02040503050406030204" pitchFamily="18" charset="0"/>
+                          </a:rPr>
+                          <m:t>1+0.15</m:t>
+                        </m:r>
+                        <m:sSubSup>
+                          <m:sSubSupPr>
+                            <m:ctrlPr>
+                              <a:rPr lang="en-US" b="0" i="1" smtClean="0">
+                                <a:latin typeface="Cambria Math" panose="02040503050406030204" pitchFamily="18" charset="0"/>
+                              </a:rPr>
+                            </m:ctrlPr>
+                          </m:sSubSupPr>
+                          <m:e>
+                            <m:r>
+                              <a:rPr lang="en-US" b="0" i="1" smtClean="0">
+                                <a:latin typeface="Cambria Math" panose="02040503050406030204" pitchFamily="18" charset="0"/>
+                              </a:rPr>
+                              <m:t>𝑉</m:t>
+                            </m:r>
+                          </m:e>
+                          <m:sub>
+                            <m:r>
+                              <a:rPr lang="en-US" b="0" i="1" smtClean="0">
+                                <a:latin typeface="Cambria Math" panose="02040503050406030204" pitchFamily="18" charset="0"/>
+                              </a:rPr>
+                              <m:t>1</m:t>
+                            </m:r>
+                          </m:sub>
+                          <m:sup>
+                            <m:r>
+                              <a:rPr lang="en-US" b="0" i="1" smtClean="0">
+                                <a:latin typeface="Cambria Math" panose="02040503050406030204" pitchFamily="18" charset="0"/>
+                              </a:rPr>
+                              <m:t>𝑡</m:t>
+                            </m:r>
+                          </m:sup>
+                        </m:sSubSup>
+                      </m:e>
+                    </m:d>
+                    <m:r>
+                      <a:rPr lang="en-US" b="0" i="1" smtClean="0">
+                        <a:latin typeface="Cambria Math" panose="02040503050406030204" pitchFamily="18" charset="0"/>
+                      </a:rPr>
+                      <m:t>=0.1+</m:t>
+                    </m:r>
+                    <m:r>
+                      <a:rPr lang="en-US" b="0" i="1" smtClean="0">
+                        <a:latin typeface="Cambria Math" panose="02040503050406030204" pitchFamily="18" charset="0"/>
+                      </a:rPr>
+                      <m:t>1</m:t>
+                    </m:r>
+                    <m:r>
+                      <a:rPr lang="en-US" b="0" i="1" smtClean="0">
+                        <a:latin typeface="Cambria Math" panose="02040503050406030204" pitchFamily="18" charset="0"/>
+                      </a:rPr>
+                      <m:t>.015</m:t>
+                    </m:r>
+                    <m:sSubSup>
+                      <m:sSubSupPr>
+                        <m:ctrlPr>
+                          <a:rPr lang="en-US" b="0" i="1" smtClean="0">
+                            <a:latin typeface="Cambria Math" panose="02040503050406030204" pitchFamily="18" charset="0"/>
+                          </a:rPr>
+                        </m:ctrlPr>
+                      </m:sSubSupPr>
+                      <m:e>
+                        <m:r>
+                          <a:rPr lang="en-US" b="0" i="1" smtClean="0">
+                            <a:latin typeface="Cambria Math" panose="02040503050406030204" pitchFamily="18" charset="0"/>
+                          </a:rPr>
+                          <m:t>𝑉</m:t>
+                        </m:r>
+                      </m:e>
+                      <m:sub>
+                        <m:r>
+                          <a:rPr lang="en-US" b="0" i="1" smtClean="0">
+                            <a:latin typeface="Cambria Math" panose="02040503050406030204" pitchFamily="18" charset="0"/>
+                          </a:rPr>
+                          <m:t>1</m:t>
+                        </m:r>
+                      </m:sub>
+                      <m:sup>
+                        <m:r>
+                          <a:rPr lang="en-US" b="0" i="1" smtClean="0">
+                            <a:latin typeface="Cambria Math" panose="02040503050406030204" pitchFamily="18" charset="0"/>
+                          </a:rPr>
+                          <m:t>𝑡</m:t>
+                        </m:r>
+                      </m:sup>
+                    </m:sSubSup>
+                  </m:oMath>
+                </a14:m>
+                <a:r>
+                  <a:rPr lang="en-US" dirty="0"/>
+                  <a:t>  </a:t>
+                </a:r>
+                <a:br>
+                  <a:rPr lang="en-US" dirty="0"/>
+                </a:br>
+                <a:r>
+                  <a:rPr lang="en-US" dirty="0"/>
+                  <a:t>which increases exponentially</a:t>
+                </a:r>
+              </a:p>
+            </p:txBody>
+          </p:sp>
+        </mc:Choice>
+        <mc:Fallback>
+          <p:sp>
+            <p:nvSpPr>
+              <p:cNvPr id="3" name="Content Placeholder 2">
+                <a:extLst>
+                  <a:ext uri="{FF2B5EF4-FFF2-40B4-BE49-F238E27FC236}">
+                    <a16:creationId xmlns:a16="http://schemas.microsoft.com/office/drawing/2014/main" id="{A9E686FB-7AFB-4126-AF68-733D4183EB78}"/>
+                  </a:ext>
+                </a:extLst>
+              </p:cNvPr>
+              <p:cNvSpPr>
+                <a:spLocks noGrp="1" noRot="1" noChangeAspect="1" noMove="1" noResize="1" noEditPoints="1" noAdjustHandles="1" noChangeArrowheads="1" noChangeShapeType="1" noTextEdit="1"/>
+              </p:cNvSpPr>
+              <p:nvPr>
+                <p:ph idx="1"/>
+              </p:nvPr>
+            </p:nvSpPr>
+            <p:spPr>
+              <a:blipFill>
+                <a:blip r:embed="rId2"/>
+                <a:stretch>
+                  <a:fillRect l="-1043" t="-2241" r="-638"/>
+                </a:stretch>
+              </a:blipFill>
+            </p:spPr>
+            <p:txBody>
+              <a:bodyPr/>
+              <a:lstStyle/>
+              <a:p>
+                <a:r>
+                  <a:rPr lang="en-US">
+                    <a:noFill/>
+                  </a:rPr>
+                  <a:t> </a:t>
+                </a:r>
+              </a:p>
+            </p:txBody>
+          </p:sp>
+        </mc:Fallback>
+      </mc:AlternateContent>
+    </p:spTree>
+    <p:extLst>
+      <p:ext uri="{BB962C8B-B14F-4D97-AF65-F5344CB8AC3E}">
+        <p14:creationId xmlns:p14="http://schemas.microsoft.com/office/powerpoint/2010/main" val="4472938"/>
+      </p:ext>
+    </p:extLst>
+  </p:cSld>
+  <p:clrMapOvr>
+    <a:masterClrMapping/>
+  </p:clrMapOvr>
+</p:sld>
+</file>
+
+<file path=ppt/slides/slide17.xml><?xml version="1.0" encoding="utf-8"?>
+<p:sld xmlns:a="http://schemas.openxmlformats.org/drawingml/2006/main" xmlns:r="http://schemas.openxmlformats.org/officeDocument/2006/relationships" xmlns:p="http://schemas.openxmlformats.org/presentationml/2006/main">
+  <p:cSld>
+    <p:spTree>
+      <p:nvGrpSpPr>
+        <p:cNvPr id="1" name=""/>
+        <p:cNvGrpSpPr/>
+        <p:nvPr/>
+      </p:nvGrpSpPr>
+      <p:grpSpPr>
+        <a:xfrm>
+          <a:off x="0" y="0"/>
+          <a:ext cx="0" cy="0"/>
+          <a:chOff x="0" y="0"/>
+          <a:chExt cx="0" cy="0"/>
+        </a:xfrm>
+      </p:grpSpPr>
+      <p:sp>
+        <p:nvSpPr>
+          <p:cNvPr id="2" name="Title 1">
+            <a:extLst>
+              <a:ext uri="{FF2B5EF4-FFF2-40B4-BE49-F238E27FC236}">
+                <a16:creationId xmlns:a16="http://schemas.microsoft.com/office/drawing/2014/main" id="{58D155AC-D4C2-4FC8-A45D-53A413A2E719}"/>
+              </a:ext>
+            </a:extLst>
+          </p:cNvPr>
+          <p:cNvSpPr>
+            <a:spLocks noGrp="1"/>
+          </p:cNvSpPr>
+          <p:nvPr>
+            <p:ph type="title"/>
+          </p:nvPr>
+        </p:nvSpPr>
+        <p:spPr/>
+        <p:txBody>
+          <a:bodyPr/>
+          <a:lstStyle/>
+          <a:p>
+            <a:r>
+              <a:rPr lang="en-US" dirty="0"/>
+              <a:t>Issue 8 simpler example: (with normalization both in calculating V and reward assignment)</a:t>
+            </a:r>
+          </a:p>
+        </p:txBody>
+      </p:sp>
+      <mc:AlternateContent xmlns:mc="http://schemas.openxmlformats.org/markup-compatibility/2006">
+        <mc:Choice xmlns:a14="http://schemas.microsoft.com/office/drawing/2010/main" Requires="a14">
+          <p:sp>
+            <p:nvSpPr>
+              <p:cNvPr id="3" name="Content Placeholder 2">
+                <a:extLst>
+                  <a:ext uri="{FF2B5EF4-FFF2-40B4-BE49-F238E27FC236}">
+                    <a16:creationId xmlns:a16="http://schemas.microsoft.com/office/drawing/2014/main" id="{A9E686FB-7AFB-4126-AF68-733D4183EB78}"/>
+                  </a:ext>
+                </a:extLst>
+              </p:cNvPr>
+              <p:cNvSpPr>
+                <a:spLocks noGrp="1"/>
+              </p:cNvSpPr>
+              <p:nvPr>
+                <p:ph idx="1"/>
+              </p:nvPr>
+            </p:nvSpPr>
+            <p:spPr/>
+            <p:txBody>
+              <a:bodyPr>
+                <a:normAutofit/>
+              </a:bodyPr>
+              <a:lstStyle/>
+              <a:p>
+                <a:r>
+                  <a:rPr lang="en-US" dirty="0"/>
+                  <a:t>Assume 1 cell</a:t>
+                </a:r>
+              </a:p>
+              <a:p>
+                <a:pPr lvl="1"/>
+                <a14:m>
+                  <m:oMath xmlns:m="http://schemas.openxmlformats.org/officeDocument/2006/math">
+                    <m:sSubSup>
+                      <m:sSubSupPr>
+                        <m:ctrlPr>
+                          <a:rPr lang="en-US" b="0" i="1" smtClean="0">
+                            <a:latin typeface="Cambria Math" panose="02040503050406030204" pitchFamily="18" charset="0"/>
+                          </a:rPr>
+                        </m:ctrlPr>
+                      </m:sSubSupPr>
+                      <m:e>
+                        <m:r>
+                          <a:rPr lang="en-US" b="0" i="1" smtClean="0">
+                            <a:latin typeface="Cambria Math" panose="02040503050406030204" pitchFamily="18" charset="0"/>
+                          </a:rPr>
+                          <m:t>𝑉</m:t>
+                        </m:r>
+                      </m:e>
+                      <m:sub>
+                        <m:r>
+                          <a:rPr lang="en-US" b="0" i="1" smtClean="0">
+                            <a:latin typeface="Cambria Math" panose="02040503050406030204" pitchFamily="18" charset="0"/>
+                          </a:rPr>
+                          <m:t>1</m:t>
+                        </m:r>
+                      </m:sub>
+                      <m:sup>
+                        <m:r>
+                          <a:rPr lang="en-US" b="0" i="1" smtClean="0">
+                            <a:latin typeface="Cambria Math" panose="02040503050406030204" pitchFamily="18" charset="0"/>
+                          </a:rPr>
+                          <m:t>𝑡</m:t>
+                        </m:r>
+                      </m:sup>
+                    </m:sSubSup>
+                    <m:r>
+                      <a:rPr lang="en-US" b="0" i="1" smtClean="0">
+                        <a:latin typeface="Cambria Math" panose="02040503050406030204" pitchFamily="18" charset="0"/>
+                      </a:rPr>
+                      <m:t>=0</m:t>
+                    </m:r>
+                  </m:oMath>
+                </a14:m>
+                <a:r>
+                  <a:rPr lang="en-US" dirty="0"/>
+                  <a:t>,  </a:t>
+                </a:r>
+                <a14:m>
+                  <m:oMath xmlns:m="http://schemas.openxmlformats.org/officeDocument/2006/math">
+                    <m:r>
+                      <a:rPr lang="en-US" b="0" i="1" smtClean="0">
+                        <a:latin typeface="Cambria Math" panose="02040503050406030204" pitchFamily="18" charset="0"/>
+                      </a:rPr>
+                      <m:t>𝑃</m:t>
+                    </m:r>
+                    <m:sSubSup>
+                      <m:sSubSupPr>
+                        <m:ctrlPr>
+                          <a:rPr lang="en-US" b="0" i="1" smtClean="0">
+                            <a:latin typeface="Cambria Math" panose="02040503050406030204" pitchFamily="18" charset="0"/>
+                          </a:rPr>
+                        </m:ctrlPr>
+                      </m:sSubSupPr>
+                      <m:e>
+                        <m:r>
+                          <a:rPr lang="en-US" b="0" i="1" smtClean="0">
+                            <a:latin typeface="Cambria Math" panose="02040503050406030204" pitchFamily="18" charset="0"/>
+                          </a:rPr>
+                          <m:t>𝐶</m:t>
+                        </m:r>
+                      </m:e>
+                      <m:sub>
+                        <m:r>
+                          <a:rPr lang="en-US" b="0" i="1" smtClean="0">
+                            <a:latin typeface="Cambria Math" panose="02040503050406030204" pitchFamily="18" charset="0"/>
+                          </a:rPr>
+                          <m:t>1</m:t>
+                        </m:r>
+                      </m:sub>
+                      <m:sup>
+                        <m:r>
+                          <a:rPr lang="en-US" b="0" i="1" smtClean="0">
+                            <a:latin typeface="Cambria Math" panose="02040503050406030204" pitchFamily="18" charset="0"/>
+                          </a:rPr>
+                          <m:t>𝑡</m:t>
+                        </m:r>
+                      </m:sup>
+                    </m:sSubSup>
+                    <m:r>
+                      <a:rPr lang="en-US" b="0" i="1" smtClean="0">
+                        <a:latin typeface="Cambria Math" panose="02040503050406030204" pitchFamily="18" charset="0"/>
+                      </a:rPr>
+                      <m:t>=0.1, </m:t>
+                    </m:r>
+                    <m:r>
+                      <a:rPr lang="en-US" b="0" i="1" smtClean="0">
+                        <a:latin typeface="Cambria Math" panose="02040503050406030204" pitchFamily="18" charset="0"/>
+                      </a:rPr>
+                      <m:t>𝑃</m:t>
+                    </m:r>
+                    <m:sSubSup>
+                      <m:sSubSupPr>
+                        <m:ctrlPr>
+                          <a:rPr lang="en-US" b="0" i="1" smtClean="0">
+                            <a:latin typeface="Cambria Math" panose="02040503050406030204" pitchFamily="18" charset="0"/>
+                          </a:rPr>
+                        </m:ctrlPr>
+                      </m:sSubSupPr>
+                      <m:e>
+                        <m:r>
+                          <a:rPr lang="en-US" b="0" i="1" smtClean="0">
+                            <a:latin typeface="Cambria Math" panose="02040503050406030204" pitchFamily="18" charset="0"/>
+                          </a:rPr>
+                          <m:t>𝐶</m:t>
+                        </m:r>
+                      </m:e>
+                      <m:sub>
+                        <m:r>
+                          <a:rPr lang="en-US" b="0" i="1" smtClean="0">
+                            <a:latin typeface="Cambria Math" panose="02040503050406030204" pitchFamily="18" charset="0"/>
+                          </a:rPr>
+                          <m:t>1</m:t>
+                        </m:r>
+                      </m:sub>
+                      <m:sup>
+                        <m:r>
+                          <a:rPr lang="en-US" b="0" i="1" smtClean="0">
+                            <a:latin typeface="Cambria Math" panose="02040503050406030204" pitchFamily="18" charset="0"/>
+                          </a:rPr>
+                          <m:t>𝑡</m:t>
+                        </m:r>
+                        <m:r>
+                          <a:rPr lang="en-US" b="0" i="1" smtClean="0">
+                            <a:latin typeface="Cambria Math" panose="02040503050406030204" pitchFamily="18" charset="0"/>
+                          </a:rPr>
+                          <m:t>+1</m:t>
+                        </m:r>
+                      </m:sup>
+                    </m:sSubSup>
+                    <m:r>
+                      <a:rPr lang="en-US" b="0" i="1" smtClean="0">
+                        <a:latin typeface="Cambria Math" panose="02040503050406030204" pitchFamily="18" charset="0"/>
+                      </a:rPr>
+                      <m:t>=0.5</m:t>
+                    </m:r>
+                  </m:oMath>
+                </a14:m>
+                <a:r>
+                  <a:rPr lang="en-US" dirty="0"/>
+                  <a:t>, </a:t>
+                </a:r>
+                <a14:m>
+                  <m:oMath xmlns:m="http://schemas.openxmlformats.org/officeDocument/2006/math">
+                    <m:sSub>
+                      <m:sSubPr>
+                        <m:ctrlPr>
+                          <a:rPr lang="en-US" b="0" i="1" smtClean="0">
+                            <a:latin typeface="Cambria Math" panose="02040503050406030204" pitchFamily="18" charset="0"/>
+                          </a:rPr>
+                        </m:ctrlPr>
+                      </m:sSubPr>
+                      <m:e>
+                        <m:r>
+                          <a:rPr lang="en-US" b="0" i="1" smtClean="0">
+                            <a:latin typeface="Cambria Math" panose="02040503050406030204" pitchFamily="18" charset="0"/>
+                          </a:rPr>
+                          <m:t>𝑟</m:t>
+                        </m:r>
+                      </m:e>
+                      <m:sub>
+                        <m:r>
+                          <a:rPr lang="en-US" b="0" i="1" smtClean="0">
+                            <a:latin typeface="Cambria Math" panose="02040503050406030204" pitchFamily="18" charset="0"/>
+                          </a:rPr>
+                          <m:t>𝑡</m:t>
+                        </m:r>
+                      </m:sub>
+                    </m:sSub>
+                    <m:r>
+                      <a:rPr lang="en-US" b="0" i="1" smtClean="0">
+                        <a:latin typeface="Cambria Math" panose="02040503050406030204" pitchFamily="18" charset="0"/>
+                      </a:rPr>
+                      <m:t>=1</m:t>
+                    </m:r>
+                  </m:oMath>
+                </a14:m>
+                <a:r>
+                  <a:rPr lang="en-US" dirty="0"/>
+                  <a:t>,</a:t>
+                </a:r>
+                <a14:m>
+                  <m:oMath xmlns:m="http://schemas.openxmlformats.org/officeDocument/2006/math">
+                    <m:r>
+                      <a:rPr lang="en-US" b="0" i="1" dirty="0" smtClean="0">
+                        <a:latin typeface="Cambria Math" panose="02040503050406030204" pitchFamily="18" charset="0"/>
+                      </a:rPr>
+                      <m:t>𝑙𝑟</m:t>
+                    </m:r>
+                    <m:r>
+                      <a:rPr lang="en-US" b="0" i="1" dirty="0" smtClean="0">
+                        <a:latin typeface="Cambria Math" panose="02040503050406030204" pitchFamily="18" charset="0"/>
+                      </a:rPr>
+                      <m:t>=1</m:t>
+                    </m:r>
+                  </m:oMath>
+                </a14:m>
+                <a:endParaRPr lang="en-US" dirty="0"/>
+              </a:p>
+              <a:p>
+                <a:pPr lvl="1"/>
+                <a:r>
+                  <a:rPr lang="en-US" dirty="0"/>
+                  <a:t>Assume gamma = 0.5 and that we see the transition in 2 consecutive episodes</a:t>
+                </a:r>
+              </a:p>
+              <a:p>
+                <a:r>
+                  <a:rPr lang="en-US" dirty="0"/>
+                  <a:t>With normalization both for calculating V and reward assignment</a:t>
+                </a:r>
+              </a:p>
+              <a:p>
+                <a:pPr lvl="1"/>
+                <a:r>
+                  <a:rPr lang="en-US" dirty="0"/>
+                  <a:t>Observe PC becomes either 1 or 0:</a:t>
+                </a:r>
+              </a:p>
+              <a:p>
+                <a:pPr lvl="1"/>
+                <a:r>
+                  <a:rPr lang="en-US" dirty="0"/>
+                  <a:t>In episode 0: </a:t>
+                </a:r>
+                <a14:m>
+                  <m:oMath xmlns:m="http://schemas.openxmlformats.org/officeDocument/2006/math">
+                    <m:sSup>
+                      <m:sSupPr>
+                        <m:ctrlPr>
+                          <a:rPr lang="en-US" i="1">
+                            <a:latin typeface="Cambria Math" panose="02040503050406030204" pitchFamily="18" charset="0"/>
+                          </a:rPr>
+                        </m:ctrlPr>
+                      </m:sSupPr>
+                      <m:e>
+                        <m:r>
+                          <a:rPr lang="en-US" i="1">
+                            <a:latin typeface="Cambria Math" panose="02040503050406030204" pitchFamily="18" charset="0"/>
+                          </a:rPr>
+                          <m:t>𝐸</m:t>
+                        </m:r>
+                      </m:e>
+                      <m:sup>
+                        <m:r>
+                          <a:rPr lang="en-US" i="1">
+                            <a:latin typeface="Cambria Math" panose="02040503050406030204" pitchFamily="18" charset="0"/>
+                          </a:rPr>
+                          <m:t>𝑡</m:t>
+                        </m:r>
+                      </m:sup>
+                    </m:sSup>
+                    <m:r>
+                      <a:rPr lang="en-US" i="1">
+                        <a:latin typeface="Cambria Math" panose="02040503050406030204" pitchFamily="18" charset="0"/>
+                      </a:rPr>
+                      <m:t>=1⇒</m:t>
+                    </m:r>
+                    <m:sSubSup>
+                      <m:sSubSupPr>
+                        <m:ctrlPr>
+                          <a:rPr lang="en-US" i="1">
+                            <a:latin typeface="Cambria Math" panose="02040503050406030204" pitchFamily="18" charset="0"/>
+                          </a:rPr>
+                        </m:ctrlPr>
+                      </m:sSubSupPr>
+                      <m:e>
+                        <m:r>
+                          <a:rPr lang="en-US" i="1">
+                            <a:latin typeface="Cambria Math" panose="02040503050406030204" pitchFamily="18" charset="0"/>
+                          </a:rPr>
+                          <m:t>𝑉</m:t>
+                        </m:r>
+                      </m:e>
+                      <m:sub>
+                        <m:r>
+                          <a:rPr lang="en-US" i="1">
+                            <a:latin typeface="Cambria Math" panose="02040503050406030204" pitchFamily="18" charset="0"/>
+                          </a:rPr>
+                          <m:t>1</m:t>
+                        </m:r>
+                      </m:sub>
+                      <m:sup>
+                        <m:r>
+                          <a:rPr lang="en-US" i="1">
+                            <a:latin typeface="Cambria Math" panose="02040503050406030204" pitchFamily="18" charset="0"/>
+                          </a:rPr>
+                          <m:t>𝑡</m:t>
+                        </m:r>
+                        <m:r>
+                          <a:rPr lang="en-US" i="1">
+                            <a:latin typeface="Cambria Math" panose="02040503050406030204" pitchFamily="18" charset="0"/>
+                          </a:rPr>
+                          <m:t>+1</m:t>
+                        </m:r>
+                      </m:sup>
+                    </m:sSubSup>
+                    <m:r>
+                      <a:rPr lang="en-US" i="1">
+                        <a:latin typeface="Cambria Math" panose="02040503050406030204" pitchFamily="18" charset="0"/>
+                      </a:rPr>
+                      <m:t>=</m:t>
+                    </m:r>
+                    <m:d>
+                      <m:dPr>
+                        <m:ctrlPr>
+                          <a:rPr lang="en-US" b="0" i="1" smtClean="0">
+                            <a:latin typeface="Cambria Math" panose="02040503050406030204" pitchFamily="18" charset="0"/>
+                          </a:rPr>
+                        </m:ctrlPr>
+                      </m:dPr>
+                      <m:e>
+                        <m:f>
+                          <m:fPr>
+                            <m:ctrlPr>
+                              <a:rPr lang="en-US" b="0" i="1" smtClean="0">
+                                <a:latin typeface="Cambria Math" panose="02040503050406030204" pitchFamily="18" charset="0"/>
+                              </a:rPr>
+                            </m:ctrlPr>
+                          </m:fPr>
+                          <m:num>
+                            <m:r>
+                              <a:rPr lang="en-US" b="0" i="1" smtClean="0">
+                                <a:latin typeface="Cambria Math" panose="02040503050406030204" pitchFamily="18" charset="0"/>
+                              </a:rPr>
+                              <m:t>0.1</m:t>
+                            </m:r>
+                          </m:num>
+                          <m:den>
+                            <m:r>
+                              <a:rPr lang="en-US" b="0" i="1" smtClean="0">
+                                <a:latin typeface="Cambria Math" panose="02040503050406030204" pitchFamily="18" charset="0"/>
+                              </a:rPr>
+                              <m:t>0.1</m:t>
+                            </m:r>
+                          </m:den>
+                        </m:f>
+                      </m:e>
+                    </m:d>
+                    <m:r>
+                      <a:rPr lang="en-US" b="0" i="1" smtClean="0">
+                        <a:latin typeface="Cambria Math" panose="02040503050406030204" pitchFamily="18" charset="0"/>
+                      </a:rPr>
+                      <m:t>∗1=1</m:t>
+                    </m:r>
+                  </m:oMath>
+                </a14:m>
+                <a:endParaRPr lang="en-US" dirty="0"/>
+              </a:p>
+              <a:p>
+                <a:pPr lvl="1"/>
+                <a:r>
+                  <a:rPr lang="en-US" dirty="0"/>
+                  <a:t>In episode 1: </a:t>
+                </a:r>
+                <a14:m>
+                  <m:oMath xmlns:m="http://schemas.openxmlformats.org/officeDocument/2006/math">
+                    <m:sSup>
+                      <m:sSupPr>
+                        <m:ctrlPr>
+                          <a:rPr lang="en-US" i="1">
+                            <a:latin typeface="Cambria Math" panose="02040503050406030204" pitchFamily="18" charset="0"/>
+                          </a:rPr>
+                        </m:ctrlPr>
+                      </m:sSupPr>
+                      <m:e>
+                        <m:r>
+                          <a:rPr lang="en-US" i="1">
+                            <a:latin typeface="Cambria Math" panose="02040503050406030204" pitchFamily="18" charset="0"/>
+                          </a:rPr>
+                          <m:t>𝐸</m:t>
+                        </m:r>
+                      </m:e>
+                      <m:sup>
+                        <m:r>
+                          <a:rPr lang="en-US" i="1">
+                            <a:latin typeface="Cambria Math" panose="02040503050406030204" pitchFamily="18" charset="0"/>
+                          </a:rPr>
+                          <m:t>𝑡</m:t>
+                        </m:r>
+                      </m:sup>
+                    </m:sSup>
+                    <m:r>
+                      <a:rPr lang="en-US" i="1">
+                        <a:latin typeface="Cambria Math" panose="02040503050406030204" pitchFamily="18" charset="0"/>
+                      </a:rPr>
+                      <m:t>=1+</m:t>
+                    </m:r>
+                    <m:r>
+                      <a:rPr lang="en-US" b="0" i="1" smtClean="0">
+                        <a:latin typeface="Cambria Math" panose="02040503050406030204" pitchFamily="18" charset="0"/>
+                      </a:rPr>
+                      <m:t>0.5∗</m:t>
+                    </m:r>
+                    <m:d>
+                      <m:dPr>
+                        <m:ctrlPr>
+                          <a:rPr lang="en-US" b="0" i="1" smtClean="0">
+                            <a:latin typeface="Cambria Math" panose="02040503050406030204" pitchFamily="18" charset="0"/>
+                          </a:rPr>
+                        </m:ctrlPr>
+                      </m:dPr>
+                      <m:e>
+                        <m:f>
+                          <m:fPr>
+                            <m:ctrlPr>
+                              <a:rPr lang="en-US" b="0" i="1" smtClean="0">
+                                <a:latin typeface="Cambria Math" panose="02040503050406030204" pitchFamily="18" charset="0"/>
+                              </a:rPr>
+                            </m:ctrlPr>
+                          </m:fPr>
+                          <m:num>
+                            <m:r>
+                              <a:rPr lang="en-US" i="1">
+                                <a:latin typeface="Cambria Math" panose="02040503050406030204" pitchFamily="18" charset="0"/>
+                              </a:rPr>
+                              <m:t>0.5</m:t>
+                            </m:r>
+                          </m:num>
+                          <m:den>
+                            <m:r>
+                              <a:rPr lang="en-US" b="0" i="1" smtClean="0">
+                                <a:latin typeface="Cambria Math" panose="02040503050406030204" pitchFamily="18" charset="0"/>
+                              </a:rPr>
+                              <m:t>0.5</m:t>
+                            </m:r>
+                          </m:den>
+                        </m:f>
+                      </m:e>
+                    </m:d>
+                    <m:r>
+                      <a:rPr lang="en-US" i="1">
+                        <a:latin typeface="Cambria Math" panose="02040503050406030204" pitchFamily="18" charset="0"/>
+                      </a:rPr>
+                      <m:t>∗</m:t>
+                    </m:r>
+                    <m:r>
+                      <a:rPr lang="en-US" b="0" i="1" smtClean="0">
+                        <a:latin typeface="Cambria Math" panose="02040503050406030204" pitchFamily="18" charset="0"/>
+                      </a:rPr>
+                      <m:t>1</m:t>
+                    </m:r>
+                    <m:r>
+                      <a:rPr lang="en-US" i="1">
+                        <a:latin typeface="Cambria Math" panose="02040503050406030204" pitchFamily="18" charset="0"/>
+                      </a:rPr>
+                      <m:t>−</m:t>
+                    </m:r>
+                    <m:d>
+                      <m:dPr>
+                        <m:ctrlPr>
+                          <a:rPr lang="en-US" b="0" i="1" smtClean="0">
+                            <a:latin typeface="Cambria Math" panose="02040503050406030204" pitchFamily="18" charset="0"/>
+                          </a:rPr>
+                        </m:ctrlPr>
+                      </m:dPr>
+                      <m:e>
+                        <m:f>
+                          <m:fPr>
+                            <m:ctrlPr>
+                              <a:rPr lang="en-US" b="0" i="1" smtClean="0">
+                                <a:latin typeface="Cambria Math" panose="02040503050406030204" pitchFamily="18" charset="0"/>
+                              </a:rPr>
+                            </m:ctrlPr>
+                          </m:fPr>
+                          <m:num>
+                            <m:r>
+                              <a:rPr lang="en-US" i="1">
+                                <a:latin typeface="Cambria Math" panose="02040503050406030204" pitchFamily="18" charset="0"/>
+                              </a:rPr>
+                              <m:t>0.1</m:t>
+                            </m:r>
+                          </m:num>
+                          <m:den>
+                            <m:r>
+                              <a:rPr lang="en-US" b="0" i="1" smtClean="0">
+                                <a:latin typeface="Cambria Math" panose="02040503050406030204" pitchFamily="18" charset="0"/>
+                              </a:rPr>
+                              <m:t>0.1</m:t>
+                            </m:r>
+                          </m:den>
+                        </m:f>
+                      </m:e>
+                    </m:d>
+                    <m:r>
+                      <a:rPr lang="en-US" i="1">
+                        <a:latin typeface="Cambria Math" panose="02040503050406030204" pitchFamily="18" charset="0"/>
+                      </a:rPr>
+                      <m:t>∗1=</m:t>
+                    </m:r>
+                    <m:r>
+                      <a:rPr lang="en-US" b="0" i="1" smtClean="0">
+                        <a:latin typeface="Cambria Math" panose="02040503050406030204" pitchFamily="18" charset="0"/>
+                      </a:rPr>
+                      <m:t>0.5</m:t>
+                    </m:r>
+                    <m:r>
+                      <a:rPr lang="en-US" i="1">
+                        <a:latin typeface="Cambria Math" panose="02040503050406030204" pitchFamily="18" charset="0"/>
+                      </a:rPr>
+                      <m:t>⇒</m:t>
+                    </m:r>
+                    <m:sSubSup>
+                      <m:sSubSupPr>
+                        <m:ctrlPr>
+                          <a:rPr lang="en-US" i="1">
+                            <a:latin typeface="Cambria Math" panose="02040503050406030204" pitchFamily="18" charset="0"/>
+                          </a:rPr>
+                        </m:ctrlPr>
+                      </m:sSubSupPr>
+                      <m:e>
+                        <m:r>
+                          <a:rPr lang="en-US" i="1">
+                            <a:latin typeface="Cambria Math" panose="02040503050406030204" pitchFamily="18" charset="0"/>
+                          </a:rPr>
+                          <m:t>𝑉</m:t>
+                        </m:r>
+                      </m:e>
+                      <m:sub>
+                        <m:r>
+                          <a:rPr lang="en-US" i="1">
+                            <a:latin typeface="Cambria Math" panose="02040503050406030204" pitchFamily="18" charset="0"/>
+                          </a:rPr>
+                          <m:t>1</m:t>
+                        </m:r>
+                      </m:sub>
+                      <m:sup>
+                        <m:r>
+                          <a:rPr lang="en-US" i="1">
+                            <a:latin typeface="Cambria Math" panose="02040503050406030204" pitchFamily="18" charset="0"/>
+                          </a:rPr>
+                          <m:t>𝑡</m:t>
+                        </m:r>
+                        <m:r>
+                          <a:rPr lang="en-US" i="1">
+                            <a:latin typeface="Cambria Math" panose="02040503050406030204" pitchFamily="18" charset="0"/>
+                          </a:rPr>
+                          <m:t>+1</m:t>
+                        </m:r>
+                      </m:sup>
+                    </m:sSubSup>
+                    <m:r>
+                      <a:rPr lang="en-US" i="1">
+                        <a:latin typeface="Cambria Math" panose="02040503050406030204" pitchFamily="18" charset="0"/>
+                      </a:rPr>
+                      <m:t>=</m:t>
+                    </m:r>
+                    <m:r>
+                      <a:rPr lang="en-US" b="0" i="1" smtClean="0">
+                        <a:latin typeface="Cambria Math" panose="02040503050406030204" pitchFamily="18" charset="0"/>
+                      </a:rPr>
+                      <m:t>1+0.5</m:t>
+                    </m:r>
+                  </m:oMath>
+                </a14:m>
+                <a:endParaRPr lang="en-US" dirty="0"/>
+              </a:p>
+              <a:p>
+                <a:pPr lvl="1"/>
+                <a:r>
+                  <a:rPr lang="en-US" dirty="0"/>
+                  <a:t>In general, error at time t will be:  </a:t>
+                </a:r>
+                <a14:m>
+                  <m:oMath xmlns:m="http://schemas.openxmlformats.org/officeDocument/2006/math">
+                    <m:sSup>
+                      <m:sSupPr>
+                        <m:ctrlPr>
+                          <a:rPr lang="en-US" i="1">
+                            <a:latin typeface="Cambria Math" panose="02040503050406030204" pitchFamily="18" charset="0"/>
+                          </a:rPr>
+                        </m:ctrlPr>
+                      </m:sSupPr>
+                      <m:e>
+                        <m:r>
+                          <a:rPr lang="en-US" i="1">
+                            <a:latin typeface="Cambria Math" panose="02040503050406030204" pitchFamily="18" charset="0"/>
+                          </a:rPr>
+                          <m:t>𝐸</m:t>
+                        </m:r>
+                      </m:e>
+                      <m:sup>
+                        <m:r>
+                          <a:rPr lang="en-US" i="1">
+                            <a:latin typeface="Cambria Math" panose="02040503050406030204" pitchFamily="18" charset="0"/>
+                          </a:rPr>
+                          <m:t>𝑡</m:t>
+                        </m:r>
+                      </m:sup>
+                    </m:sSup>
+                    <m:r>
+                      <a:rPr lang="en-US" i="1">
+                        <a:latin typeface="Cambria Math" panose="02040503050406030204" pitchFamily="18" charset="0"/>
+                      </a:rPr>
+                      <m:t>=1+0.5∗</m:t>
+                    </m:r>
+                    <m:sSubSup>
+                      <m:sSubSupPr>
+                        <m:ctrlPr>
+                          <a:rPr lang="en-US" b="0" i="1" smtClean="0">
+                            <a:latin typeface="Cambria Math" panose="02040503050406030204" pitchFamily="18" charset="0"/>
+                          </a:rPr>
+                        </m:ctrlPr>
+                      </m:sSubSupPr>
+                      <m:e>
+                        <m:r>
+                          <a:rPr lang="en-US" i="1">
+                            <a:latin typeface="Cambria Math" panose="02040503050406030204" pitchFamily="18" charset="0"/>
+                          </a:rPr>
+                          <m:t>𝑉</m:t>
+                        </m:r>
+                      </m:e>
+                      <m:sub>
+                        <m:r>
+                          <a:rPr lang="en-US" b="0" i="1" smtClean="0">
+                            <a:latin typeface="Cambria Math" panose="02040503050406030204" pitchFamily="18" charset="0"/>
+                          </a:rPr>
+                          <m:t>1</m:t>
+                        </m:r>
+                      </m:sub>
+                      <m:sup>
+                        <m:r>
+                          <a:rPr lang="en-US" i="1">
+                            <a:latin typeface="Cambria Math" panose="02040503050406030204" pitchFamily="18" charset="0"/>
+                          </a:rPr>
+                          <m:t>𝑡</m:t>
+                        </m:r>
+                      </m:sup>
+                    </m:sSubSup>
+                    <m:r>
+                      <a:rPr lang="en-US" i="1">
+                        <a:latin typeface="Cambria Math" panose="02040503050406030204" pitchFamily="18" charset="0"/>
+                      </a:rPr>
+                      <m:t>−</m:t>
+                    </m:r>
+                    <m:sSubSup>
+                      <m:sSubSupPr>
+                        <m:ctrlPr>
+                          <a:rPr lang="en-US" b="0" i="1" smtClean="0">
+                            <a:latin typeface="Cambria Math" panose="02040503050406030204" pitchFamily="18" charset="0"/>
+                          </a:rPr>
+                        </m:ctrlPr>
+                      </m:sSubSupPr>
+                      <m:e>
+                        <m:r>
+                          <a:rPr lang="en-US" i="1">
+                            <a:latin typeface="Cambria Math" panose="02040503050406030204" pitchFamily="18" charset="0"/>
+                          </a:rPr>
+                          <m:t>𝑉</m:t>
+                        </m:r>
+                      </m:e>
+                      <m:sub>
+                        <m:r>
+                          <a:rPr lang="en-US" b="0" i="1" smtClean="0">
+                            <a:latin typeface="Cambria Math" panose="02040503050406030204" pitchFamily="18" charset="0"/>
+                          </a:rPr>
+                          <m:t>1</m:t>
+                        </m:r>
+                      </m:sub>
+                      <m:sup>
+                        <m:r>
+                          <a:rPr lang="en-US" i="1">
+                            <a:latin typeface="Cambria Math" panose="02040503050406030204" pitchFamily="18" charset="0"/>
+                          </a:rPr>
+                          <m:t>𝑡</m:t>
+                        </m:r>
+                      </m:sup>
+                    </m:sSubSup>
+                    <m:r>
+                      <a:rPr lang="en-US" i="1">
+                        <a:latin typeface="Cambria Math" panose="02040503050406030204" pitchFamily="18" charset="0"/>
+                      </a:rPr>
+                      <m:t>=1</m:t>
+                    </m:r>
+                    <m:r>
+                      <a:rPr lang="en-US" b="0" i="1" smtClean="0">
+                        <a:latin typeface="Cambria Math" panose="02040503050406030204" pitchFamily="18" charset="0"/>
+                      </a:rPr>
+                      <m:t>−</m:t>
+                    </m:r>
+                    <m:r>
+                      <a:rPr lang="en-US" i="1">
+                        <a:latin typeface="Cambria Math" panose="02040503050406030204" pitchFamily="18" charset="0"/>
+                      </a:rPr>
+                      <m:t>0.</m:t>
+                    </m:r>
+                    <m:r>
+                      <a:rPr lang="en-US" b="0" i="1" smtClean="0">
+                        <a:latin typeface="Cambria Math" panose="02040503050406030204" pitchFamily="18" charset="0"/>
+                      </a:rPr>
+                      <m:t>5</m:t>
+                    </m:r>
+                    <m:sSup>
+                      <m:sSupPr>
+                        <m:ctrlPr>
+                          <a:rPr lang="en-US" i="1">
+                            <a:latin typeface="Cambria Math" panose="02040503050406030204" pitchFamily="18" charset="0"/>
+                          </a:rPr>
+                        </m:ctrlPr>
+                      </m:sSupPr>
+                      <m:e>
+                        <m:r>
+                          <a:rPr lang="en-US" i="1">
+                            <a:latin typeface="Cambria Math" panose="02040503050406030204" pitchFamily="18" charset="0"/>
+                          </a:rPr>
+                          <m:t>𝑉</m:t>
+                        </m:r>
+                      </m:e>
+                      <m:sup>
+                        <m:r>
+                          <a:rPr lang="en-US" i="1">
+                            <a:latin typeface="Cambria Math" panose="02040503050406030204" pitchFamily="18" charset="0"/>
+                          </a:rPr>
+                          <m:t>𝑡</m:t>
+                        </m:r>
+                      </m:sup>
+                    </m:sSup>
+                  </m:oMath>
+                </a14:m>
+                <a:br>
+                  <a:rPr lang="en-US" dirty="0"/>
+                </a:br>
+                <a:r>
+                  <a:rPr lang="en-US" dirty="0"/>
+                  <a:t>thus: </a:t>
+                </a:r>
+                <a14:m>
+                  <m:oMath xmlns:m="http://schemas.openxmlformats.org/officeDocument/2006/math">
+                    <m:sSubSup>
+                      <m:sSubSupPr>
+                        <m:ctrlPr>
+                          <a:rPr lang="en-US" i="1">
+                            <a:latin typeface="Cambria Math" panose="02040503050406030204" pitchFamily="18" charset="0"/>
+                          </a:rPr>
+                        </m:ctrlPr>
+                      </m:sSubSupPr>
+                      <m:e>
+                        <m:r>
+                          <a:rPr lang="en-US" i="1">
+                            <a:latin typeface="Cambria Math" panose="02040503050406030204" pitchFamily="18" charset="0"/>
+                          </a:rPr>
+                          <m:t>𝑉</m:t>
+                        </m:r>
+                      </m:e>
+                      <m:sub>
+                        <m:r>
+                          <a:rPr lang="en-US" i="1">
+                            <a:latin typeface="Cambria Math" panose="02040503050406030204" pitchFamily="18" charset="0"/>
+                          </a:rPr>
+                          <m:t>1</m:t>
+                        </m:r>
+                      </m:sub>
+                      <m:sup>
+                        <m:r>
+                          <a:rPr lang="en-US" i="1">
+                            <a:latin typeface="Cambria Math" panose="02040503050406030204" pitchFamily="18" charset="0"/>
+                          </a:rPr>
+                          <m:t>𝑡</m:t>
+                        </m:r>
+                        <m:r>
+                          <a:rPr lang="en-US" i="1">
+                            <a:latin typeface="Cambria Math" panose="02040503050406030204" pitchFamily="18" charset="0"/>
+                          </a:rPr>
+                          <m:t>+1</m:t>
+                        </m:r>
+                      </m:sup>
+                    </m:sSubSup>
+                    <m:r>
+                      <a:rPr lang="en-US" i="1">
+                        <a:latin typeface="Cambria Math" panose="02040503050406030204" pitchFamily="18" charset="0"/>
+                      </a:rPr>
+                      <m:t>=</m:t>
+                    </m:r>
+                    <m:sSubSup>
+                      <m:sSubSupPr>
+                        <m:ctrlPr>
+                          <a:rPr lang="en-US" b="0" i="1" smtClean="0">
+                            <a:latin typeface="Cambria Math" panose="02040503050406030204" pitchFamily="18" charset="0"/>
+                          </a:rPr>
+                        </m:ctrlPr>
+                      </m:sSubSupPr>
+                      <m:e>
+                        <m:r>
+                          <a:rPr lang="en-US" b="0" i="1" smtClean="0">
+                            <a:latin typeface="Cambria Math" panose="02040503050406030204" pitchFamily="18" charset="0"/>
+                          </a:rPr>
+                          <m:t>𝑉</m:t>
+                        </m:r>
+                      </m:e>
+                      <m:sub>
+                        <m:r>
+                          <a:rPr lang="en-US" b="0" i="1" smtClean="0">
+                            <a:latin typeface="Cambria Math" panose="02040503050406030204" pitchFamily="18" charset="0"/>
+                          </a:rPr>
+                          <m:t>1</m:t>
+                        </m:r>
+                      </m:sub>
+                      <m:sup>
+                        <m:r>
+                          <a:rPr lang="en-US" b="0" i="1" smtClean="0">
+                            <a:latin typeface="Cambria Math" panose="02040503050406030204" pitchFamily="18" charset="0"/>
+                          </a:rPr>
+                          <m:t>𝑡</m:t>
+                        </m:r>
+                      </m:sup>
+                    </m:sSubSup>
+                    <m:r>
+                      <a:rPr lang="en-US" b="0" i="1" smtClean="0">
+                        <a:latin typeface="Cambria Math" panose="02040503050406030204" pitchFamily="18" charset="0"/>
+                      </a:rPr>
+                      <m:t>+</m:t>
+                    </m:r>
+                    <m:d>
+                      <m:dPr>
+                        <m:ctrlPr>
+                          <a:rPr lang="en-US" i="1">
+                            <a:latin typeface="Cambria Math" panose="02040503050406030204" pitchFamily="18" charset="0"/>
+                          </a:rPr>
+                        </m:ctrlPr>
+                      </m:dPr>
+                      <m:e>
+                        <m:r>
+                          <a:rPr lang="en-US" i="1">
+                            <a:latin typeface="Cambria Math" panose="02040503050406030204" pitchFamily="18" charset="0"/>
+                          </a:rPr>
+                          <m:t>1</m:t>
+                        </m:r>
+                        <m:r>
+                          <a:rPr lang="en-US" b="0" i="1" smtClean="0">
+                            <a:latin typeface="Cambria Math" panose="02040503050406030204" pitchFamily="18" charset="0"/>
+                          </a:rPr>
+                          <m:t>−</m:t>
+                        </m:r>
+                        <m:r>
+                          <a:rPr lang="en-US" i="1">
+                            <a:latin typeface="Cambria Math" panose="02040503050406030204" pitchFamily="18" charset="0"/>
+                          </a:rPr>
+                          <m:t>0.</m:t>
+                        </m:r>
+                        <m:r>
+                          <a:rPr lang="en-US" b="0" i="1" smtClean="0">
+                            <a:latin typeface="Cambria Math" panose="02040503050406030204" pitchFamily="18" charset="0"/>
+                          </a:rPr>
+                          <m:t>5</m:t>
+                        </m:r>
+                        <m:sSup>
+                          <m:sSupPr>
+                            <m:ctrlPr>
+                              <a:rPr lang="en-US" i="1" smtClean="0">
+                                <a:latin typeface="Cambria Math" panose="02040503050406030204" pitchFamily="18" charset="0"/>
+                              </a:rPr>
+                            </m:ctrlPr>
+                          </m:sSupPr>
+                          <m:e>
+                            <m:r>
+                              <a:rPr lang="en-US" i="1">
+                                <a:latin typeface="Cambria Math" panose="02040503050406030204" pitchFamily="18" charset="0"/>
+                              </a:rPr>
+                              <m:t>𝑉</m:t>
+                            </m:r>
+                          </m:e>
+                          <m:sup>
+                            <m:r>
+                              <a:rPr lang="en-US" i="1">
+                                <a:latin typeface="Cambria Math" panose="02040503050406030204" pitchFamily="18" charset="0"/>
+                              </a:rPr>
+                              <m:t>𝑡</m:t>
+                            </m:r>
+                          </m:sup>
+                        </m:sSup>
+                      </m:e>
+                    </m:d>
+                    <m:r>
+                      <a:rPr lang="en-US" i="1">
+                        <a:latin typeface="Cambria Math" panose="02040503050406030204" pitchFamily="18" charset="0"/>
+                      </a:rPr>
+                      <m:t>=</m:t>
+                    </m:r>
+                    <m:r>
+                      <a:rPr lang="en-US" b="0" i="1" smtClean="0">
+                        <a:latin typeface="Cambria Math" panose="02040503050406030204" pitchFamily="18" charset="0"/>
+                      </a:rPr>
+                      <m:t>1</m:t>
+                    </m:r>
+                    <m:r>
+                      <a:rPr lang="en-US" i="1">
+                        <a:latin typeface="Cambria Math" panose="02040503050406030204" pitchFamily="18" charset="0"/>
+                      </a:rPr>
+                      <m:t>+</m:t>
+                    </m:r>
+                    <m:r>
+                      <a:rPr lang="en-US" b="0" i="1" smtClean="0">
+                        <a:latin typeface="Cambria Math" panose="02040503050406030204" pitchFamily="18" charset="0"/>
+                      </a:rPr>
+                      <m:t>0.5</m:t>
+                    </m:r>
+                    <m:sSup>
+                      <m:sSupPr>
+                        <m:ctrlPr>
+                          <a:rPr lang="en-US" i="1">
+                            <a:latin typeface="Cambria Math" panose="02040503050406030204" pitchFamily="18" charset="0"/>
+                          </a:rPr>
+                        </m:ctrlPr>
+                      </m:sSupPr>
+                      <m:e>
+                        <m:r>
+                          <a:rPr lang="en-US" i="1">
+                            <a:latin typeface="Cambria Math" panose="02040503050406030204" pitchFamily="18" charset="0"/>
+                          </a:rPr>
+                          <m:t>𝑉</m:t>
+                        </m:r>
+                      </m:e>
+                      <m:sup>
+                        <m:r>
+                          <a:rPr lang="en-US" i="1">
+                            <a:latin typeface="Cambria Math" panose="02040503050406030204" pitchFamily="18" charset="0"/>
+                          </a:rPr>
+                          <m:t>𝑡</m:t>
+                        </m:r>
+                      </m:sup>
+                    </m:sSup>
+                  </m:oMath>
+                </a14:m>
+                <a:r>
+                  <a:rPr lang="en-US" dirty="0"/>
+                  <a:t>  </a:t>
+                </a:r>
+                <a:br>
+                  <a:rPr lang="en-US" dirty="0"/>
+                </a:br>
+                <a:r>
+                  <a:rPr lang="en-US" dirty="0"/>
+                  <a:t>which increases exponentially although better than before</a:t>
+                </a:r>
+              </a:p>
+            </p:txBody>
+          </p:sp>
+        </mc:Choice>
+        <mc:Fallback>
+          <p:sp>
+            <p:nvSpPr>
+              <p:cNvPr id="3" name="Content Placeholder 2">
+                <a:extLst>
+                  <a:ext uri="{FF2B5EF4-FFF2-40B4-BE49-F238E27FC236}">
+                    <a16:creationId xmlns:a16="http://schemas.microsoft.com/office/drawing/2014/main" id="{A9E686FB-7AFB-4126-AF68-733D4183EB78}"/>
+                  </a:ext>
+                </a:extLst>
+              </p:cNvPr>
+              <p:cNvSpPr>
+                <a:spLocks noGrp="1" noRot="1" noChangeAspect="1" noMove="1" noResize="1" noEditPoints="1" noAdjustHandles="1" noChangeArrowheads="1" noChangeShapeType="1" noTextEdit="1"/>
+              </p:cNvSpPr>
+              <p:nvPr>
+                <p:ph idx="1"/>
+              </p:nvPr>
+            </p:nvSpPr>
+            <p:spPr>
+              <a:blipFill>
+                <a:blip r:embed="rId2"/>
+                <a:stretch>
+                  <a:fillRect l="-1043" t="-2241" r="-638" b="-2941"/>
+                </a:stretch>
+              </a:blipFill>
+            </p:spPr>
+            <p:txBody>
+              <a:bodyPr/>
+              <a:lstStyle/>
+              <a:p>
+                <a:r>
+                  <a:rPr lang="en-US">
+                    <a:noFill/>
+                  </a:rPr>
+                  <a:t> </a:t>
+                </a:r>
+              </a:p>
+            </p:txBody>
+          </p:sp>
+        </mc:Fallback>
+      </mc:AlternateContent>
+    </p:spTree>
+    <p:extLst>
+      <p:ext uri="{BB962C8B-B14F-4D97-AF65-F5344CB8AC3E}">
+        <p14:creationId xmlns:p14="http://schemas.microsoft.com/office/powerpoint/2010/main" val="3289627194"/>
+      </p:ext>
+    </p:extLst>
+  </p:cSld>
+  <p:clrMapOvr>
+    <a:masterClrMapping/>
+  </p:clrMapOvr>
+</p:sld>
+</file>
+
+<file path=ppt/slides/slide18.xml><?xml version="1.0" encoding="utf-8"?>
+<p:sld xmlns:a="http://schemas.openxmlformats.org/drawingml/2006/main" xmlns:r="http://schemas.openxmlformats.org/officeDocument/2006/relationships" xmlns:p="http://schemas.openxmlformats.org/presentationml/2006/main">
+  <p:cSld>
+    <p:spTree>
+      <p:nvGrpSpPr>
+        <p:cNvPr id="1" name=""/>
+        <p:cNvGrpSpPr/>
+        <p:nvPr/>
+      </p:nvGrpSpPr>
+      <p:grpSpPr>
+        <a:xfrm>
+          <a:off x="0" y="0"/>
+          <a:ext cx="0" cy="0"/>
+          <a:chOff x="0" y="0"/>
+          <a:chExt cx="0" cy="0"/>
+        </a:xfrm>
+      </p:grpSpPr>
+      <p:sp>
+        <p:nvSpPr>
+          <p:cNvPr id="2" name="Title 1">
+            <a:extLst>
+              <a:ext uri="{FF2B5EF4-FFF2-40B4-BE49-F238E27FC236}">
+                <a16:creationId xmlns:a16="http://schemas.microsoft.com/office/drawing/2014/main" id="{58D155AC-D4C2-4FC8-A45D-53A413A2E719}"/>
+              </a:ext>
+            </a:extLst>
+          </p:cNvPr>
+          <p:cNvSpPr>
+            <a:spLocks noGrp="1"/>
+          </p:cNvSpPr>
+          <p:nvPr>
+            <p:ph type="title"/>
+          </p:nvPr>
+        </p:nvSpPr>
+        <p:spPr/>
+        <p:txBody>
+          <a:bodyPr>
+            <a:normAutofit/>
+          </a:bodyPr>
+          <a:lstStyle/>
+          <a:p>
+            <a:r>
+              <a:rPr lang="en-US" dirty="0"/>
+              <a:t>Issue 8 simpler example: (with normalization only for calculating V)</a:t>
+            </a:r>
+          </a:p>
+        </p:txBody>
+      </p:sp>
+      <mc:AlternateContent xmlns:mc="http://schemas.openxmlformats.org/markup-compatibility/2006">
+        <mc:Choice xmlns:a14="http://schemas.microsoft.com/office/drawing/2010/main" Requires="a14">
+          <p:sp>
+            <p:nvSpPr>
+              <p:cNvPr id="3" name="Content Placeholder 2">
+                <a:extLst>
+                  <a:ext uri="{FF2B5EF4-FFF2-40B4-BE49-F238E27FC236}">
+                    <a16:creationId xmlns:a16="http://schemas.microsoft.com/office/drawing/2014/main" id="{A9E686FB-7AFB-4126-AF68-733D4183EB78}"/>
+                  </a:ext>
+                </a:extLst>
+              </p:cNvPr>
+              <p:cNvSpPr>
+                <a:spLocks noGrp="1"/>
+              </p:cNvSpPr>
+              <p:nvPr>
+                <p:ph idx="1"/>
+              </p:nvPr>
+            </p:nvSpPr>
+            <p:spPr/>
+            <p:txBody>
+              <a:bodyPr>
+                <a:normAutofit lnSpcReduction="10000"/>
+              </a:bodyPr>
+              <a:lstStyle/>
+              <a:p>
+                <a:r>
+                  <a:rPr lang="en-US" dirty="0"/>
+                  <a:t>Assume 1 cell</a:t>
+                </a:r>
+              </a:p>
+              <a:p>
+                <a:pPr lvl="1"/>
+                <a14:m>
+                  <m:oMath xmlns:m="http://schemas.openxmlformats.org/officeDocument/2006/math">
+                    <m:sSubSup>
+                      <m:sSubSupPr>
+                        <m:ctrlPr>
+                          <a:rPr lang="en-US" b="0" i="1" smtClean="0">
+                            <a:latin typeface="Cambria Math" panose="02040503050406030204" pitchFamily="18" charset="0"/>
+                          </a:rPr>
+                        </m:ctrlPr>
+                      </m:sSubSupPr>
+                      <m:e>
+                        <m:r>
+                          <a:rPr lang="en-US" b="0" i="1" smtClean="0">
+                            <a:latin typeface="Cambria Math" panose="02040503050406030204" pitchFamily="18" charset="0"/>
+                          </a:rPr>
+                          <m:t>𝑉</m:t>
+                        </m:r>
+                      </m:e>
+                      <m:sub>
+                        <m:r>
+                          <a:rPr lang="en-US" b="0" i="1" smtClean="0">
+                            <a:latin typeface="Cambria Math" panose="02040503050406030204" pitchFamily="18" charset="0"/>
+                          </a:rPr>
+                          <m:t>1</m:t>
+                        </m:r>
+                      </m:sub>
+                      <m:sup>
+                        <m:r>
+                          <a:rPr lang="en-US" b="0" i="1" smtClean="0">
+                            <a:latin typeface="Cambria Math" panose="02040503050406030204" pitchFamily="18" charset="0"/>
+                          </a:rPr>
+                          <m:t>𝑡</m:t>
+                        </m:r>
+                      </m:sup>
+                    </m:sSubSup>
+                    <m:r>
+                      <a:rPr lang="en-US" b="0" i="1" smtClean="0">
+                        <a:latin typeface="Cambria Math" panose="02040503050406030204" pitchFamily="18" charset="0"/>
+                      </a:rPr>
+                      <m:t>=0</m:t>
+                    </m:r>
+                  </m:oMath>
+                </a14:m>
+                <a:r>
+                  <a:rPr lang="en-US" dirty="0"/>
+                  <a:t>,  </a:t>
+                </a:r>
+                <a14:m>
+                  <m:oMath xmlns:m="http://schemas.openxmlformats.org/officeDocument/2006/math">
+                    <m:r>
+                      <a:rPr lang="en-US" b="0" i="1" smtClean="0">
+                        <a:latin typeface="Cambria Math" panose="02040503050406030204" pitchFamily="18" charset="0"/>
+                      </a:rPr>
+                      <m:t>𝑃</m:t>
+                    </m:r>
+                    <m:sSubSup>
+                      <m:sSubSupPr>
+                        <m:ctrlPr>
+                          <a:rPr lang="en-US" b="0" i="1" smtClean="0">
+                            <a:latin typeface="Cambria Math" panose="02040503050406030204" pitchFamily="18" charset="0"/>
+                          </a:rPr>
+                        </m:ctrlPr>
+                      </m:sSubSupPr>
+                      <m:e>
+                        <m:r>
+                          <a:rPr lang="en-US" b="0" i="1" smtClean="0">
+                            <a:latin typeface="Cambria Math" panose="02040503050406030204" pitchFamily="18" charset="0"/>
+                          </a:rPr>
+                          <m:t>𝐶</m:t>
+                        </m:r>
+                      </m:e>
+                      <m:sub>
+                        <m:r>
+                          <a:rPr lang="en-US" b="0" i="1" smtClean="0">
+                            <a:latin typeface="Cambria Math" panose="02040503050406030204" pitchFamily="18" charset="0"/>
+                          </a:rPr>
+                          <m:t>1</m:t>
+                        </m:r>
+                      </m:sub>
+                      <m:sup>
+                        <m:r>
+                          <a:rPr lang="en-US" b="0" i="1" smtClean="0">
+                            <a:latin typeface="Cambria Math" panose="02040503050406030204" pitchFamily="18" charset="0"/>
+                          </a:rPr>
+                          <m:t>𝑡</m:t>
+                        </m:r>
+                      </m:sup>
+                    </m:sSubSup>
+                    <m:r>
+                      <a:rPr lang="en-US" b="0" i="1" smtClean="0">
+                        <a:latin typeface="Cambria Math" panose="02040503050406030204" pitchFamily="18" charset="0"/>
+                      </a:rPr>
+                      <m:t>=0.1, </m:t>
+                    </m:r>
+                    <m:r>
+                      <a:rPr lang="en-US" b="0" i="1" smtClean="0">
+                        <a:latin typeface="Cambria Math" panose="02040503050406030204" pitchFamily="18" charset="0"/>
+                      </a:rPr>
+                      <m:t>𝑃</m:t>
+                    </m:r>
+                    <m:sSubSup>
+                      <m:sSubSupPr>
+                        <m:ctrlPr>
+                          <a:rPr lang="en-US" b="0" i="1" smtClean="0">
+                            <a:latin typeface="Cambria Math" panose="02040503050406030204" pitchFamily="18" charset="0"/>
+                          </a:rPr>
+                        </m:ctrlPr>
+                      </m:sSubSupPr>
+                      <m:e>
+                        <m:r>
+                          <a:rPr lang="en-US" b="0" i="1" smtClean="0">
+                            <a:latin typeface="Cambria Math" panose="02040503050406030204" pitchFamily="18" charset="0"/>
+                          </a:rPr>
+                          <m:t>𝐶</m:t>
+                        </m:r>
+                      </m:e>
+                      <m:sub>
+                        <m:r>
+                          <a:rPr lang="en-US" b="0" i="1" smtClean="0">
+                            <a:latin typeface="Cambria Math" panose="02040503050406030204" pitchFamily="18" charset="0"/>
+                          </a:rPr>
+                          <m:t>1</m:t>
+                        </m:r>
+                      </m:sub>
+                      <m:sup>
+                        <m:r>
+                          <a:rPr lang="en-US" b="0" i="1" smtClean="0">
+                            <a:latin typeface="Cambria Math" panose="02040503050406030204" pitchFamily="18" charset="0"/>
+                          </a:rPr>
+                          <m:t>𝑡</m:t>
+                        </m:r>
+                        <m:r>
+                          <a:rPr lang="en-US" b="0" i="1" smtClean="0">
+                            <a:latin typeface="Cambria Math" panose="02040503050406030204" pitchFamily="18" charset="0"/>
+                          </a:rPr>
+                          <m:t>+1</m:t>
+                        </m:r>
+                      </m:sup>
+                    </m:sSubSup>
+                    <m:r>
+                      <a:rPr lang="en-US" b="0" i="1" smtClean="0">
+                        <a:latin typeface="Cambria Math" panose="02040503050406030204" pitchFamily="18" charset="0"/>
+                      </a:rPr>
+                      <m:t>=0.5</m:t>
+                    </m:r>
+                  </m:oMath>
+                </a14:m>
+                <a:r>
+                  <a:rPr lang="en-US" dirty="0"/>
+                  <a:t>, </a:t>
+                </a:r>
+                <a14:m>
+                  <m:oMath xmlns:m="http://schemas.openxmlformats.org/officeDocument/2006/math">
+                    <m:sSub>
+                      <m:sSubPr>
+                        <m:ctrlPr>
+                          <a:rPr lang="en-US" b="0" i="1" smtClean="0">
+                            <a:latin typeface="Cambria Math" panose="02040503050406030204" pitchFamily="18" charset="0"/>
+                          </a:rPr>
+                        </m:ctrlPr>
+                      </m:sSubPr>
+                      <m:e>
+                        <m:r>
+                          <a:rPr lang="en-US" b="0" i="1" smtClean="0">
+                            <a:latin typeface="Cambria Math" panose="02040503050406030204" pitchFamily="18" charset="0"/>
+                          </a:rPr>
+                          <m:t>𝑟</m:t>
+                        </m:r>
+                      </m:e>
+                      <m:sub>
+                        <m:r>
+                          <a:rPr lang="en-US" b="0" i="1" smtClean="0">
+                            <a:latin typeface="Cambria Math" panose="02040503050406030204" pitchFamily="18" charset="0"/>
+                          </a:rPr>
+                          <m:t>𝑡</m:t>
+                        </m:r>
+                      </m:sub>
+                    </m:sSub>
+                    <m:r>
+                      <a:rPr lang="en-US" b="0" i="1" smtClean="0">
+                        <a:latin typeface="Cambria Math" panose="02040503050406030204" pitchFamily="18" charset="0"/>
+                      </a:rPr>
+                      <m:t>=1</m:t>
+                    </m:r>
+                  </m:oMath>
+                </a14:m>
+                <a:r>
+                  <a:rPr lang="en-US" dirty="0"/>
+                  <a:t>,</a:t>
+                </a:r>
+                <a14:m>
+                  <m:oMath xmlns:m="http://schemas.openxmlformats.org/officeDocument/2006/math">
+                    <m:r>
+                      <a:rPr lang="en-US" b="0" i="1" dirty="0" smtClean="0">
+                        <a:latin typeface="Cambria Math" panose="02040503050406030204" pitchFamily="18" charset="0"/>
+                      </a:rPr>
+                      <m:t>𝑙𝑟</m:t>
+                    </m:r>
+                    <m:r>
+                      <a:rPr lang="en-US" b="0" i="1" dirty="0" smtClean="0">
+                        <a:latin typeface="Cambria Math" panose="02040503050406030204" pitchFamily="18" charset="0"/>
+                      </a:rPr>
+                      <m:t>=1</m:t>
+                    </m:r>
+                  </m:oMath>
+                </a14:m>
+                <a:endParaRPr lang="en-US" dirty="0"/>
+              </a:p>
+              <a:p>
+                <a:pPr lvl="1"/>
+                <a:r>
+                  <a:rPr lang="en-US" dirty="0"/>
+                  <a:t>Assume gamma = 0.5 and that we see the transition in 2 consecutive episodes</a:t>
+                </a:r>
+              </a:p>
+              <a:p>
+                <a:r>
+                  <a:rPr lang="en-US" dirty="0"/>
+                  <a:t>With normalization both for calculating V and reward assignment</a:t>
+                </a:r>
+              </a:p>
+              <a:p>
+                <a:pPr lvl="1"/>
+                <a:r>
+                  <a:rPr lang="en-US" dirty="0"/>
+                  <a:t>In episode 0: </a:t>
+                </a:r>
+                <a14:m>
+                  <m:oMath xmlns:m="http://schemas.openxmlformats.org/officeDocument/2006/math">
+                    <m:sSup>
+                      <m:sSupPr>
+                        <m:ctrlPr>
+                          <a:rPr lang="en-US" i="1">
+                            <a:latin typeface="Cambria Math" panose="02040503050406030204" pitchFamily="18" charset="0"/>
+                          </a:rPr>
+                        </m:ctrlPr>
+                      </m:sSupPr>
+                      <m:e>
+                        <m:r>
+                          <a:rPr lang="en-US" i="1">
+                            <a:latin typeface="Cambria Math" panose="02040503050406030204" pitchFamily="18" charset="0"/>
+                          </a:rPr>
+                          <m:t>𝐸</m:t>
+                        </m:r>
+                      </m:e>
+                      <m:sup>
+                        <m:r>
+                          <a:rPr lang="en-US" i="1">
+                            <a:latin typeface="Cambria Math" panose="02040503050406030204" pitchFamily="18" charset="0"/>
+                          </a:rPr>
+                          <m:t>𝑡</m:t>
+                        </m:r>
+                      </m:sup>
+                    </m:sSup>
+                    <m:r>
+                      <a:rPr lang="en-US" i="1">
+                        <a:latin typeface="Cambria Math" panose="02040503050406030204" pitchFamily="18" charset="0"/>
+                      </a:rPr>
+                      <m:t>=1⇒</m:t>
+                    </m:r>
+                    <m:sSubSup>
+                      <m:sSubSupPr>
+                        <m:ctrlPr>
+                          <a:rPr lang="en-US" i="1">
+                            <a:latin typeface="Cambria Math" panose="02040503050406030204" pitchFamily="18" charset="0"/>
+                          </a:rPr>
+                        </m:ctrlPr>
+                      </m:sSubSupPr>
+                      <m:e>
+                        <m:r>
+                          <a:rPr lang="en-US" i="1">
+                            <a:latin typeface="Cambria Math" panose="02040503050406030204" pitchFamily="18" charset="0"/>
+                          </a:rPr>
+                          <m:t>𝑉</m:t>
+                        </m:r>
+                      </m:e>
+                      <m:sub>
+                        <m:r>
+                          <a:rPr lang="en-US" i="1">
+                            <a:latin typeface="Cambria Math" panose="02040503050406030204" pitchFamily="18" charset="0"/>
+                          </a:rPr>
+                          <m:t>1</m:t>
+                        </m:r>
+                      </m:sub>
+                      <m:sup>
+                        <m:r>
+                          <a:rPr lang="en-US" i="1">
+                            <a:latin typeface="Cambria Math" panose="02040503050406030204" pitchFamily="18" charset="0"/>
+                          </a:rPr>
+                          <m:t>𝑡</m:t>
+                        </m:r>
+                        <m:r>
+                          <a:rPr lang="en-US" i="1">
+                            <a:latin typeface="Cambria Math" panose="02040503050406030204" pitchFamily="18" charset="0"/>
+                          </a:rPr>
+                          <m:t>+1</m:t>
+                        </m:r>
+                      </m:sup>
+                    </m:sSubSup>
+                    <m:r>
+                      <a:rPr lang="en-US" i="1">
+                        <a:latin typeface="Cambria Math" panose="02040503050406030204" pitchFamily="18" charset="0"/>
+                      </a:rPr>
+                      <m:t>=</m:t>
+                    </m:r>
+                    <m:d>
+                      <m:dPr>
+                        <m:ctrlPr>
+                          <a:rPr lang="en-US" b="0" i="1" smtClean="0">
+                            <a:latin typeface="Cambria Math" panose="02040503050406030204" pitchFamily="18" charset="0"/>
+                          </a:rPr>
+                        </m:ctrlPr>
+                      </m:dPr>
+                      <m:e>
+                        <m:r>
+                          <a:rPr lang="en-US" b="0" i="1" smtClean="0">
+                            <a:latin typeface="Cambria Math" panose="02040503050406030204" pitchFamily="18" charset="0"/>
+                          </a:rPr>
+                          <m:t>0.1</m:t>
+                        </m:r>
+                      </m:e>
+                    </m:d>
+                    <m:r>
+                      <a:rPr lang="en-US" b="0" i="1" smtClean="0">
+                        <a:latin typeface="Cambria Math" panose="02040503050406030204" pitchFamily="18" charset="0"/>
+                      </a:rPr>
+                      <m:t>∗1=0.1</m:t>
+                    </m:r>
+                  </m:oMath>
+                </a14:m>
+                <a:endParaRPr lang="en-US" dirty="0"/>
+              </a:p>
+              <a:p>
+                <a:pPr lvl="1"/>
+                <a:r>
+                  <a:rPr lang="en-US" dirty="0"/>
+                  <a:t>In episode 1: </a:t>
+                </a:r>
+                <a14:m>
+                  <m:oMath xmlns:m="http://schemas.openxmlformats.org/officeDocument/2006/math">
+                    <m:sSup>
+                      <m:sSupPr>
+                        <m:ctrlPr>
+                          <a:rPr lang="en-US" i="1">
+                            <a:latin typeface="Cambria Math" panose="02040503050406030204" pitchFamily="18" charset="0"/>
+                          </a:rPr>
+                        </m:ctrlPr>
+                      </m:sSupPr>
+                      <m:e>
+                        <m:r>
+                          <a:rPr lang="en-US" i="1">
+                            <a:latin typeface="Cambria Math" panose="02040503050406030204" pitchFamily="18" charset="0"/>
+                          </a:rPr>
+                          <m:t>𝐸</m:t>
+                        </m:r>
+                      </m:e>
+                      <m:sup>
+                        <m:r>
+                          <a:rPr lang="en-US" i="1">
+                            <a:latin typeface="Cambria Math" panose="02040503050406030204" pitchFamily="18" charset="0"/>
+                          </a:rPr>
+                          <m:t>𝑡</m:t>
+                        </m:r>
+                      </m:sup>
+                    </m:sSup>
+                    <m:r>
+                      <a:rPr lang="en-US" i="1">
+                        <a:latin typeface="Cambria Math" panose="02040503050406030204" pitchFamily="18" charset="0"/>
+                      </a:rPr>
+                      <m:t>=1+</m:t>
+                    </m:r>
+                    <m:r>
+                      <a:rPr lang="en-US" b="0" i="1" smtClean="0">
+                        <a:latin typeface="Cambria Math" panose="02040503050406030204" pitchFamily="18" charset="0"/>
+                      </a:rPr>
+                      <m:t>0.5∗</m:t>
+                    </m:r>
+                    <m:d>
+                      <m:dPr>
+                        <m:ctrlPr>
+                          <a:rPr lang="en-US" b="0" i="1" smtClean="0">
+                            <a:latin typeface="Cambria Math" panose="02040503050406030204" pitchFamily="18" charset="0"/>
+                          </a:rPr>
+                        </m:ctrlPr>
+                      </m:dPr>
+                      <m:e>
+                        <m:f>
+                          <m:fPr>
+                            <m:ctrlPr>
+                              <a:rPr lang="en-US" b="0" i="1" smtClean="0">
+                                <a:latin typeface="Cambria Math" panose="02040503050406030204" pitchFamily="18" charset="0"/>
+                              </a:rPr>
+                            </m:ctrlPr>
+                          </m:fPr>
+                          <m:num>
+                            <m:r>
+                              <a:rPr lang="en-US" i="1">
+                                <a:latin typeface="Cambria Math" panose="02040503050406030204" pitchFamily="18" charset="0"/>
+                              </a:rPr>
+                              <m:t>0.5</m:t>
+                            </m:r>
+                          </m:num>
+                          <m:den>
+                            <m:r>
+                              <a:rPr lang="en-US" b="0" i="1" smtClean="0">
+                                <a:latin typeface="Cambria Math" panose="02040503050406030204" pitchFamily="18" charset="0"/>
+                              </a:rPr>
+                              <m:t>0.5</m:t>
+                            </m:r>
+                          </m:den>
+                        </m:f>
+                      </m:e>
+                    </m:d>
+                    <m:r>
+                      <a:rPr lang="en-US" i="1">
+                        <a:latin typeface="Cambria Math" panose="02040503050406030204" pitchFamily="18" charset="0"/>
+                      </a:rPr>
+                      <m:t>∗</m:t>
+                    </m:r>
+                    <m:r>
+                      <a:rPr lang="en-US" b="0" i="1" smtClean="0">
+                        <a:latin typeface="Cambria Math" panose="02040503050406030204" pitchFamily="18" charset="0"/>
+                      </a:rPr>
+                      <m:t>0.1</m:t>
+                    </m:r>
+                    <m:r>
+                      <a:rPr lang="en-US" i="1">
+                        <a:latin typeface="Cambria Math" panose="02040503050406030204" pitchFamily="18" charset="0"/>
+                      </a:rPr>
+                      <m:t>−</m:t>
+                    </m:r>
+                    <m:d>
+                      <m:dPr>
+                        <m:ctrlPr>
+                          <a:rPr lang="en-US" b="0" i="1" smtClean="0">
+                            <a:latin typeface="Cambria Math" panose="02040503050406030204" pitchFamily="18" charset="0"/>
+                          </a:rPr>
+                        </m:ctrlPr>
+                      </m:dPr>
+                      <m:e>
+                        <m:f>
+                          <m:fPr>
+                            <m:ctrlPr>
+                              <a:rPr lang="en-US" b="0" i="1" smtClean="0">
+                                <a:latin typeface="Cambria Math" panose="02040503050406030204" pitchFamily="18" charset="0"/>
+                              </a:rPr>
+                            </m:ctrlPr>
+                          </m:fPr>
+                          <m:num>
+                            <m:r>
+                              <a:rPr lang="en-US" i="1">
+                                <a:latin typeface="Cambria Math" panose="02040503050406030204" pitchFamily="18" charset="0"/>
+                              </a:rPr>
+                              <m:t>0.1</m:t>
+                            </m:r>
+                          </m:num>
+                          <m:den>
+                            <m:r>
+                              <a:rPr lang="en-US" b="0" i="1" smtClean="0">
+                                <a:latin typeface="Cambria Math" panose="02040503050406030204" pitchFamily="18" charset="0"/>
+                              </a:rPr>
+                              <m:t>0.1</m:t>
+                            </m:r>
+                          </m:den>
+                        </m:f>
+                      </m:e>
+                    </m:d>
+                    <m:r>
+                      <a:rPr lang="en-US" i="1">
+                        <a:latin typeface="Cambria Math" panose="02040503050406030204" pitchFamily="18" charset="0"/>
+                      </a:rPr>
+                      <m:t>∗</m:t>
+                    </m:r>
+                    <m:r>
+                      <a:rPr lang="en-US" b="0" i="1" smtClean="0">
+                        <a:latin typeface="Cambria Math" panose="02040503050406030204" pitchFamily="18" charset="0"/>
+                      </a:rPr>
+                      <m:t>0.1</m:t>
+                    </m:r>
+                    <m:r>
+                      <a:rPr lang="en-US" i="1">
+                        <a:latin typeface="Cambria Math" panose="02040503050406030204" pitchFamily="18" charset="0"/>
+                      </a:rPr>
+                      <m:t>=</m:t>
+                    </m:r>
+                    <m:r>
+                      <a:rPr lang="en-US" b="0" i="1" smtClean="0">
+                        <a:latin typeface="Cambria Math" panose="02040503050406030204" pitchFamily="18" charset="0"/>
+                      </a:rPr>
+                      <m:t>0.95</m:t>
+                    </m:r>
+                  </m:oMath>
+                </a14:m>
+                <a:br>
+                  <a:rPr lang="en-US" b="0" i="1" dirty="0">
+                    <a:latin typeface="Cambria Math" panose="02040503050406030204" pitchFamily="18" charset="0"/>
+                  </a:rPr>
+                </a:br>
+                <a:r>
+                  <a:rPr lang="en-US" b="0" i="1" dirty="0">
+                    <a:latin typeface="Cambria Math" panose="02040503050406030204" pitchFamily="18" charset="0"/>
+                  </a:rPr>
+                  <a:t>                   </a:t>
+                </a:r>
+                <a14:m>
+                  <m:oMath xmlns:m="http://schemas.openxmlformats.org/officeDocument/2006/math">
+                    <m:r>
+                      <a:rPr lang="en-US" i="1">
+                        <a:latin typeface="Cambria Math" panose="02040503050406030204" pitchFamily="18" charset="0"/>
+                      </a:rPr>
+                      <m:t>⇒</m:t>
+                    </m:r>
+                    <m:sSubSup>
+                      <m:sSubSupPr>
+                        <m:ctrlPr>
+                          <a:rPr lang="en-US" i="1">
+                            <a:latin typeface="Cambria Math" panose="02040503050406030204" pitchFamily="18" charset="0"/>
+                          </a:rPr>
+                        </m:ctrlPr>
+                      </m:sSubSupPr>
+                      <m:e>
+                        <m:r>
+                          <a:rPr lang="en-US" i="1">
+                            <a:latin typeface="Cambria Math" panose="02040503050406030204" pitchFamily="18" charset="0"/>
+                          </a:rPr>
+                          <m:t>𝑉</m:t>
+                        </m:r>
+                      </m:e>
+                      <m:sub>
+                        <m:r>
+                          <a:rPr lang="en-US" i="1">
+                            <a:latin typeface="Cambria Math" panose="02040503050406030204" pitchFamily="18" charset="0"/>
+                          </a:rPr>
+                          <m:t>1</m:t>
+                        </m:r>
+                      </m:sub>
+                      <m:sup>
+                        <m:r>
+                          <a:rPr lang="en-US" i="1">
+                            <a:latin typeface="Cambria Math" panose="02040503050406030204" pitchFamily="18" charset="0"/>
+                          </a:rPr>
+                          <m:t>𝑡</m:t>
+                        </m:r>
+                        <m:r>
+                          <a:rPr lang="en-US" i="1">
+                            <a:latin typeface="Cambria Math" panose="02040503050406030204" pitchFamily="18" charset="0"/>
+                          </a:rPr>
+                          <m:t>+1</m:t>
+                        </m:r>
+                      </m:sup>
+                    </m:sSubSup>
+                    <m:r>
+                      <a:rPr lang="en-US" i="1">
+                        <a:latin typeface="Cambria Math" panose="02040503050406030204" pitchFamily="18" charset="0"/>
+                      </a:rPr>
+                      <m:t>=</m:t>
+                    </m:r>
+                    <m:r>
+                      <a:rPr lang="en-US" b="0" i="1" smtClean="0">
+                        <a:latin typeface="Cambria Math" panose="02040503050406030204" pitchFamily="18" charset="0"/>
+                      </a:rPr>
+                      <m:t>1+0.95</m:t>
+                    </m:r>
+                  </m:oMath>
+                </a14:m>
+                <a:endParaRPr lang="en-US" dirty="0"/>
+              </a:p>
+              <a:p>
+                <a:pPr lvl="1"/>
+                <a:r>
+                  <a:rPr lang="en-US" dirty="0"/>
+                  <a:t>In general, error at time t will be:  </a:t>
+                </a:r>
+                <a14:m>
+                  <m:oMath xmlns:m="http://schemas.openxmlformats.org/officeDocument/2006/math">
+                    <m:sSup>
+                      <m:sSupPr>
+                        <m:ctrlPr>
+                          <a:rPr lang="en-US" i="1">
+                            <a:latin typeface="Cambria Math" panose="02040503050406030204" pitchFamily="18" charset="0"/>
+                          </a:rPr>
+                        </m:ctrlPr>
+                      </m:sSupPr>
+                      <m:e>
+                        <m:r>
+                          <a:rPr lang="en-US" i="1">
+                            <a:latin typeface="Cambria Math" panose="02040503050406030204" pitchFamily="18" charset="0"/>
+                          </a:rPr>
+                          <m:t>𝐸</m:t>
+                        </m:r>
+                      </m:e>
+                      <m:sup>
+                        <m:r>
+                          <a:rPr lang="en-US" i="1">
+                            <a:latin typeface="Cambria Math" panose="02040503050406030204" pitchFamily="18" charset="0"/>
+                          </a:rPr>
+                          <m:t>𝑡</m:t>
+                        </m:r>
+                      </m:sup>
+                    </m:sSup>
+                    <m:r>
+                      <a:rPr lang="en-US" i="1">
+                        <a:latin typeface="Cambria Math" panose="02040503050406030204" pitchFamily="18" charset="0"/>
+                      </a:rPr>
+                      <m:t>=1+0.5∗</m:t>
+                    </m:r>
+                    <m:sSubSup>
+                      <m:sSubSupPr>
+                        <m:ctrlPr>
+                          <a:rPr lang="en-US" b="0" i="1" smtClean="0">
+                            <a:latin typeface="Cambria Math" panose="02040503050406030204" pitchFamily="18" charset="0"/>
+                          </a:rPr>
+                        </m:ctrlPr>
+                      </m:sSubSupPr>
+                      <m:e>
+                        <m:r>
+                          <a:rPr lang="en-US" i="1">
+                            <a:latin typeface="Cambria Math" panose="02040503050406030204" pitchFamily="18" charset="0"/>
+                          </a:rPr>
+                          <m:t>𝑉</m:t>
+                        </m:r>
+                      </m:e>
+                      <m:sub>
+                        <m:r>
+                          <a:rPr lang="en-US" b="0" i="1" smtClean="0">
+                            <a:latin typeface="Cambria Math" panose="02040503050406030204" pitchFamily="18" charset="0"/>
+                          </a:rPr>
+                          <m:t>1</m:t>
+                        </m:r>
+                      </m:sub>
+                      <m:sup>
+                        <m:r>
+                          <a:rPr lang="en-US" i="1">
+                            <a:latin typeface="Cambria Math" panose="02040503050406030204" pitchFamily="18" charset="0"/>
+                          </a:rPr>
+                          <m:t>𝑡</m:t>
+                        </m:r>
+                      </m:sup>
+                    </m:sSubSup>
+                    <m:r>
+                      <a:rPr lang="en-US" i="1">
+                        <a:latin typeface="Cambria Math" panose="02040503050406030204" pitchFamily="18" charset="0"/>
+                      </a:rPr>
+                      <m:t>−</m:t>
+                    </m:r>
+                    <m:sSubSup>
+                      <m:sSubSupPr>
+                        <m:ctrlPr>
+                          <a:rPr lang="en-US" b="0" i="1" smtClean="0">
+                            <a:latin typeface="Cambria Math" panose="02040503050406030204" pitchFamily="18" charset="0"/>
+                          </a:rPr>
+                        </m:ctrlPr>
+                      </m:sSubSupPr>
+                      <m:e>
+                        <m:r>
+                          <a:rPr lang="en-US" i="1">
+                            <a:latin typeface="Cambria Math" panose="02040503050406030204" pitchFamily="18" charset="0"/>
+                          </a:rPr>
+                          <m:t>𝑉</m:t>
+                        </m:r>
+                      </m:e>
+                      <m:sub>
+                        <m:r>
+                          <a:rPr lang="en-US" b="0" i="1" smtClean="0">
+                            <a:latin typeface="Cambria Math" panose="02040503050406030204" pitchFamily="18" charset="0"/>
+                          </a:rPr>
+                          <m:t>1</m:t>
+                        </m:r>
+                      </m:sub>
+                      <m:sup>
+                        <m:r>
+                          <a:rPr lang="en-US" i="1">
+                            <a:latin typeface="Cambria Math" panose="02040503050406030204" pitchFamily="18" charset="0"/>
+                          </a:rPr>
+                          <m:t>𝑡</m:t>
+                        </m:r>
+                      </m:sup>
+                    </m:sSubSup>
+                    <m:r>
+                      <a:rPr lang="en-US" i="1">
+                        <a:latin typeface="Cambria Math" panose="02040503050406030204" pitchFamily="18" charset="0"/>
+                      </a:rPr>
+                      <m:t>=1</m:t>
+                    </m:r>
+                    <m:r>
+                      <a:rPr lang="en-US" b="0" i="1" smtClean="0">
+                        <a:latin typeface="Cambria Math" panose="02040503050406030204" pitchFamily="18" charset="0"/>
+                      </a:rPr>
+                      <m:t>−</m:t>
+                    </m:r>
+                    <m:r>
+                      <a:rPr lang="en-US" i="1">
+                        <a:latin typeface="Cambria Math" panose="02040503050406030204" pitchFamily="18" charset="0"/>
+                      </a:rPr>
+                      <m:t>0.</m:t>
+                    </m:r>
+                    <m:r>
+                      <a:rPr lang="en-US" b="0" i="1" smtClean="0">
+                        <a:latin typeface="Cambria Math" panose="02040503050406030204" pitchFamily="18" charset="0"/>
+                      </a:rPr>
+                      <m:t>5</m:t>
+                    </m:r>
+                    <m:sSup>
+                      <m:sSupPr>
+                        <m:ctrlPr>
+                          <a:rPr lang="en-US" i="1">
+                            <a:latin typeface="Cambria Math" panose="02040503050406030204" pitchFamily="18" charset="0"/>
+                          </a:rPr>
+                        </m:ctrlPr>
+                      </m:sSupPr>
+                      <m:e>
+                        <m:r>
+                          <a:rPr lang="en-US" i="1">
+                            <a:latin typeface="Cambria Math" panose="02040503050406030204" pitchFamily="18" charset="0"/>
+                          </a:rPr>
+                          <m:t>𝑉</m:t>
+                        </m:r>
+                      </m:e>
+                      <m:sup>
+                        <m:r>
+                          <a:rPr lang="en-US" i="1">
+                            <a:latin typeface="Cambria Math" panose="02040503050406030204" pitchFamily="18" charset="0"/>
+                          </a:rPr>
+                          <m:t>𝑡</m:t>
+                        </m:r>
+                      </m:sup>
+                    </m:sSup>
+                  </m:oMath>
+                </a14:m>
+                <a:br>
+                  <a:rPr lang="en-US" dirty="0"/>
+                </a:br>
+                <a:r>
+                  <a:rPr lang="en-US" dirty="0"/>
+                  <a:t>thus: </a:t>
+                </a:r>
+                <a14:m>
+                  <m:oMath xmlns:m="http://schemas.openxmlformats.org/officeDocument/2006/math">
+                    <m:sSubSup>
+                      <m:sSubSupPr>
+                        <m:ctrlPr>
+                          <a:rPr lang="en-US" i="1">
+                            <a:latin typeface="Cambria Math" panose="02040503050406030204" pitchFamily="18" charset="0"/>
+                          </a:rPr>
+                        </m:ctrlPr>
+                      </m:sSubSupPr>
+                      <m:e>
+                        <m:r>
+                          <a:rPr lang="en-US" i="1">
+                            <a:latin typeface="Cambria Math" panose="02040503050406030204" pitchFamily="18" charset="0"/>
+                          </a:rPr>
+                          <m:t>𝑉</m:t>
+                        </m:r>
+                      </m:e>
+                      <m:sub>
+                        <m:r>
+                          <a:rPr lang="en-US" i="1">
+                            <a:latin typeface="Cambria Math" panose="02040503050406030204" pitchFamily="18" charset="0"/>
+                          </a:rPr>
+                          <m:t>1</m:t>
+                        </m:r>
+                      </m:sub>
+                      <m:sup>
+                        <m:r>
+                          <a:rPr lang="en-US" i="1">
+                            <a:latin typeface="Cambria Math" panose="02040503050406030204" pitchFamily="18" charset="0"/>
+                          </a:rPr>
+                          <m:t>𝑡</m:t>
+                        </m:r>
+                        <m:r>
+                          <a:rPr lang="en-US" i="1">
+                            <a:latin typeface="Cambria Math" panose="02040503050406030204" pitchFamily="18" charset="0"/>
+                          </a:rPr>
+                          <m:t>+1</m:t>
+                        </m:r>
+                      </m:sup>
+                    </m:sSubSup>
+                    <m:r>
+                      <a:rPr lang="en-US" i="1">
+                        <a:latin typeface="Cambria Math" panose="02040503050406030204" pitchFamily="18" charset="0"/>
+                      </a:rPr>
+                      <m:t>=</m:t>
+                    </m:r>
+                    <m:sSubSup>
+                      <m:sSubSupPr>
+                        <m:ctrlPr>
+                          <a:rPr lang="en-US" b="0" i="1" smtClean="0">
+                            <a:latin typeface="Cambria Math" panose="02040503050406030204" pitchFamily="18" charset="0"/>
+                          </a:rPr>
+                        </m:ctrlPr>
+                      </m:sSubSupPr>
+                      <m:e>
+                        <m:r>
+                          <a:rPr lang="en-US" b="0" i="1" smtClean="0">
+                            <a:latin typeface="Cambria Math" panose="02040503050406030204" pitchFamily="18" charset="0"/>
+                          </a:rPr>
+                          <m:t>𝑉</m:t>
+                        </m:r>
+                      </m:e>
+                      <m:sub>
+                        <m:r>
+                          <a:rPr lang="en-US" b="0" i="1" smtClean="0">
+                            <a:latin typeface="Cambria Math" panose="02040503050406030204" pitchFamily="18" charset="0"/>
+                          </a:rPr>
+                          <m:t>1</m:t>
+                        </m:r>
+                      </m:sub>
+                      <m:sup>
+                        <m:r>
+                          <a:rPr lang="en-US" b="0" i="1" smtClean="0">
+                            <a:latin typeface="Cambria Math" panose="02040503050406030204" pitchFamily="18" charset="0"/>
+                          </a:rPr>
+                          <m:t>𝑡</m:t>
+                        </m:r>
+                      </m:sup>
+                    </m:sSubSup>
+                    <m:r>
+                      <a:rPr lang="en-US" b="0" i="1" smtClean="0">
+                        <a:latin typeface="Cambria Math" panose="02040503050406030204" pitchFamily="18" charset="0"/>
+                      </a:rPr>
+                      <m:t>+0.1∗</m:t>
+                    </m:r>
+                    <m:d>
+                      <m:dPr>
+                        <m:ctrlPr>
+                          <a:rPr lang="en-US" i="1">
+                            <a:latin typeface="Cambria Math" panose="02040503050406030204" pitchFamily="18" charset="0"/>
+                          </a:rPr>
+                        </m:ctrlPr>
+                      </m:dPr>
+                      <m:e>
+                        <m:r>
+                          <a:rPr lang="en-US" i="1">
+                            <a:latin typeface="Cambria Math" panose="02040503050406030204" pitchFamily="18" charset="0"/>
+                          </a:rPr>
+                          <m:t>1</m:t>
+                        </m:r>
+                        <m:r>
+                          <a:rPr lang="en-US" b="0" i="1" smtClean="0">
+                            <a:latin typeface="Cambria Math" panose="02040503050406030204" pitchFamily="18" charset="0"/>
+                          </a:rPr>
+                          <m:t>−</m:t>
+                        </m:r>
+                        <m:r>
+                          <a:rPr lang="en-US" i="1">
+                            <a:latin typeface="Cambria Math" panose="02040503050406030204" pitchFamily="18" charset="0"/>
+                          </a:rPr>
+                          <m:t>0.</m:t>
+                        </m:r>
+                        <m:r>
+                          <a:rPr lang="en-US" b="0" i="1" smtClean="0">
+                            <a:latin typeface="Cambria Math" panose="02040503050406030204" pitchFamily="18" charset="0"/>
+                          </a:rPr>
+                          <m:t>5</m:t>
+                        </m:r>
+                        <m:sSup>
+                          <m:sSupPr>
+                            <m:ctrlPr>
+                              <a:rPr lang="en-US" i="1" smtClean="0">
+                                <a:latin typeface="Cambria Math" panose="02040503050406030204" pitchFamily="18" charset="0"/>
+                              </a:rPr>
+                            </m:ctrlPr>
+                          </m:sSupPr>
+                          <m:e>
+                            <m:r>
+                              <a:rPr lang="en-US" i="1">
+                                <a:latin typeface="Cambria Math" panose="02040503050406030204" pitchFamily="18" charset="0"/>
+                              </a:rPr>
+                              <m:t>𝑉</m:t>
+                            </m:r>
+                          </m:e>
+                          <m:sup>
+                            <m:r>
+                              <a:rPr lang="en-US" i="1">
+                                <a:latin typeface="Cambria Math" panose="02040503050406030204" pitchFamily="18" charset="0"/>
+                              </a:rPr>
+                              <m:t>𝑡</m:t>
+                            </m:r>
+                          </m:sup>
+                        </m:sSup>
+                      </m:e>
+                    </m:d>
+                    <m:r>
+                      <a:rPr lang="en-US" i="1">
+                        <a:latin typeface="Cambria Math" panose="02040503050406030204" pitchFamily="18" charset="0"/>
+                      </a:rPr>
+                      <m:t>=</m:t>
+                    </m:r>
+                    <m:r>
+                      <a:rPr lang="en-US" b="0" i="1" smtClean="0">
+                        <a:latin typeface="Cambria Math" panose="02040503050406030204" pitchFamily="18" charset="0"/>
+                      </a:rPr>
+                      <m:t>0.1</m:t>
+                    </m:r>
+                    <m:r>
+                      <a:rPr lang="en-US" i="1">
+                        <a:latin typeface="Cambria Math" panose="02040503050406030204" pitchFamily="18" charset="0"/>
+                      </a:rPr>
+                      <m:t>+</m:t>
+                    </m:r>
+                    <m:r>
+                      <a:rPr lang="en-US" b="0" i="1" smtClean="0">
+                        <a:latin typeface="Cambria Math" panose="02040503050406030204" pitchFamily="18" charset="0"/>
+                      </a:rPr>
+                      <m:t>0.95</m:t>
+                    </m:r>
+                    <m:sSup>
+                      <m:sSupPr>
+                        <m:ctrlPr>
+                          <a:rPr lang="en-US" i="1">
+                            <a:latin typeface="Cambria Math" panose="02040503050406030204" pitchFamily="18" charset="0"/>
+                          </a:rPr>
+                        </m:ctrlPr>
+                      </m:sSupPr>
+                      <m:e>
+                        <m:r>
+                          <a:rPr lang="en-US" i="1">
+                            <a:latin typeface="Cambria Math" panose="02040503050406030204" pitchFamily="18" charset="0"/>
+                          </a:rPr>
+                          <m:t>𝑉</m:t>
+                        </m:r>
+                      </m:e>
+                      <m:sup>
+                        <m:r>
+                          <a:rPr lang="en-US" i="1">
+                            <a:latin typeface="Cambria Math" panose="02040503050406030204" pitchFamily="18" charset="0"/>
+                          </a:rPr>
+                          <m:t>𝑡</m:t>
+                        </m:r>
+                      </m:sup>
+                    </m:sSup>
+                  </m:oMath>
+                </a14:m>
+                <a:r>
+                  <a:rPr lang="en-US" dirty="0"/>
+                  <a:t>  </a:t>
+                </a:r>
+                <a:br>
+                  <a:rPr lang="en-US" dirty="0"/>
+                </a:br>
+                <a:r>
+                  <a:rPr lang="en-US" dirty="0"/>
+                  <a:t>which increases exponentially, increase is not as bad as first case but worse than second</a:t>
+                </a:r>
+              </a:p>
+            </p:txBody>
+          </p:sp>
+        </mc:Choice>
+        <mc:Fallback>
+          <p:sp>
+            <p:nvSpPr>
+              <p:cNvPr id="3" name="Content Placeholder 2">
+                <a:extLst>
+                  <a:ext uri="{FF2B5EF4-FFF2-40B4-BE49-F238E27FC236}">
+                    <a16:creationId xmlns:a16="http://schemas.microsoft.com/office/drawing/2014/main" id="{A9E686FB-7AFB-4126-AF68-733D4183EB78}"/>
+                  </a:ext>
+                </a:extLst>
+              </p:cNvPr>
+              <p:cNvSpPr>
+                <a:spLocks noGrp="1" noRot="1" noChangeAspect="1" noMove="1" noResize="1" noEditPoints="1" noAdjustHandles="1" noChangeArrowheads="1" noChangeShapeType="1" noTextEdit="1"/>
+              </p:cNvSpPr>
+              <p:nvPr>
+                <p:ph idx="1"/>
+              </p:nvPr>
+            </p:nvSpPr>
+            <p:spPr>
+              <a:blipFill>
+                <a:blip r:embed="rId2"/>
+                <a:stretch>
+                  <a:fillRect l="-1043" t="-3081" r="-638"/>
+                </a:stretch>
+              </a:blipFill>
+            </p:spPr>
+            <p:txBody>
+              <a:bodyPr/>
+              <a:lstStyle/>
+              <a:p>
+                <a:r>
+                  <a:rPr lang="en-US">
+                    <a:noFill/>
+                  </a:rPr>
+                  <a:t> </a:t>
+                </a:r>
+              </a:p>
+            </p:txBody>
+          </p:sp>
+        </mc:Fallback>
+      </mc:AlternateContent>
+    </p:spTree>
+    <p:extLst>
+      <p:ext uri="{BB962C8B-B14F-4D97-AF65-F5344CB8AC3E}">
+        <p14:creationId xmlns:p14="http://schemas.microsoft.com/office/powerpoint/2010/main" val="430671506"/>
+      </p:ext>
+    </p:extLst>
+  </p:cSld>
+  <p:clrMapOvr>
+    <a:masterClrMapping/>
+  </p:clrMapOvr>
+</p:sld>
+</file>
+
+<file path=ppt/slides/slide19.xml><?xml version="1.0" encoding="utf-8"?>
+<p:sld xmlns:a="http://schemas.openxmlformats.org/drawingml/2006/main" xmlns:r="http://schemas.openxmlformats.org/officeDocument/2006/relationships" xmlns:p="http://schemas.openxmlformats.org/presentationml/2006/main">
+  <p:cSld>
+    <p:spTree>
+      <p:nvGrpSpPr>
+        <p:cNvPr id="1" name=""/>
+        <p:cNvGrpSpPr/>
+        <p:nvPr/>
+      </p:nvGrpSpPr>
+      <p:grpSpPr>
+        <a:xfrm>
+          <a:off x="0" y="0"/>
+          <a:ext cx="0" cy="0"/>
+          <a:chOff x="0" y="0"/>
+          <a:chExt cx="0" cy="0"/>
+        </a:xfrm>
+      </p:grpSpPr>
+      <p:sp>
+        <p:nvSpPr>
+          <p:cNvPr id="2" name="Title 1">
+            <a:extLst>
+              <a:ext uri="{FF2B5EF4-FFF2-40B4-BE49-F238E27FC236}">
+                <a16:creationId xmlns:a16="http://schemas.microsoft.com/office/drawing/2014/main" id="{9D9B395D-31CA-4777-B2E6-982B6B31B17D}"/>
+              </a:ext>
+            </a:extLst>
+          </p:cNvPr>
+          <p:cNvSpPr>
+            <a:spLocks noGrp="1"/>
+          </p:cNvSpPr>
+          <p:nvPr>
+            <p:ph type="title"/>
+          </p:nvPr>
+        </p:nvSpPr>
+        <p:spPr/>
+        <p:txBody>
+          <a:bodyPr/>
+          <a:lstStyle/>
+          <a:p>
+            <a:r>
+              <a:rPr lang="en-US" dirty="0"/>
+              <a:t>Issue 8 – simple example summary</a:t>
+            </a:r>
+          </a:p>
+        </p:txBody>
+      </p:sp>
+      <mc:AlternateContent xmlns:mc="http://schemas.openxmlformats.org/markup-compatibility/2006">
+        <mc:Choice xmlns:a14="http://schemas.microsoft.com/office/drawing/2010/main" Requires="a14">
+          <p:sp>
+            <p:nvSpPr>
+              <p:cNvPr id="3" name="Content Placeholder 2">
+                <a:extLst>
+                  <a:ext uri="{FF2B5EF4-FFF2-40B4-BE49-F238E27FC236}">
+                    <a16:creationId xmlns:a16="http://schemas.microsoft.com/office/drawing/2014/main" id="{1E64F840-F3B7-43F3-AECE-E936986F206C}"/>
+                  </a:ext>
+                </a:extLst>
+              </p:cNvPr>
+              <p:cNvSpPr>
+                <a:spLocks noGrp="1"/>
+              </p:cNvSpPr>
+              <p:nvPr>
+                <p:ph idx="1"/>
+              </p:nvPr>
+            </p:nvSpPr>
+            <p:spPr/>
+            <p:txBody>
+              <a:bodyPr>
+                <a:normAutofit/>
+              </a:bodyPr>
+              <a:lstStyle/>
+              <a:p>
+                <a:r>
+                  <a:rPr lang="en-US" dirty="0"/>
+                  <a:t>Two problems both related to the same cell coding both places:</a:t>
+                </a:r>
+              </a:p>
+              <a:p>
+                <a:pPr marL="457200" lvl="1" indent="0">
+                  <a:buNone/>
+                </a:pPr>
+                <a:r>
+                  <a:rPr lang="en-US" dirty="0"/>
+                  <a:t>Irrespectively of using normalization, the expected reward after the movement will be:   </a:t>
+                </a:r>
+                <a14:m>
+                  <m:oMath xmlns:m="http://schemas.openxmlformats.org/officeDocument/2006/math">
+                    <m:r>
+                      <a:rPr lang="en-US" b="0" i="1" smtClean="0">
+                        <a:latin typeface="Cambria Math" panose="02040503050406030204" pitchFamily="18" charset="0"/>
+                      </a:rPr>
+                      <m:t>𝑟</m:t>
+                    </m:r>
+                    <m:r>
+                      <a:rPr lang="en-US" b="0" i="1" smtClean="0">
+                        <a:latin typeface="Cambria Math" panose="02040503050406030204" pitchFamily="18" charset="0"/>
+                      </a:rPr>
+                      <m:t>+</m:t>
+                    </m:r>
+                    <m:r>
+                      <a:rPr lang="en-US" b="0" i="1" smtClean="0">
+                        <a:latin typeface="Cambria Math" panose="02040503050406030204" pitchFamily="18" charset="0"/>
+                      </a:rPr>
+                      <m:t>𝛾</m:t>
+                    </m:r>
+                    <m:sSub>
+                      <m:sSubPr>
+                        <m:ctrlPr>
+                          <a:rPr lang="en-US" b="0" i="1" smtClean="0">
+                            <a:latin typeface="Cambria Math" panose="02040503050406030204" pitchFamily="18" charset="0"/>
+                          </a:rPr>
+                        </m:ctrlPr>
+                      </m:sSubPr>
+                      <m:e>
+                        <m:r>
+                          <a:rPr lang="en-US" b="0" i="1" smtClean="0">
+                            <a:latin typeface="Cambria Math" panose="02040503050406030204" pitchFamily="18" charset="0"/>
+                          </a:rPr>
+                          <m:t>𝛼</m:t>
+                        </m:r>
+                      </m:e>
+                      <m:sub>
+                        <m:r>
+                          <a:rPr lang="en-US" b="0" i="1" smtClean="0">
+                            <a:latin typeface="Cambria Math" panose="02040503050406030204" pitchFamily="18" charset="0"/>
+                          </a:rPr>
+                          <m:t>2</m:t>
+                        </m:r>
+                      </m:sub>
+                    </m:sSub>
+                    <m:r>
+                      <a:rPr lang="en-US" b="0" i="1" smtClean="0">
+                        <a:latin typeface="Cambria Math" panose="02040503050406030204" pitchFamily="18" charset="0"/>
+                      </a:rPr>
+                      <m:t>𝑉</m:t>
+                    </m:r>
+                    <m:r>
+                      <a:rPr lang="en-US" b="0" i="1" smtClean="0">
+                        <a:latin typeface="Cambria Math" panose="02040503050406030204" pitchFamily="18" charset="0"/>
+                      </a:rPr>
+                      <m:t>−</m:t>
+                    </m:r>
+                    <m:sSub>
+                      <m:sSubPr>
+                        <m:ctrlPr>
+                          <a:rPr lang="en-US" b="0" i="1" smtClean="0">
+                            <a:latin typeface="Cambria Math" panose="02040503050406030204" pitchFamily="18" charset="0"/>
+                          </a:rPr>
+                        </m:ctrlPr>
+                      </m:sSubPr>
+                      <m:e>
+                        <m:r>
+                          <a:rPr lang="en-US" b="0" i="1" smtClean="0">
+                            <a:latin typeface="Cambria Math" panose="02040503050406030204" pitchFamily="18" charset="0"/>
+                          </a:rPr>
+                          <m:t>𝛼</m:t>
+                        </m:r>
+                      </m:e>
+                      <m:sub>
+                        <m:r>
+                          <a:rPr lang="en-US" b="0" i="1" smtClean="0">
+                            <a:latin typeface="Cambria Math" panose="02040503050406030204" pitchFamily="18" charset="0"/>
+                          </a:rPr>
+                          <m:t>1</m:t>
+                        </m:r>
+                      </m:sub>
+                    </m:sSub>
+                    <m:r>
+                      <a:rPr lang="en-US" b="0" i="1" smtClean="0">
+                        <a:latin typeface="Cambria Math" panose="02040503050406030204" pitchFamily="18" charset="0"/>
+                      </a:rPr>
+                      <m:t>𝑉</m:t>
+                    </m:r>
+                    <m:r>
+                      <a:rPr lang="en-US" b="0" i="1" smtClean="0">
+                        <a:latin typeface="Cambria Math" panose="02040503050406030204" pitchFamily="18" charset="0"/>
+                      </a:rPr>
+                      <m:t>=</m:t>
+                    </m:r>
+                    <m:r>
+                      <a:rPr lang="en-US" b="0" i="1" smtClean="0">
+                        <a:latin typeface="Cambria Math" panose="02040503050406030204" pitchFamily="18" charset="0"/>
+                      </a:rPr>
+                      <m:t>𝑟</m:t>
+                    </m:r>
+                    <m:r>
+                      <a:rPr lang="en-US" b="0" i="1" smtClean="0">
+                        <a:latin typeface="Cambria Math" panose="02040503050406030204" pitchFamily="18" charset="0"/>
+                      </a:rPr>
+                      <m:t>+</m:t>
+                    </m:r>
+                    <m:d>
+                      <m:dPr>
+                        <m:ctrlPr>
+                          <a:rPr lang="en-US" b="0" i="1" smtClean="0">
+                            <a:latin typeface="Cambria Math" panose="02040503050406030204" pitchFamily="18" charset="0"/>
+                          </a:rPr>
+                        </m:ctrlPr>
+                      </m:dPr>
+                      <m:e>
+                        <m:r>
+                          <a:rPr lang="en-US" b="0" i="1" smtClean="0">
+                            <a:latin typeface="Cambria Math" panose="02040503050406030204" pitchFamily="18" charset="0"/>
+                          </a:rPr>
+                          <m:t>𝛾</m:t>
+                        </m:r>
+                        <m:sSub>
+                          <m:sSubPr>
+                            <m:ctrlPr>
+                              <a:rPr lang="en-US" b="0" i="1" smtClean="0">
+                                <a:latin typeface="Cambria Math" panose="02040503050406030204" pitchFamily="18" charset="0"/>
+                              </a:rPr>
+                            </m:ctrlPr>
+                          </m:sSubPr>
+                          <m:e>
+                            <m:r>
+                              <a:rPr lang="en-US" b="0" i="1" smtClean="0">
+                                <a:latin typeface="Cambria Math" panose="02040503050406030204" pitchFamily="18" charset="0"/>
+                              </a:rPr>
+                              <m:t>𝛼</m:t>
+                            </m:r>
+                          </m:e>
+                          <m:sub>
+                            <m:r>
+                              <a:rPr lang="en-US" b="0" i="1" smtClean="0">
+                                <a:latin typeface="Cambria Math" panose="02040503050406030204" pitchFamily="18" charset="0"/>
+                              </a:rPr>
+                              <m:t>2</m:t>
+                            </m:r>
+                          </m:sub>
+                        </m:sSub>
+                        <m:r>
+                          <a:rPr lang="en-US" b="0" i="1" smtClean="0">
+                            <a:latin typeface="Cambria Math" panose="02040503050406030204" pitchFamily="18" charset="0"/>
+                          </a:rPr>
+                          <m:t>−</m:t>
+                        </m:r>
+                        <m:sSub>
+                          <m:sSubPr>
+                            <m:ctrlPr>
+                              <a:rPr lang="en-US" b="0" i="1" smtClean="0">
+                                <a:latin typeface="Cambria Math" panose="02040503050406030204" pitchFamily="18" charset="0"/>
+                              </a:rPr>
+                            </m:ctrlPr>
+                          </m:sSubPr>
+                          <m:e>
+                            <m:r>
+                              <a:rPr lang="en-US" b="0" i="1" smtClean="0">
+                                <a:latin typeface="Cambria Math" panose="02040503050406030204" pitchFamily="18" charset="0"/>
+                              </a:rPr>
+                              <m:t>𝛼</m:t>
+                            </m:r>
+                          </m:e>
+                          <m:sub>
+                            <m:r>
+                              <a:rPr lang="en-US" b="0" i="1" smtClean="0">
+                                <a:latin typeface="Cambria Math" panose="02040503050406030204" pitchFamily="18" charset="0"/>
+                              </a:rPr>
+                              <m:t>1</m:t>
+                            </m:r>
+                          </m:sub>
+                        </m:sSub>
+                      </m:e>
+                    </m:d>
+                    <m:r>
+                      <a:rPr lang="en-US" b="0" i="1" smtClean="0">
+                        <a:latin typeface="Cambria Math" panose="02040503050406030204" pitchFamily="18" charset="0"/>
+                      </a:rPr>
+                      <m:t>𝑉</m:t>
+                    </m:r>
+                  </m:oMath>
+                </a14:m>
+                <a:br>
+                  <a:rPr lang="en-US" dirty="0"/>
+                </a:br>
+                <a:r>
+                  <a:rPr lang="en-US" dirty="0"/>
+                  <a:t>which will generate the update:  </a:t>
+                </a:r>
+                <a14:m>
+                  <m:oMath xmlns:m="http://schemas.openxmlformats.org/officeDocument/2006/math">
+                    <m:r>
+                      <a:rPr lang="en-US" b="0" i="1" smtClean="0">
+                        <a:latin typeface="Cambria Math" panose="02040503050406030204" pitchFamily="18" charset="0"/>
+                      </a:rPr>
+                      <m:t>𝑉</m:t>
+                    </m:r>
+                    <m:r>
+                      <a:rPr lang="en-US" b="0" i="1" smtClean="0">
+                        <a:latin typeface="Cambria Math" panose="02040503050406030204" pitchFamily="18" charset="0"/>
+                      </a:rPr>
+                      <m:t>←</m:t>
+                    </m:r>
+                    <m:sSub>
+                      <m:sSubPr>
+                        <m:ctrlPr>
+                          <a:rPr lang="en-US" b="0" i="1" smtClean="0">
+                            <a:latin typeface="Cambria Math" panose="02040503050406030204" pitchFamily="18" charset="0"/>
+                          </a:rPr>
+                        </m:ctrlPr>
+                      </m:sSubPr>
+                      <m:e>
+                        <m:r>
+                          <a:rPr lang="en-US" b="0" i="1" smtClean="0">
+                            <a:latin typeface="Cambria Math" panose="02040503050406030204" pitchFamily="18" charset="0"/>
+                          </a:rPr>
+                          <m:t>𝛼</m:t>
+                        </m:r>
+                      </m:e>
+                      <m:sub>
+                        <m:r>
+                          <a:rPr lang="en-US" b="0" i="1" smtClean="0">
+                            <a:latin typeface="Cambria Math" panose="02040503050406030204" pitchFamily="18" charset="0"/>
+                          </a:rPr>
+                          <m:t>3</m:t>
+                        </m:r>
+                      </m:sub>
+                    </m:sSub>
+                    <m:r>
+                      <a:rPr lang="en-US" b="0" i="1" smtClean="0">
+                        <a:latin typeface="Cambria Math" panose="02040503050406030204" pitchFamily="18" charset="0"/>
+                      </a:rPr>
+                      <m:t>𝑟</m:t>
+                    </m:r>
+                    <m:r>
+                      <a:rPr lang="en-US" b="0" i="1" smtClean="0">
+                        <a:latin typeface="Cambria Math" panose="02040503050406030204" pitchFamily="18" charset="0"/>
+                      </a:rPr>
+                      <m:t>+</m:t>
+                    </m:r>
+                    <m:d>
+                      <m:dPr>
+                        <m:ctrlPr>
+                          <a:rPr lang="en-US" b="0" i="1" smtClean="0">
+                            <a:latin typeface="Cambria Math" panose="02040503050406030204" pitchFamily="18" charset="0"/>
+                          </a:rPr>
+                        </m:ctrlPr>
+                      </m:dPr>
+                      <m:e>
+                        <m:r>
+                          <a:rPr lang="en-US" b="0" i="1" smtClean="0">
+                            <a:latin typeface="Cambria Math" panose="02040503050406030204" pitchFamily="18" charset="0"/>
+                          </a:rPr>
+                          <m:t>1+</m:t>
+                        </m:r>
+                        <m:sSub>
+                          <m:sSubPr>
+                            <m:ctrlPr>
+                              <a:rPr lang="en-US" b="0" i="1" smtClean="0">
+                                <a:latin typeface="Cambria Math" panose="02040503050406030204" pitchFamily="18" charset="0"/>
+                              </a:rPr>
+                            </m:ctrlPr>
+                          </m:sSubPr>
+                          <m:e>
+                            <m:r>
+                              <a:rPr lang="en-US" b="0" i="1" smtClean="0">
+                                <a:latin typeface="Cambria Math" panose="02040503050406030204" pitchFamily="18" charset="0"/>
+                              </a:rPr>
+                              <m:t>𝛼</m:t>
+                            </m:r>
+                          </m:e>
+                          <m:sub>
+                            <m:r>
+                              <a:rPr lang="en-US" b="0" i="1" smtClean="0">
+                                <a:latin typeface="Cambria Math" panose="02040503050406030204" pitchFamily="18" charset="0"/>
+                              </a:rPr>
+                              <m:t>3</m:t>
+                            </m:r>
+                          </m:sub>
+                        </m:sSub>
+                        <m:r>
+                          <a:rPr lang="en-US" b="0" i="1" smtClean="0">
+                            <a:latin typeface="Cambria Math" panose="02040503050406030204" pitchFamily="18" charset="0"/>
+                          </a:rPr>
+                          <m:t>(</m:t>
+                        </m:r>
+                        <m:r>
+                          <a:rPr lang="en-US" b="0" i="1" smtClean="0">
+                            <a:latin typeface="Cambria Math" panose="02040503050406030204" pitchFamily="18" charset="0"/>
+                          </a:rPr>
+                          <m:t>𝛾</m:t>
+                        </m:r>
+                        <m:sSub>
+                          <m:sSubPr>
+                            <m:ctrlPr>
+                              <a:rPr lang="en-US" b="0" i="1" smtClean="0">
+                                <a:latin typeface="Cambria Math" panose="02040503050406030204" pitchFamily="18" charset="0"/>
+                              </a:rPr>
+                            </m:ctrlPr>
+                          </m:sSubPr>
+                          <m:e>
+                            <m:r>
+                              <a:rPr lang="en-US" b="0" i="1" smtClean="0">
+                                <a:latin typeface="Cambria Math" panose="02040503050406030204" pitchFamily="18" charset="0"/>
+                              </a:rPr>
+                              <m:t>𝛼</m:t>
+                            </m:r>
+                          </m:e>
+                          <m:sub>
+                            <m:r>
+                              <a:rPr lang="en-US" b="0" i="1" smtClean="0">
+                                <a:latin typeface="Cambria Math" panose="02040503050406030204" pitchFamily="18" charset="0"/>
+                              </a:rPr>
+                              <m:t>2</m:t>
+                            </m:r>
+                          </m:sub>
+                        </m:sSub>
+                        <m:r>
+                          <a:rPr lang="en-US" b="0" i="1" smtClean="0">
+                            <a:latin typeface="Cambria Math" panose="02040503050406030204" pitchFamily="18" charset="0"/>
+                          </a:rPr>
+                          <m:t>−</m:t>
+                        </m:r>
+                        <m:sSub>
+                          <m:sSubPr>
+                            <m:ctrlPr>
+                              <a:rPr lang="en-US" b="0" i="1" smtClean="0">
+                                <a:latin typeface="Cambria Math" panose="02040503050406030204" pitchFamily="18" charset="0"/>
+                              </a:rPr>
+                            </m:ctrlPr>
+                          </m:sSubPr>
+                          <m:e>
+                            <m:r>
+                              <a:rPr lang="en-US" b="0" i="1" smtClean="0">
+                                <a:latin typeface="Cambria Math" panose="02040503050406030204" pitchFamily="18" charset="0"/>
+                              </a:rPr>
+                              <m:t>𝛼</m:t>
+                            </m:r>
+                          </m:e>
+                          <m:sub>
+                            <m:r>
+                              <a:rPr lang="en-US" b="0" i="1" smtClean="0">
+                                <a:latin typeface="Cambria Math" panose="02040503050406030204" pitchFamily="18" charset="0"/>
+                              </a:rPr>
+                              <m:t>1</m:t>
+                            </m:r>
+                          </m:sub>
+                        </m:sSub>
+                        <m:r>
+                          <a:rPr lang="en-US" b="0" i="1" smtClean="0">
+                            <a:latin typeface="Cambria Math" panose="02040503050406030204" pitchFamily="18" charset="0"/>
+                          </a:rPr>
+                          <m:t>)</m:t>
+                        </m:r>
+                      </m:e>
+                    </m:d>
+                    <m:r>
+                      <a:rPr lang="en-US" b="0" i="1" smtClean="0">
+                        <a:latin typeface="Cambria Math" panose="02040503050406030204" pitchFamily="18" charset="0"/>
+                      </a:rPr>
+                      <m:t>𝑉</m:t>
+                    </m:r>
+                  </m:oMath>
+                </a14:m>
+                <a:br>
+                  <a:rPr lang="en-US" b="0" dirty="0"/>
+                </a:br>
+                <a:r>
+                  <a:rPr lang="en-US" b="0" dirty="0"/>
+                  <a:t>which results in exponential formulas if  </a:t>
+                </a:r>
+                <a14:m>
+                  <m:oMath xmlns:m="http://schemas.openxmlformats.org/officeDocument/2006/math">
+                    <m:d>
+                      <m:dPr>
+                        <m:ctrlPr>
+                          <a:rPr lang="en-US" i="1">
+                            <a:latin typeface="Cambria Math" panose="02040503050406030204" pitchFamily="18" charset="0"/>
+                          </a:rPr>
+                        </m:ctrlPr>
+                      </m:dPr>
+                      <m:e>
+                        <m:r>
+                          <a:rPr lang="en-US" i="1">
+                            <a:latin typeface="Cambria Math" panose="02040503050406030204" pitchFamily="18" charset="0"/>
+                          </a:rPr>
+                          <m:t>1+</m:t>
+                        </m:r>
+                        <m:sSub>
+                          <m:sSubPr>
+                            <m:ctrlPr>
+                              <a:rPr lang="en-US" i="1">
+                                <a:latin typeface="Cambria Math" panose="02040503050406030204" pitchFamily="18" charset="0"/>
+                              </a:rPr>
+                            </m:ctrlPr>
+                          </m:sSubPr>
+                          <m:e>
+                            <m:r>
+                              <a:rPr lang="en-US" i="1">
+                                <a:latin typeface="Cambria Math" panose="02040503050406030204" pitchFamily="18" charset="0"/>
+                              </a:rPr>
+                              <m:t>𝛼</m:t>
+                            </m:r>
+                          </m:e>
+                          <m:sub>
+                            <m:r>
+                              <a:rPr lang="en-US" i="1">
+                                <a:latin typeface="Cambria Math" panose="02040503050406030204" pitchFamily="18" charset="0"/>
+                              </a:rPr>
+                              <m:t>3</m:t>
+                            </m:r>
+                          </m:sub>
+                        </m:sSub>
+                        <m:r>
+                          <a:rPr lang="en-US" i="1">
+                            <a:latin typeface="Cambria Math" panose="02040503050406030204" pitchFamily="18" charset="0"/>
+                          </a:rPr>
+                          <m:t>(</m:t>
+                        </m:r>
+                        <m:r>
+                          <a:rPr lang="en-US" i="1">
+                            <a:latin typeface="Cambria Math" panose="02040503050406030204" pitchFamily="18" charset="0"/>
+                          </a:rPr>
+                          <m:t>𝛾</m:t>
+                        </m:r>
+                        <m:sSub>
+                          <m:sSubPr>
+                            <m:ctrlPr>
+                              <a:rPr lang="en-US" i="1">
+                                <a:latin typeface="Cambria Math" panose="02040503050406030204" pitchFamily="18" charset="0"/>
+                              </a:rPr>
+                            </m:ctrlPr>
+                          </m:sSubPr>
+                          <m:e>
+                            <m:r>
+                              <a:rPr lang="en-US" i="1">
+                                <a:latin typeface="Cambria Math" panose="02040503050406030204" pitchFamily="18" charset="0"/>
+                              </a:rPr>
+                              <m:t>𝛼</m:t>
+                            </m:r>
+                          </m:e>
+                          <m:sub>
+                            <m:r>
+                              <a:rPr lang="en-US" i="1">
+                                <a:latin typeface="Cambria Math" panose="02040503050406030204" pitchFamily="18" charset="0"/>
+                              </a:rPr>
+                              <m:t>2</m:t>
+                            </m:r>
+                          </m:sub>
+                        </m:sSub>
+                        <m:r>
+                          <a:rPr lang="en-US" i="1">
+                            <a:latin typeface="Cambria Math" panose="02040503050406030204" pitchFamily="18" charset="0"/>
+                          </a:rPr>
+                          <m:t>−</m:t>
+                        </m:r>
+                        <m:sSub>
+                          <m:sSubPr>
+                            <m:ctrlPr>
+                              <a:rPr lang="en-US" i="1">
+                                <a:latin typeface="Cambria Math" panose="02040503050406030204" pitchFamily="18" charset="0"/>
+                              </a:rPr>
+                            </m:ctrlPr>
+                          </m:sSubPr>
+                          <m:e>
+                            <m:r>
+                              <a:rPr lang="en-US" i="1">
+                                <a:latin typeface="Cambria Math" panose="02040503050406030204" pitchFamily="18" charset="0"/>
+                              </a:rPr>
+                              <m:t>𝛼</m:t>
+                            </m:r>
+                          </m:e>
+                          <m:sub>
+                            <m:r>
+                              <a:rPr lang="en-US" i="1">
+                                <a:latin typeface="Cambria Math" panose="02040503050406030204" pitchFamily="18" charset="0"/>
+                              </a:rPr>
+                              <m:t>1</m:t>
+                            </m:r>
+                          </m:sub>
+                        </m:sSub>
+                        <m:r>
+                          <a:rPr lang="en-US" i="1">
+                            <a:latin typeface="Cambria Math" panose="02040503050406030204" pitchFamily="18" charset="0"/>
+                          </a:rPr>
+                          <m:t>)</m:t>
+                        </m:r>
+                      </m:e>
+                    </m:d>
+                    <m:r>
+                      <a:rPr lang="en-US" b="0" i="1" smtClean="0">
+                        <a:latin typeface="Cambria Math" panose="02040503050406030204" pitchFamily="18" charset="0"/>
+                      </a:rPr>
+                      <m:t>≠0</m:t>
+                    </m:r>
+                  </m:oMath>
+                </a14:m>
+                <a:br>
+                  <a:rPr lang="en-US" dirty="0"/>
+                </a:br>
+                <a:r>
+                  <a:rPr lang="en-US" dirty="0"/>
+                  <a:t>Note that the increase / decrease amount depends on </a:t>
+                </a:r>
+                <a14:m>
+                  <m:oMath xmlns:m="http://schemas.openxmlformats.org/officeDocument/2006/math">
+                    <m:sSub>
+                      <m:sSubPr>
+                        <m:ctrlPr>
+                          <a:rPr lang="en-US" b="0" i="1" smtClean="0">
+                            <a:latin typeface="Cambria Math" panose="02040503050406030204" pitchFamily="18" charset="0"/>
+                          </a:rPr>
+                        </m:ctrlPr>
+                      </m:sSubPr>
+                      <m:e>
+                        <m:r>
+                          <a:rPr lang="en-US" b="0" i="1" smtClean="0">
+                            <a:latin typeface="Cambria Math" panose="02040503050406030204" pitchFamily="18" charset="0"/>
+                          </a:rPr>
+                          <m:t>𝛼</m:t>
+                        </m:r>
+                      </m:e>
+                      <m:sub>
+                        <m:r>
+                          <a:rPr lang="en-US" b="0" i="1" smtClean="0">
+                            <a:latin typeface="Cambria Math" panose="02040503050406030204" pitchFamily="18" charset="0"/>
+                          </a:rPr>
+                          <m:t>1</m:t>
+                        </m:r>
+                      </m:sub>
+                    </m:sSub>
+                    <m:r>
+                      <a:rPr lang="en-US" b="0" i="1" smtClean="0">
+                        <a:latin typeface="Cambria Math" panose="02040503050406030204" pitchFamily="18" charset="0"/>
+                      </a:rPr>
+                      <m:t>, </m:t>
+                    </m:r>
+                    <m:sSub>
+                      <m:sSubPr>
+                        <m:ctrlPr>
+                          <a:rPr lang="en-US" b="0" i="1" smtClean="0">
+                            <a:latin typeface="Cambria Math" panose="02040503050406030204" pitchFamily="18" charset="0"/>
+                          </a:rPr>
+                        </m:ctrlPr>
+                      </m:sSubPr>
+                      <m:e>
+                        <m:r>
+                          <a:rPr lang="en-US" b="0" i="1" smtClean="0">
+                            <a:latin typeface="Cambria Math" panose="02040503050406030204" pitchFamily="18" charset="0"/>
+                          </a:rPr>
+                          <m:t>𝛼</m:t>
+                        </m:r>
+                      </m:e>
+                      <m:sub>
+                        <m:r>
+                          <a:rPr lang="en-US" b="0" i="1" smtClean="0">
+                            <a:latin typeface="Cambria Math" panose="02040503050406030204" pitchFamily="18" charset="0"/>
+                          </a:rPr>
+                          <m:t>2</m:t>
+                        </m:r>
+                      </m:sub>
+                    </m:sSub>
+                    <m:r>
+                      <a:rPr lang="en-US" b="0" i="1" smtClean="0">
+                        <a:latin typeface="Cambria Math" panose="02040503050406030204" pitchFamily="18" charset="0"/>
+                      </a:rPr>
+                      <m:t>, </m:t>
+                    </m:r>
+                    <m:sSub>
+                      <m:sSubPr>
+                        <m:ctrlPr>
+                          <a:rPr lang="en-US" b="0" i="1" smtClean="0">
+                            <a:latin typeface="Cambria Math" panose="02040503050406030204" pitchFamily="18" charset="0"/>
+                          </a:rPr>
+                        </m:ctrlPr>
+                      </m:sSubPr>
+                      <m:e>
+                        <m:r>
+                          <a:rPr lang="en-US" b="0" i="1" smtClean="0">
+                            <a:latin typeface="Cambria Math" panose="02040503050406030204" pitchFamily="18" charset="0"/>
+                          </a:rPr>
+                          <m:t>𝛼</m:t>
+                        </m:r>
+                      </m:e>
+                      <m:sub>
+                        <m:r>
+                          <a:rPr lang="en-US" b="0" i="1" smtClean="0">
+                            <a:latin typeface="Cambria Math" panose="02040503050406030204" pitchFamily="18" charset="0"/>
+                          </a:rPr>
+                          <m:t>3</m:t>
+                        </m:r>
+                      </m:sub>
+                    </m:sSub>
+                  </m:oMath>
+                </a14:m>
+                <a:r>
+                  <a:rPr lang="en-US" dirty="0"/>
+                  <a:t> which represent the values of the place cells after applying normalization if being used. Also, it depends on </a:t>
+                </a:r>
+                <a14:m>
+                  <m:oMath xmlns:m="http://schemas.openxmlformats.org/officeDocument/2006/math">
+                    <m:r>
+                      <a:rPr lang="en-US" b="0" i="1" smtClean="0">
+                        <a:latin typeface="Cambria Math" panose="02040503050406030204" pitchFamily="18" charset="0"/>
+                      </a:rPr>
+                      <m:t>𝛾</m:t>
+                    </m:r>
+                  </m:oMath>
+                </a14:m>
+                <a:r>
+                  <a:rPr lang="en-US" dirty="0"/>
+                  <a:t> which is the decay factor.</a:t>
+                </a:r>
+              </a:p>
+              <a:p>
+                <a:r>
+                  <a:rPr lang="en-US" dirty="0"/>
+                  <a:t>Problem is that since rat remains in same cell, the new expected reward is the received reward plus a percentage of the current state.</a:t>
+                </a:r>
+              </a:p>
+              <a:p>
+                <a:r>
+                  <a:rPr lang="en-US" dirty="0"/>
+                  <a:t>E</a:t>
+                </a:r>
+              </a:p>
+            </p:txBody>
+          </p:sp>
+        </mc:Choice>
+        <mc:Fallback>
+          <p:sp>
+            <p:nvSpPr>
+              <p:cNvPr id="3" name="Content Placeholder 2">
+                <a:extLst>
+                  <a:ext uri="{FF2B5EF4-FFF2-40B4-BE49-F238E27FC236}">
+                    <a16:creationId xmlns:a16="http://schemas.microsoft.com/office/drawing/2014/main" id="{1E64F840-F3B7-43F3-AECE-E936986F206C}"/>
+                  </a:ext>
+                </a:extLst>
+              </p:cNvPr>
+              <p:cNvSpPr>
+                <a:spLocks noGrp="1" noRot="1" noChangeAspect="1" noMove="1" noResize="1" noEditPoints="1" noAdjustHandles="1" noChangeArrowheads="1" noChangeShapeType="1" noTextEdit="1"/>
+              </p:cNvSpPr>
+              <p:nvPr>
+                <p:ph idx="1"/>
+              </p:nvPr>
+            </p:nvSpPr>
+            <p:spPr>
+              <a:blipFill>
+                <a:blip r:embed="rId2"/>
+                <a:stretch>
+                  <a:fillRect l="-1043" t="-2241" r="-290" b="-1681"/>
+                </a:stretch>
+              </a:blipFill>
+            </p:spPr>
+            <p:txBody>
+              <a:bodyPr/>
+              <a:lstStyle/>
+              <a:p>
+                <a:r>
+                  <a:rPr lang="en-US">
+                    <a:noFill/>
+                  </a:rPr>
+                  <a:t> </a:t>
+                </a:r>
+              </a:p>
+            </p:txBody>
+          </p:sp>
+        </mc:Fallback>
+      </mc:AlternateContent>
+    </p:spTree>
+    <p:extLst>
+      <p:ext uri="{BB962C8B-B14F-4D97-AF65-F5344CB8AC3E}">
+        <p14:creationId xmlns:p14="http://schemas.microsoft.com/office/powerpoint/2010/main" val="1648074604"/>
+      </p:ext>
+    </p:extLst>
+  </p:cSld>
+  <p:clrMapOvr>
+    <a:masterClrMapping/>
+  </p:clrMapOvr>
+</p:sld>
+</file>
+
 <file path=ppt/slides/slide2.xml><?xml version="1.0" encoding="utf-8"?>
 <p:sld xmlns:a="http://schemas.openxmlformats.org/drawingml/2006/main" xmlns:r="http://schemas.openxmlformats.org/officeDocument/2006/relationships" xmlns:p="http://schemas.openxmlformats.org/presentationml/2006/main">
   <p:cSld>
@@ -22182,27 +30752,22 @@
           <a:p>
             <a:r>
               <a:rPr lang="en-US" sz="2400" dirty="0"/>
-              <a:t>Reproducing issue 6:</a:t>
+              <a:t>Reproducing issue 5 (said 6 – I think its issue 5):</a:t>
             </a:r>
             <a:br>
               <a:rPr lang="en-US" sz="2400" dirty="0"/>
             </a:br>
             <a:r>
               <a:rPr lang="en-US" sz="2400" dirty="0"/>
-              <a:t>Go to branch v2.1 commit</a:t>
-            </a:r>
-            <a:r>
-              <a:rPr lang="en-US" sz="2400"/>
-              <a:t>#: 2fd3db47247e46e1500a200db25eca5cf861346c</a:t>
+              <a:t>Go to branch v2.1 commit#: 2fd3db47247e46e1500a200db25eca5cf861346c</a:t>
             </a:r>
             <a:br>
-              <a:rPr lang="en-US" sz="2400"/>
+              <a:rPr lang="en-US" sz="2400" dirty="0"/>
             </a:br>
             <a:r>
-              <a:rPr lang="en-US" sz="2400"/>
+              <a:rPr lang="en-US" sz="2400" dirty="0"/>
               <a:t>of date: 07/11/2018</a:t>
             </a:r>
-            <a:endParaRPr lang="en-US" sz="2400" dirty="0"/>
           </a:p>
           <a:p>
             <a:r>
